--- a/ppt/Generics_Refresher.pptx
+++ b/ppt/Generics_Refresher.pptx
@@ -5,10 +5,10 @@
     <p:sldMasterId id="2147483648" r:id="rId4"/>
   </p:sldMasterIdLst>
   <p:notesMasterIdLst>
-    <p:notesMasterId r:id="rId17"/>
+    <p:notesMasterId r:id="rId31"/>
   </p:notesMasterIdLst>
   <p:handoutMasterIdLst>
-    <p:handoutMasterId r:id="rId18"/>
+    <p:handoutMasterId r:id="rId32"/>
   </p:handoutMasterIdLst>
   <p:sldIdLst>
     <p:sldId id="271" r:id="rId5"/>
@@ -21,13 +21,27 @@
     <p:sldId id="378" r:id="rId12"/>
     <p:sldId id="379" r:id="rId13"/>
     <p:sldId id="380" r:id="rId14"/>
-    <p:sldId id="322" r:id="rId15"/>
-    <p:sldId id="323" r:id="rId16"/>
+    <p:sldId id="381" r:id="rId15"/>
+    <p:sldId id="383" r:id="rId16"/>
+    <p:sldId id="384" r:id="rId17"/>
+    <p:sldId id="385" r:id="rId18"/>
+    <p:sldId id="386" r:id="rId19"/>
+    <p:sldId id="387" r:id="rId20"/>
+    <p:sldId id="388" r:id="rId21"/>
+    <p:sldId id="389" r:id="rId22"/>
+    <p:sldId id="390" r:id="rId23"/>
+    <p:sldId id="391" r:id="rId24"/>
+    <p:sldId id="392" r:id="rId25"/>
+    <p:sldId id="393" r:id="rId26"/>
+    <p:sldId id="394" r:id="rId27"/>
+    <p:sldId id="382" r:id="rId28"/>
+    <p:sldId id="322" r:id="rId29"/>
+    <p:sldId id="323" r:id="rId30"/>
   </p:sldIdLst>
   <p:sldSz cx="9144000" cy="6858000" type="screen4x3"/>
   <p:notesSz cx="6858000" cy="9144000"/>
   <p:custDataLst>
-    <p:tags r:id="rId19"/>
+    <p:tags r:id="rId33"/>
   </p:custDataLst>
   <p:defaultTextStyle>
     <a:defPPr>
@@ -139,6 +153,20 @@
             <p14:sldId id="378"/>
             <p14:sldId id="379"/>
             <p14:sldId id="380"/>
+            <p14:sldId id="381"/>
+            <p14:sldId id="383"/>
+            <p14:sldId id="384"/>
+            <p14:sldId id="385"/>
+            <p14:sldId id="386"/>
+            <p14:sldId id="387"/>
+            <p14:sldId id="388"/>
+            <p14:sldId id="389"/>
+            <p14:sldId id="390"/>
+            <p14:sldId id="391"/>
+            <p14:sldId id="392"/>
+            <p14:sldId id="393"/>
+            <p14:sldId id="394"/>
+            <p14:sldId id="382"/>
             <p14:sldId id="322"/>
             <p14:sldId id="323"/>
           </p14:sldIdLst>
@@ -259,7 +287,7 @@
           <a:p>
             <a:fld id="{A73B3874-4EDE-4EDC-B525-8967D0BF9027}" type="datetimeFigureOut">
               <a:rPr lang="en-IN" smtClean="0"/>
-              <a:t>27/05/24</a:t>
+              <a:t>29/05/24</a:t>
             </a:fld>
             <a:endParaRPr lang="en-IN"/>
           </a:p>
@@ -424,7 +452,7 @@
           <a:p>
             <a:fld id="{FBA77E9D-1F26-455B-9FC4-1E2D7C5371B8}" type="datetimeFigureOut">
               <a:rPr lang="en-US" smtClean="0"/>
-              <a:t>5/27/24</a:t>
+              <a:t>5/29/24</a:t>
             </a:fld>
             <a:endParaRPr lang="en-US" dirty="0"/>
           </a:p>
@@ -775,6 +803,942 @@
 </p:notes>
 </file>
 
+<file path=ppt/notesSlides/notesSlide10.xml><?xml version="1.0" encoding="utf-8"?>
+<p:notes xmlns:a="http://schemas.openxmlformats.org/drawingml/2006/main" xmlns:r="http://schemas.openxmlformats.org/officeDocument/2006/relationships" xmlns:p="http://schemas.openxmlformats.org/presentationml/2006/main">
+  <p:cSld>
+    <p:spTree>
+      <p:nvGrpSpPr>
+        <p:cNvPr id="1" name=""/>
+        <p:cNvGrpSpPr/>
+        <p:nvPr/>
+      </p:nvGrpSpPr>
+      <p:grpSpPr>
+        <a:xfrm>
+          <a:off x="0" y="0"/>
+          <a:ext cx="0" cy="0"/>
+          <a:chOff x="0" y="0"/>
+          <a:chExt cx="0" cy="0"/>
+        </a:xfrm>
+      </p:grpSpPr>
+      <p:sp>
+        <p:nvSpPr>
+          <p:cNvPr id="2" name="Slide Image Placeholder 1"/>
+          <p:cNvSpPr>
+            <a:spLocks noGrp="1" noRot="1" noChangeAspect="1"/>
+          </p:cNvSpPr>
+          <p:nvPr>
+            <p:ph type="sldImg"/>
+          </p:nvPr>
+        </p:nvSpPr>
+        <p:spPr/>
+      </p:sp>
+      <p:sp>
+        <p:nvSpPr>
+          <p:cNvPr id="3" name="Notes Placeholder 2"/>
+          <p:cNvSpPr>
+            <a:spLocks noGrp="1"/>
+          </p:cNvSpPr>
+          <p:nvPr>
+            <p:ph type="body" idx="1"/>
+          </p:nvPr>
+        </p:nvSpPr>
+        <p:spPr/>
+        <p:txBody>
+          <a:bodyPr/>
+          <a:lstStyle/>
+          <a:p>
+            <a:endParaRPr lang="en-US" dirty="0"/>
+          </a:p>
+        </p:txBody>
+      </p:sp>
+      <p:sp>
+        <p:nvSpPr>
+          <p:cNvPr id="4" name="Slide Number Placeholder 3"/>
+          <p:cNvSpPr>
+            <a:spLocks noGrp="1"/>
+          </p:cNvSpPr>
+          <p:nvPr>
+            <p:ph type="sldNum" sz="quarter" idx="5"/>
+          </p:nvPr>
+        </p:nvSpPr>
+        <p:spPr/>
+        <p:txBody>
+          <a:bodyPr/>
+          <a:lstStyle/>
+          <a:p>
+            <a:fld id="{73FCE4C0-1175-4F38-90ED-AE7A39817694}" type="slidenum">
+              <a:rPr lang="en-US" smtClean="0"/>
+              <a:t>11</a:t>
+            </a:fld>
+            <a:endParaRPr lang="en-US" dirty="0"/>
+          </a:p>
+        </p:txBody>
+      </p:sp>
+    </p:spTree>
+    <p:extLst>
+      <p:ext uri="{BB962C8B-B14F-4D97-AF65-F5344CB8AC3E}">
+        <p14:creationId xmlns:p14="http://schemas.microsoft.com/office/powerpoint/2010/main" val="1011742537"/>
+      </p:ext>
+    </p:extLst>
+  </p:cSld>
+  <p:clrMapOvr>
+    <a:masterClrMapping/>
+  </p:clrMapOvr>
+</p:notes>
+</file>
+
+<file path=ppt/notesSlides/notesSlide11.xml><?xml version="1.0" encoding="utf-8"?>
+<p:notes xmlns:a="http://schemas.openxmlformats.org/drawingml/2006/main" xmlns:r="http://schemas.openxmlformats.org/officeDocument/2006/relationships" xmlns:p="http://schemas.openxmlformats.org/presentationml/2006/main">
+  <p:cSld>
+    <p:spTree>
+      <p:nvGrpSpPr>
+        <p:cNvPr id="1" name=""/>
+        <p:cNvGrpSpPr/>
+        <p:nvPr/>
+      </p:nvGrpSpPr>
+      <p:grpSpPr>
+        <a:xfrm>
+          <a:off x="0" y="0"/>
+          <a:ext cx="0" cy="0"/>
+          <a:chOff x="0" y="0"/>
+          <a:chExt cx="0" cy="0"/>
+        </a:xfrm>
+      </p:grpSpPr>
+      <p:sp>
+        <p:nvSpPr>
+          <p:cNvPr id="2" name="Slide Image Placeholder 1"/>
+          <p:cNvSpPr>
+            <a:spLocks noGrp="1" noRot="1" noChangeAspect="1"/>
+          </p:cNvSpPr>
+          <p:nvPr>
+            <p:ph type="sldImg"/>
+          </p:nvPr>
+        </p:nvSpPr>
+        <p:spPr/>
+      </p:sp>
+      <p:sp>
+        <p:nvSpPr>
+          <p:cNvPr id="3" name="Notes Placeholder 2"/>
+          <p:cNvSpPr>
+            <a:spLocks noGrp="1"/>
+          </p:cNvSpPr>
+          <p:nvPr>
+            <p:ph type="body" idx="1"/>
+          </p:nvPr>
+        </p:nvSpPr>
+        <p:spPr/>
+        <p:txBody>
+          <a:bodyPr/>
+          <a:lstStyle/>
+          <a:p>
+            <a:endParaRPr lang="en-US" dirty="0"/>
+          </a:p>
+        </p:txBody>
+      </p:sp>
+      <p:sp>
+        <p:nvSpPr>
+          <p:cNvPr id="4" name="Slide Number Placeholder 3"/>
+          <p:cNvSpPr>
+            <a:spLocks noGrp="1"/>
+          </p:cNvSpPr>
+          <p:nvPr>
+            <p:ph type="sldNum" sz="quarter" idx="5"/>
+          </p:nvPr>
+        </p:nvSpPr>
+        <p:spPr/>
+        <p:txBody>
+          <a:bodyPr/>
+          <a:lstStyle/>
+          <a:p>
+            <a:fld id="{73FCE4C0-1175-4F38-90ED-AE7A39817694}" type="slidenum">
+              <a:rPr lang="en-US" smtClean="0"/>
+              <a:t>12</a:t>
+            </a:fld>
+            <a:endParaRPr lang="en-US" dirty="0"/>
+          </a:p>
+        </p:txBody>
+      </p:sp>
+    </p:spTree>
+    <p:extLst>
+      <p:ext uri="{BB962C8B-B14F-4D97-AF65-F5344CB8AC3E}">
+        <p14:creationId xmlns:p14="http://schemas.microsoft.com/office/powerpoint/2010/main" val="3651679971"/>
+      </p:ext>
+    </p:extLst>
+  </p:cSld>
+  <p:clrMapOvr>
+    <a:masterClrMapping/>
+  </p:clrMapOvr>
+</p:notes>
+</file>
+
+<file path=ppt/notesSlides/notesSlide12.xml><?xml version="1.0" encoding="utf-8"?>
+<p:notes xmlns:a="http://schemas.openxmlformats.org/drawingml/2006/main" xmlns:r="http://schemas.openxmlformats.org/officeDocument/2006/relationships" xmlns:p="http://schemas.openxmlformats.org/presentationml/2006/main">
+  <p:cSld>
+    <p:spTree>
+      <p:nvGrpSpPr>
+        <p:cNvPr id="1" name=""/>
+        <p:cNvGrpSpPr/>
+        <p:nvPr/>
+      </p:nvGrpSpPr>
+      <p:grpSpPr>
+        <a:xfrm>
+          <a:off x="0" y="0"/>
+          <a:ext cx="0" cy="0"/>
+          <a:chOff x="0" y="0"/>
+          <a:chExt cx="0" cy="0"/>
+        </a:xfrm>
+      </p:grpSpPr>
+      <p:sp>
+        <p:nvSpPr>
+          <p:cNvPr id="2" name="Slide Image Placeholder 1"/>
+          <p:cNvSpPr>
+            <a:spLocks noGrp="1" noRot="1" noChangeAspect="1"/>
+          </p:cNvSpPr>
+          <p:nvPr>
+            <p:ph type="sldImg"/>
+          </p:nvPr>
+        </p:nvSpPr>
+        <p:spPr/>
+      </p:sp>
+      <p:sp>
+        <p:nvSpPr>
+          <p:cNvPr id="3" name="Notes Placeholder 2"/>
+          <p:cNvSpPr>
+            <a:spLocks noGrp="1"/>
+          </p:cNvSpPr>
+          <p:nvPr>
+            <p:ph type="body" idx="1"/>
+          </p:nvPr>
+        </p:nvSpPr>
+        <p:spPr/>
+        <p:txBody>
+          <a:bodyPr/>
+          <a:lstStyle/>
+          <a:p>
+            <a:r>
+              <a:rPr lang="en-IN" sz="1200" dirty="0">
+                <a:solidFill>
+                  <a:schemeClr val="tx1">
+                    <a:lumMod val="75000"/>
+                    <a:lumOff val="25000"/>
+                  </a:schemeClr>
+                </a:solidFill>
+                <a:latin typeface="+mn-lt"/>
+                <a:cs typeface="+mn-cs"/>
+              </a:rPr>
+              <a:t>The implementation of the method is straightforward, but it does not compile because the greater than operator (&gt;) applies only to primitive types such as short, int, double, long, float, byte, and char</a:t>
+            </a:r>
+            <a:endParaRPr lang="en-US" dirty="0"/>
+          </a:p>
+        </p:txBody>
+      </p:sp>
+      <p:sp>
+        <p:nvSpPr>
+          <p:cNvPr id="4" name="Slide Number Placeholder 3"/>
+          <p:cNvSpPr>
+            <a:spLocks noGrp="1"/>
+          </p:cNvSpPr>
+          <p:nvPr>
+            <p:ph type="sldNum" sz="quarter" idx="5"/>
+          </p:nvPr>
+        </p:nvSpPr>
+        <p:spPr/>
+        <p:txBody>
+          <a:bodyPr/>
+          <a:lstStyle/>
+          <a:p>
+            <a:fld id="{73FCE4C0-1175-4F38-90ED-AE7A39817694}" type="slidenum">
+              <a:rPr lang="en-US" smtClean="0"/>
+              <a:t>13</a:t>
+            </a:fld>
+            <a:endParaRPr lang="en-US" dirty="0"/>
+          </a:p>
+        </p:txBody>
+      </p:sp>
+    </p:spTree>
+    <p:extLst>
+      <p:ext uri="{BB962C8B-B14F-4D97-AF65-F5344CB8AC3E}">
+        <p14:creationId xmlns:p14="http://schemas.microsoft.com/office/powerpoint/2010/main" val="3548743366"/>
+      </p:ext>
+    </p:extLst>
+  </p:cSld>
+  <p:clrMapOvr>
+    <a:masterClrMapping/>
+  </p:clrMapOvr>
+</p:notes>
+</file>
+
+<file path=ppt/notesSlides/notesSlide13.xml><?xml version="1.0" encoding="utf-8"?>
+<p:notes xmlns:a="http://schemas.openxmlformats.org/drawingml/2006/main" xmlns:r="http://schemas.openxmlformats.org/officeDocument/2006/relationships" xmlns:p="http://schemas.openxmlformats.org/presentationml/2006/main">
+  <p:cSld>
+    <p:spTree>
+      <p:nvGrpSpPr>
+        <p:cNvPr id="1" name=""/>
+        <p:cNvGrpSpPr/>
+        <p:nvPr/>
+      </p:nvGrpSpPr>
+      <p:grpSpPr>
+        <a:xfrm>
+          <a:off x="0" y="0"/>
+          <a:ext cx="0" cy="0"/>
+          <a:chOff x="0" y="0"/>
+          <a:chExt cx="0" cy="0"/>
+        </a:xfrm>
+      </p:grpSpPr>
+      <p:sp>
+        <p:nvSpPr>
+          <p:cNvPr id="2" name="Slide Image Placeholder 1"/>
+          <p:cNvSpPr>
+            <a:spLocks noGrp="1" noRot="1" noChangeAspect="1"/>
+          </p:cNvSpPr>
+          <p:nvPr>
+            <p:ph type="sldImg"/>
+          </p:nvPr>
+        </p:nvSpPr>
+        <p:spPr/>
+      </p:sp>
+      <p:sp>
+        <p:nvSpPr>
+          <p:cNvPr id="3" name="Notes Placeholder 2"/>
+          <p:cNvSpPr>
+            <a:spLocks noGrp="1"/>
+          </p:cNvSpPr>
+          <p:nvPr>
+            <p:ph type="body" idx="1"/>
+          </p:nvPr>
+        </p:nvSpPr>
+        <p:spPr/>
+        <p:txBody>
+          <a:bodyPr/>
+          <a:lstStyle/>
+          <a:p>
+            <a:r>
+              <a:rPr lang="en-IN" sz="1200" dirty="0">
+                <a:solidFill>
+                  <a:schemeClr val="tx1">
+                    <a:lumMod val="75000"/>
+                    <a:lumOff val="25000"/>
+                  </a:schemeClr>
+                </a:solidFill>
+                <a:latin typeface="+mn-lt"/>
+                <a:cs typeface="+mn-cs"/>
+              </a:rPr>
+              <a:t>The implementation of the method is straightforward, but it does not compile because the greater than operator (&gt;) applies only to primitive types such as short, int, double, long, float, byte, and char</a:t>
+            </a:r>
+            <a:endParaRPr lang="en-US" dirty="0"/>
+          </a:p>
+        </p:txBody>
+      </p:sp>
+      <p:sp>
+        <p:nvSpPr>
+          <p:cNvPr id="4" name="Slide Number Placeholder 3"/>
+          <p:cNvSpPr>
+            <a:spLocks noGrp="1"/>
+          </p:cNvSpPr>
+          <p:nvPr>
+            <p:ph type="sldNum" sz="quarter" idx="5"/>
+          </p:nvPr>
+        </p:nvSpPr>
+        <p:spPr/>
+        <p:txBody>
+          <a:bodyPr/>
+          <a:lstStyle/>
+          <a:p>
+            <a:fld id="{73FCE4C0-1175-4F38-90ED-AE7A39817694}" type="slidenum">
+              <a:rPr lang="en-US" smtClean="0"/>
+              <a:t>14</a:t>
+            </a:fld>
+            <a:endParaRPr lang="en-US" dirty="0"/>
+          </a:p>
+        </p:txBody>
+      </p:sp>
+    </p:spTree>
+    <p:extLst>
+      <p:ext uri="{BB962C8B-B14F-4D97-AF65-F5344CB8AC3E}">
+        <p14:creationId xmlns:p14="http://schemas.microsoft.com/office/powerpoint/2010/main" val="669380008"/>
+      </p:ext>
+    </p:extLst>
+  </p:cSld>
+  <p:clrMapOvr>
+    <a:masterClrMapping/>
+  </p:clrMapOvr>
+</p:notes>
+</file>
+
+<file path=ppt/notesSlides/notesSlide14.xml><?xml version="1.0" encoding="utf-8"?>
+<p:notes xmlns:a="http://schemas.openxmlformats.org/drawingml/2006/main" xmlns:r="http://schemas.openxmlformats.org/officeDocument/2006/relationships" xmlns:p="http://schemas.openxmlformats.org/presentationml/2006/main">
+  <p:cSld>
+    <p:spTree>
+      <p:nvGrpSpPr>
+        <p:cNvPr id="1" name=""/>
+        <p:cNvGrpSpPr/>
+        <p:nvPr/>
+      </p:nvGrpSpPr>
+      <p:grpSpPr>
+        <a:xfrm>
+          <a:off x="0" y="0"/>
+          <a:ext cx="0" cy="0"/>
+          <a:chOff x="0" y="0"/>
+          <a:chExt cx="0" cy="0"/>
+        </a:xfrm>
+      </p:grpSpPr>
+      <p:sp>
+        <p:nvSpPr>
+          <p:cNvPr id="2" name="Slide Image Placeholder 1"/>
+          <p:cNvSpPr>
+            <a:spLocks noGrp="1" noRot="1" noChangeAspect="1"/>
+          </p:cNvSpPr>
+          <p:nvPr>
+            <p:ph type="sldImg"/>
+          </p:nvPr>
+        </p:nvSpPr>
+        <p:spPr/>
+      </p:sp>
+      <p:sp>
+        <p:nvSpPr>
+          <p:cNvPr id="3" name="Notes Placeholder 2"/>
+          <p:cNvSpPr>
+            <a:spLocks noGrp="1"/>
+          </p:cNvSpPr>
+          <p:nvPr>
+            <p:ph type="body" idx="1"/>
+          </p:nvPr>
+        </p:nvSpPr>
+        <p:spPr/>
+        <p:txBody>
+          <a:bodyPr/>
+          <a:lstStyle/>
+          <a:p>
+            <a:r>
+              <a:rPr lang="en-IN" sz="1200" dirty="0">
+                <a:solidFill>
+                  <a:schemeClr val="tx1">
+                    <a:lumMod val="75000"/>
+                    <a:lumOff val="25000"/>
+                  </a:schemeClr>
+                </a:solidFill>
+                <a:latin typeface="+mn-lt"/>
+                <a:cs typeface="+mn-cs"/>
+              </a:rPr>
+              <a:t>The implementation of the method is straightforward, but it does not compile because the greater than operator (&gt;) applies only to primitive types such as short, int, double, long, float, byte, and char</a:t>
+            </a:r>
+            <a:endParaRPr lang="en-US" dirty="0"/>
+          </a:p>
+        </p:txBody>
+      </p:sp>
+      <p:sp>
+        <p:nvSpPr>
+          <p:cNvPr id="4" name="Slide Number Placeholder 3"/>
+          <p:cNvSpPr>
+            <a:spLocks noGrp="1"/>
+          </p:cNvSpPr>
+          <p:nvPr>
+            <p:ph type="sldNum" sz="quarter" idx="5"/>
+          </p:nvPr>
+        </p:nvSpPr>
+        <p:spPr/>
+        <p:txBody>
+          <a:bodyPr/>
+          <a:lstStyle/>
+          <a:p>
+            <a:fld id="{73FCE4C0-1175-4F38-90ED-AE7A39817694}" type="slidenum">
+              <a:rPr lang="en-US" smtClean="0"/>
+              <a:t>15</a:t>
+            </a:fld>
+            <a:endParaRPr lang="en-US" dirty="0"/>
+          </a:p>
+        </p:txBody>
+      </p:sp>
+    </p:spTree>
+    <p:extLst>
+      <p:ext uri="{BB962C8B-B14F-4D97-AF65-F5344CB8AC3E}">
+        <p14:creationId xmlns:p14="http://schemas.microsoft.com/office/powerpoint/2010/main" val="3530474623"/>
+      </p:ext>
+    </p:extLst>
+  </p:cSld>
+  <p:clrMapOvr>
+    <a:masterClrMapping/>
+  </p:clrMapOvr>
+</p:notes>
+</file>
+
+<file path=ppt/notesSlides/notesSlide15.xml><?xml version="1.0" encoding="utf-8"?>
+<p:notes xmlns:a="http://schemas.openxmlformats.org/drawingml/2006/main" xmlns:r="http://schemas.openxmlformats.org/officeDocument/2006/relationships" xmlns:p="http://schemas.openxmlformats.org/presentationml/2006/main">
+  <p:cSld>
+    <p:spTree>
+      <p:nvGrpSpPr>
+        <p:cNvPr id="1" name=""/>
+        <p:cNvGrpSpPr/>
+        <p:nvPr/>
+      </p:nvGrpSpPr>
+      <p:grpSpPr>
+        <a:xfrm>
+          <a:off x="0" y="0"/>
+          <a:ext cx="0" cy="0"/>
+          <a:chOff x="0" y="0"/>
+          <a:chExt cx="0" cy="0"/>
+        </a:xfrm>
+      </p:grpSpPr>
+      <p:sp>
+        <p:nvSpPr>
+          <p:cNvPr id="2" name="Slide Image Placeholder 1"/>
+          <p:cNvSpPr>
+            <a:spLocks noGrp="1" noRot="1" noChangeAspect="1"/>
+          </p:cNvSpPr>
+          <p:nvPr>
+            <p:ph type="sldImg"/>
+          </p:nvPr>
+        </p:nvSpPr>
+        <p:spPr/>
+      </p:sp>
+      <p:sp>
+        <p:nvSpPr>
+          <p:cNvPr id="3" name="Notes Placeholder 2"/>
+          <p:cNvSpPr>
+            <a:spLocks noGrp="1"/>
+          </p:cNvSpPr>
+          <p:nvPr>
+            <p:ph type="body" idx="1"/>
+          </p:nvPr>
+        </p:nvSpPr>
+        <p:spPr/>
+        <p:txBody>
+          <a:bodyPr/>
+          <a:lstStyle/>
+          <a:p>
+            <a:endParaRPr lang="en-US" dirty="0"/>
+          </a:p>
+        </p:txBody>
+      </p:sp>
+      <p:sp>
+        <p:nvSpPr>
+          <p:cNvPr id="4" name="Slide Number Placeholder 3"/>
+          <p:cNvSpPr>
+            <a:spLocks noGrp="1"/>
+          </p:cNvSpPr>
+          <p:nvPr>
+            <p:ph type="sldNum" sz="quarter" idx="5"/>
+          </p:nvPr>
+        </p:nvSpPr>
+        <p:spPr/>
+        <p:txBody>
+          <a:bodyPr/>
+          <a:lstStyle/>
+          <a:p>
+            <a:fld id="{73FCE4C0-1175-4F38-90ED-AE7A39817694}" type="slidenum">
+              <a:rPr lang="en-US" smtClean="0"/>
+              <a:t>16</a:t>
+            </a:fld>
+            <a:endParaRPr lang="en-US" dirty="0"/>
+          </a:p>
+        </p:txBody>
+      </p:sp>
+    </p:spTree>
+    <p:extLst>
+      <p:ext uri="{BB962C8B-B14F-4D97-AF65-F5344CB8AC3E}">
+        <p14:creationId xmlns:p14="http://schemas.microsoft.com/office/powerpoint/2010/main" val="830079645"/>
+      </p:ext>
+    </p:extLst>
+  </p:cSld>
+  <p:clrMapOvr>
+    <a:masterClrMapping/>
+  </p:clrMapOvr>
+</p:notes>
+</file>
+
+<file path=ppt/notesSlides/notesSlide16.xml><?xml version="1.0" encoding="utf-8"?>
+<p:notes xmlns:a="http://schemas.openxmlformats.org/drawingml/2006/main" xmlns:r="http://schemas.openxmlformats.org/officeDocument/2006/relationships" xmlns:p="http://schemas.openxmlformats.org/presentationml/2006/main">
+  <p:cSld>
+    <p:spTree>
+      <p:nvGrpSpPr>
+        <p:cNvPr id="1" name=""/>
+        <p:cNvGrpSpPr/>
+        <p:nvPr/>
+      </p:nvGrpSpPr>
+      <p:grpSpPr>
+        <a:xfrm>
+          <a:off x="0" y="0"/>
+          <a:ext cx="0" cy="0"/>
+          <a:chOff x="0" y="0"/>
+          <a:chExt cx="0" cy="0"/>
+        </a:xfrm>
+      </p:grpSpPr>
+      <p:sp>
+        <p:nvSpPr>
+          <p:cNvPr id="2" name="Slide Image Placeholder 1"/>
+          <p:cNvSpPr>
+            <a:spLocks noGrp="1" noRot="1" noChangeAspect="1"/>
+          </p:cNvSpPr>
+          <p:nvPr>
+            <p:ph type="sldImg"/>
+          </p:nvPr>
+        </p:nvSpPr>
+        <p:spPr/>
+      </p:sp>
+      <p:sp>
+        <p:nvSpPr>
+          <p:cNvPr id="3" name="Notes Placeholder 2"/>
+          <p:cNvSpPr>
+            <a:spLocks noGrp="1"/>
+          </p:cNvSpPr>
+          <p:nvPr>
+            <p:ph type="body" idx="1"/>
+          </p:nvPr>
+        </p:nvSpPr>
+        <p:spPr/>
+        <p:txBody>
+          <a:bodyPr/>
+          <a:lstStyle/>
+          <a:p>
+            <a:r>
+              <a:rPr lang="en-IN" sz="1200" dirty="0">
+                <a:solidFill>
+                  <a:schemeClr val="tx1">
+                    <a:lumMod val="75000"/>
+                    <a:lumOff val="25000"/>
+                  </a:schemeClr>
+                </a:solidFill>
+                <a:latin typeface="+mn-lt"/>
+                <a:cs typeface="+mn-cs"/>
+              </a:rPr>
+              <a:t>For example, you are defining a class or an interface and you don't know which type should be used. How would you handle this in Java? In addition to this, different generic types are not compatible with each other. How do we solve all those problems? Don’t fret. Enter wildcard. </a:t>
+            </a:r>
+            <a:endParaRPr lang="en-US" dirty="0"/>
+          </a:p>
+        </p:txBody>
+      </p:sp>
+      <p:sp>
+        <p:nvSpPr>
+          <p:cNvPr id="4" name="Slide Number Placeholder 3"/>
+          <p:cNvSpPr>
+            <a:spLocks noGrp="1"/>
+          </p:cNvSpPr>
+          <p:nvPr>
+            <p:ph type="sldNum" sz="quarter" idx="5"/>
+          </p:nvPr>
+        </p:nvSpPr>
+        <p:spPr/>
+        <p:txBody>
+          <a:bodyPr/>
+          <a:lstStyle/>
+          <a:p>
+            <a:fld id="{73FCE4C0-1175-4F38-90ED-AE7A39817694}" type="slidenum">
+              <a:rPr lang="en-US" smtClean="0"/>
+              <a:t>17</a:t>
+            </a:fld>
+            <a:endParaRPr lang="en-US" dirty="0"/>
+          </a:p>
+        </p:txBody>
+      </p:sp>
+    </p:spTree>
+    <p:extLst>
+      <p:ext uri="{BB962C8B-B14F-4D97-AF65-F5344CB8AC3E}">
+        <p14:creationId xmlns:p14="http://schemas.microsoft.com/office/powerpoint/2010/main" val="583310982"/>
+      </p:ext>
+    </p:extLst>
+  </p:cSld>
+  <p:clrMapOvr>
+    <a:masterClrMapping/>
+  </p:clrMapOvr>
+</p:notes>
+</file>
+
+<file path=ppt/notesSlides/notesSlide17.xml><?xml version="1.0" encoding="utf-8"?>
+<p:notes xmlns:a="http://schemas.openxmlformats.org/drawingml/2006/main" xmlns:r="http://schemas.openxmlformats.org/officeDocument/2006/relationships" xmlns:p="http://schemas.openxmlformats.org/presentationml/2006/main">
+  <p:cSld>
+    <p:spTree>
+      <p:nvGrpSpPr>
+        <p:cNvPr id="1" name=""/>
+        <p:cNvGrpSpPr/>
+        <p:nvPr/>
+      </p:nvGrpSpPr>
+      <p:grpSpPr>
+        <a:xfrm>
+          <a:off x="0" y="0"/>
+          <a:ext cx="0" cy="0"/>
+          <a:chOff x="0" y="0"/>
+          <a:chExt cx="0" cy="0"/>
+        </a:xfrm>
+      </p:grpSpPr>
+      <p:sp>
+        <p:nvSpPr>
+          <p:cNvPr id="2" name="Slide Image Placeholder 1"/>
+          <p:cNvSpPr>
+            <a:spLocks noGrp="1" noRot="1" noChangeAspect="1"/>
+          </p:cNvSpPr>
+          <p:nvPr>
+            <p:ph type="sldImg"/>
+          </p:nvPr>
+        </p:nvSpPr>
+        <p:spPr/>
+      </p:sp>
+      <p:sp>
+        <p:nvSpPr>
+          <p:cNvPr id="3" name="Notes Placeholder 2"/>
+          <p:cNvSpPr>
+            <a:spLocks noGrp="1"/>
+          </p:cNvSpPr>
+          <p:nvPr>
+            <p:ph type="body" idx="1"/>
+          </p:nvPr>
+        </p:nvSpPr>
+        <p:spPr/>
+        <p:txBody>
+          <a:bodyPr/>
+          <a:lstStyle/>
+          <a:p>
+            <a:endParaRPr lang="en-US" dirty="0"/>
+          </a:p>
+        </p:txBody>
+      </p:sp>
+      <p:sp>
+        <p:nvSpPr>
+          <p:cNvPr id="4" name="Slide Number Placeholder 3"/>
+          <p:cNvSpPr>
+            <a:spLocks noGrp="1"/>
+          </p:cNvSpPr>
+          <p:nvPr>
+            <p:ph type="sldNum" sz="quarter" idx="5"/>
+          </p:nvPr>
+        </p:nvSpPr>
+        <p:spPr/>
+        <p:txBody>
+          <a:bodyPr/>
+          <a:lstStyle/>
+          <a:p>
+            <a:fld id="{73FCE4C0-1175-4F38-90ED-AE7A39817694}" type="slidenum">
+              <a:rPr lang="en-US" smtClean="0"/>
+              <a:t>18</a:t>
+            </a:fld>
+            <a:endParaRPr lang="en-US" dirty="0"/>
+          </a:p>
+        </p:txBody>
+      </p:sp>
+    </p:spTree>
+    <p:extLst>
+      <p:ext uri="{BB962C8B-B14F-4D97-AF65-F5344CB8AC3E}">
+        <p14:creationId xmlns:p14="http://schemas.microsoft.com/office/powerpoint/2010/main" val="399680413"/>
+      </p:ext>
+    </p:extLst>
+  </p:cSld>
+  <p:clrMapOvr>
+    <a:masterClrMapping/>
+  </p:clrMapOvr>
+</p:notes>
+</file>
+
+<file path=ppt/notesSlides/notesSlide18.xml><?xml version="1.0" encoding="utf-8"?>
+<p:notes xmlns:a="http://schemas.openxmlformats.org/drawingml/2006/main" xmlns:r="http://schemas.openxmlformats.org/officeDocument/2006/relationships" xmlns:p="http://schemas.openxmlformats.org/presentationml/2006/main">
+  <p:cSld>
+    <p:spTree>
+      <p:nvGrpSpPr>
+        <p:cNvPr id="1" name=""/>
+        <p:cNvGrpSpPr/>
+        <p:nvPr/>
+      </p:nvGrpSpPr>
+      <p:grpSpPr>
+        <a:xfrm>
+          <a:off x="0" y="0"/>
+          <a:ext cx="0" cy="0"/>
+          <a:chOff x="0" y="0"/>
+          <a:chExt cx="0" cy="0"/>
+        </a:xfrm>
+      </p:grpSpPr>
+      <p:sp>
+        <p:nvSpPr>
+          <p:cNvPr id="2" name="Slide Image Placeholder 1"/>
+          <p:cNvSpPr>
+            <a:spLocks noGrp="1" noRot="1" noChangeAspect="1"/>
+          </p:cNvSpPr>
+          <p:nvPr>
+            <p:ph type="sldImg"/>
+          </p:nvPr>
+        </p:nvSpPr>
+        <p:spPr/>
+      </p:sp>
+      <p:sp>
+        <p:nvSpPr>
+          <p:cNvPr id="3" name="Notes Placeholder 2"/>
+          <p:cNvSpPr>
+            <a:spLocks noGrp="1"/>
+          </p:cNvSpPr>
+          <p:nvPr>
+            <p:ph type="body" idx="1"/>
+          </p:nvPr>
+        </p:nvSpPr>
+        <p:spPr/>
+        <p:txBody>
+          <a:bodyPr/>
+          <a:lstStyle/>
+          <a:p>
+            <a:r>
+              <a:rPr lang="en-IN" b="0" i="0" dirty="0">
+                <a:solidFill>
+                  <a:srgbClr val="61738E"/>
+                </a:solidFill>
+                <a:effectLst/>
+                <a:latin typeface="__Source_Sans_Pro_fa6df0"/>
+              </a:rPr>
+              <a:t>In this example, we are accepting a parameter inside the method sum of List which has a wildcard character? extended by the type Number. This means this parameter could be </a:t>
+            </a:r>
+            <a:r>
+              <a:rPr lang="en-IN" b="0" i="0" dirty="0">
+                <a:effectLst/>
+                <a:latin typeface="__Source_Sans_Pro_fa6df0"/>
+              </a:rPr>
+              <a:t>List&lt;Integer&gt;</a:t>
+            </a:r>
+            <a:r>
+              <a:rPr lang="en-IN" b="0" i="0" dirty="0">
+                <a:solidFill>
+                  <a:srgbClr val="61738E"/>
+                </a:solidFill>
+                <a:effectLst/>
+                <a:latin typeface="__Source_Sans_Pro_fa6df0"/>
+              </a:rPr>
+              <a:t>, </a:t>
+            </a:r>
+            <a:r>
+              <a:rPr lang="en-IN" b="0" i="0" dirty="0">
+                <a:effectLst/>
+                <a:latin typeface="__Source_Sans_Pro_fa6df0"/>
+              </a:rPr>
+              <a:t>List&lt;Double&gt;</a:t>
+            </a:r>
+            <a:r>
+              <a:rPr lang="en-IN" b="0" i="0" dirty="0">
+                <a:solidFill>
+                  <a:srgbClr val="61738E"/>
+                </a:solidFill>
+                <a:effectLst/>
+                <a:latin typeface="__Source_Sans_Pro_fa6df0"/>
+              </a:rPr>
+              <a:t> and so on under the Number class.</a:t>
+            </a:r>
+            <a:endParaRPr lang="en-US" dirty="0"/>
+          </a:p>
+        </p:txBody>
+      </p:sp>
+      <p:sp>
+        <p:nvSpPr>
+          <p:cNvPr id="4" name="Slide Number Placeholder 3"/>
+          <p:cNvSpPr>
+            <a:spLocks noGrp="1"/>
+          </p:cNvSpPr>
+          <p:nvPr>
+            <p:ph type="sldNum" sz="quarter" idx="5"/>
+          </p:nvPr>
+        </p:nvSpPr>
+        <p:spPr/>
+        <p:txBody>
+          <a:bodyPr/>
+          <a:lstStyle/>
+          <a:p>
+            <a:fld id="{73FCE4C0-1175-4F38-90ED-AE7A39817694}" type="slidenum">
+              <a:rPr lang="en-US" smtClean="0"/>
+              <a:t>19</a:t>
+            </a:fld>
+            <a:endParaRPr lang="en-US" dirty="0"/>
+          </a:p>
+        </p:txBody>
+      </p:sp>
+    </p:spTree>
+    <p:extLst>
+      <p:ext uri="{BB962C8B-B14F-4D97-AF65-F5344CB8AC3E}">
+        <p14:creationId xmlns:p14="http://schemas.microsoft.com/office/powerpoint/2010/main" val="248529436"/>
+      </p:ext>
+    </p:extLst>
+  </p:cSld>
+  <p:clrMapOvr>
+    <a:masterClrMapping/>
+  </p:clrMapOvr>
+</p:notes>
+</file>
+
+<file path=ppt/notesSlides/notesSlide19.xml><?xml version="1.0" encoding="utf-8"?>
+<p:notes xmlns:a="http://schemas.openxmlformats.org/drawingml/2006/main" xmlns:r="http://schemas.openxmlformats.org/officeDocument/2006/relationships" xmlns:p="http://schemas.openxmlformats.org/presentationml/2006/main">
+  <p:cSld>
+    <p:spTree>
+      <p:nvGrpSpPr>
+        <p:cNvPr id="1" name=""/>
+        <p:cNvGrpSpPr/>
+        <p:nvPr/>
+      </p:nvGrpSpPr>
+      <p:grpSpPr>
+        <a:xfrm>
+          <a:off x="0" y="0"/>
+          <a:ext cx="0" cy="0"/>
+          <a:chOff x="0" y="0"/>
+          <a:chExt cx="0" cy="0"/>
+        </a:xfrm>
+      </p:grpSpPr>
+      <p:sp>
+        <p:nvSpPr>
+          <p:cNvPr id="2" name="Slide Image Placeholder 1"/>
+          <p:cNvSpPr>
+            <a:spLocks noGrp="1" noRot="1" noChangeAspect="1"/>
+          </p:cNvSpPr>
+          <p:nvPr>
+            <p:ph type="sldImg"/>
+          </p:nvPr>
+        </p:nvSpPr>
+        <p:spPr/>
+      </p:sp>
+      <p:sp>
+        <p:nvSpPr>
+          <p:cNvPr id="3" name="Notes Placeholder 2"/>
+          <p:cNvSpPr>
+            <a:spLocks noGrp="1"/>
+          </p:cNvSpPr>
+          <p:nvPr>
+            <p:ph type="body" idx="1"/>
+          </p:nvPr>
+        </p:nvSpPr>
+        <p:spPr/>
+        <p:txBody>
+          <a:bodyPr/>
+          <a:lstStyle/>
+          <a:p>
+            <a:endParaRPr lang="en-US" dirty="0"/>
+          </a:p>
+        </p:txBody>
+      </p:sp>
+      <p:sp>
+        <p:nvSpPr>
+          <p:cNvPr id="4" name="Slide Number Placeholder 3"/>
+          <p:cNvSpPr>
+            <a:spLocks noGrp="1"/>
+          </p:cNvSpPr>
+          <p:nvPr>
+            <p:ph type="sldNum" sz="quarter" idx="5"/>
+          </p:nvPr>
+        </p:nvSpPr>
+        <p:spPr/>
+        <p:txBody>
+          <a:bodyPr/>
+          <a:lstStyle/>
+          <a:p>
+            <a:fld id="{73FCE4C0-1175-4F38-90ED-AE7A39817694}" type="slidenum">
+              <a:rPr lang="en-US" smtClean="0"/>
+              <a:t>20</a:t>
+            </a:fld>
+            <a:endParaRPr lang="en-US" dirty="0"/>
+          </a:p>
+        </p:txBody>
+      </p:sp>
+    </p:spTree>
+    <p:extLst>
+      <p:ext uri="{BB962C8B-B14F-4D97-AF65-F5344CB8AC3E}">
+        <p14:creationId xmlns:p14="http://schemas.microsoft.com/office/powerpoint/2010/main" val="4212979252"/>
+      </p:ext>
+    </p:extLst>
+  </p:cSld>
+  <p:clrMapOvr>
+    <a:masterClrMapping/>
+  </p:clrMapOvr>
+</p:notes>
+</file>
+
 <file path=ppt/notesSlides/notesSlide2.xml><?xml version="1.0" encoding="utf-8"?>
 <p:notes xmlns:a="http://schemas.openxmlformats.org/drawingml/2006/main" xmlns:r="http://schemas.openxmlformats.org/officeDocument/2006/relationships" xmlns:p="http://schemas.openxmlformats.org/presentationml/2006/main">
   <p:cSld>
@@ -850,6 +1814,352 @@
     <p:extLst>
       <p:ext uri="{BB962C8B-B14F-4D97-AF65-F5344CB8AC3E}">
         <p14:creationId xmlns:p14="http://schemas.microsoft.com/office/powerpoint/2010/main" val="975260591"/>
+      </p:ext>
+    </p:extLst>
+  </p:cSld>
+  <p:clrMapOvr>
+    <a:masterClrMapping/>
+  </p:clrMapOvr>
+</p:notes>
+</file>
+
+<file path=ppt/notesSlides/notesSlide20.xml><?xml version="1.0" encoding="utf-8"?>
+<p:notes xmlns:a="http://schemas.openxmlformats.org/drawingml/2006/main" xmlns:r="http://schemas.openxmlformats.org/officeDocument/2006/relationships" xmlns:p="http://schemas.openxmlformats.org/presentationml/2006/main">
+  <p:cSld>
+    <p:spTree>
+      <p:nvGrpSpPr>
+        <p:cNvPr id="1" name=""/>
+        <p:cNvGrpSpPr/>
+        <p:nvPr/>
+      </p:nvGrpSpPr>
+      <p:grpSpPr>
+        <a:xfrm>
+          <a:off x="0" y="0"/>
+          <a:ext cx="0" cy="0"/>
+          <a:chOff x="0" y="0"/>
+          <a:chExt cx="0" cy="0"/>
+        </a:xfrm>
+      </p:grpSpPr>
+      <p:sp>
+        <p:nvSpPr>
+          <p:cNvPr id="2" name="Slide Image Placeholder 1"/>
+          <p:cNvSpPr>
+            <a:spLocks noGrp="1" noRot="1" noChangeAspect="1"/>
+          </p:cNvSpPr>
+          <p:nvPr>
+            <p:ph type="sldImg"/>
+          </p:nvPr>
+        </p:nvSpPr>
+        <p:spPr/>
+      </p:sp>
+      <p:sp>
+        <p:nvSpPr>
+          <p:cNvPr id="3" name="Notes Placeholder 2"/>
+          <p:cNvSpPr>
+            <a:spLocks noGrp="1"/>
+          </p:cNvSpPr>
+          <p:nvPr>
+            <p:ph type="body" idx="1"/>
+          </p:nvPr>
+        </p:nvSpPr>
+        <p:spPr/>
+        <p:txBody>
+          <a:bodyPr/>
+          <a:lstStyle/>
+          <a:p>
+            <a:r>
+              <a:rPr lang="en-IN" b="0" i="0" dirty="0">
+                <a:solidFill>
+                  <a:srgbClr val="61738E"/>
+                </a:solidFill>
+                <a:effectLst/>
+                <a:latin typeface="__Source_Sans_Pro_fa6df0"/>
+              </a:rPr>
+              <a:t>Here, we are just printing the list of elements that are passed in. But notice that we can pass Number and Integer both instead of just an Integer. However, if we pass Double it will throw an error as Double is not a superclass of Integer. When we use Lower bound you can only pass the class itself or its superclass objects.</a:t>
+            </a:r>
+            <a:endParaRPr lang="en-US" dirty="0"/>
+          </a:p>
+        </p:txBody>
+      </p:sp>
+      <p:sp>
+        <p:nvSpPr>
+          <p:cNvPr id="4" name="Slide Number Placeholder 3"/>
+          <p:cNvSpPr>
+            <a:spLocks noGrp="1"/>
+          </p:cNvSpPr>
+          <p:nvPr>
+            <p:ph type="sldNum" sz="quarter" idx="5"/>
+          </p:nvPr>
+        </p:nvSpPr>
+        <p:spPr/>
+        <p:txBody>
+          <a:bodyPr/>
+          <a:lstStyle/>
+          <a:p>
+            <a:fld id="{73FCE4C0-1175-4F38-90ED-AE7A39817694}" type="slidenum">
+              <a:rPr lang="en-US" smtClean="0"/>
+              <a:t>21</a:t>
+            </a:fld>
+            <a:endParaRPr lang="en-US" dirty="0"/>
+          </a:p>
+        </p:txBody>
+      </p:sp>
+    </p:spTree>
+    <p:extLst>
+      <p:ext uri="{BB962C8B-B14F-4D97-AF65-F5344CB8AC3E}">
+        <p14:creationId xmlns:p14="http://schemas.microsoft.com/office/powerpoint/2010/main" val="1479811112"/>
+      </p:ext>
+    </p:extLst>
+  </p:cSld>
+  <p:clrMapOvr>
+    <a:masterClrMapping/>
+  </p:clrMapOvr>
+</p:notes>
+</file>
+
+<file path=ppt/notesSlides/notesSlide21.xml><?xml version="1.0" encoding="utf-8"?>
+<p:notes xmlns:a="http://schemas.openxmlformats.org/drawingml/2006/main" xmlns:r="http://schemas.openxmlformats.org/officeDocument/2006/relationships" xmlns:p="http://schemas.openxmlformats.org/presentationml/2006/main">
+  <p:cSld>
+    <p:spTree>
+      <p:nvGrpSpPr>
+        <p:cNvPr id="1" name=""/>
+        <p:cNvGrpSpPr/>
+        <p:nvPr/>
+      </p:nvGrpSpPr>
+      <p:grpSpPr>
+        <a:xfrm>
+          <a:off x="0" y="0"/>
+          <a:ext cx="0" cy="0"/>
+          <a:chOff x="0" y="0"/>
+          <a:chExt cx="0" cy="0"/>
+        </a:xfrm>
+      </p:grpSpPr>
+      <p:sp>
+        <p:nvSpPr>
+          <p:cNvPr id="2" name="Slide Image Placeholder 1"/>
+          <p:cNvSpPr>
+            <a:spLocks noGrp="1" noRot="1" noChangeAspect="1"/>
+          </p:cNvSpPr>
+          <p:nvPr>
+            <p:ph type="sldImg"/>
+          </p:nvPr>
+        </p:nvSpPr>
+        <p:spPr/>
+      </p:sp>
+      <p:sp>
+        <p:nvSpPr>
+          <p:cNvPr id="3" name="Notes Placeholder 2"/>
+          <p:cNvSpPr>
+            <a:spLocks noGrp="1"/>
+          </p:cNvSpPr>
+          <p:nvPr>
+            <p:ph type="body" idx="1"/>
+          </p:nvPr>
+        </p:nvSpPr>
+        <p:spPr/>
+        <p:txBody>
+          <a:bodyPr/>
+          <a:lstStyle/>
+          <a:p>
+            <a:endParaRPr lang="en-US" dirty="0"/>
+          </a:p>
+        </p:txBody>
+      </p:sp>
+      <p:sp>
+        <p:nvSpPr>
+          <p:cNvPr id="4" name="Slide Number Placeholder 3"/>
+          <p:cNvSpPr>
+            <a:spLocks noGrp="1"/>
+          </p:cNvSpPr>
+          <p:nvPr>
+            <p:ph type="sldNum" sz="quarter" idx="5"/>
+          </p:nvPr>
+        </p:nvSpPr>
+        <p:spPr/>
+        <p:txBody>
+          <a:bodyPr/>
+          <a:lstStyle/>
+          <a:p>
+            <a:fld id="{73FCE4C0-1175-4F38-90ED-AE7A39817694}" type="slidenum">
+              <a:rPr lang="en-US" smtClean="0"/>
+              <a:t>22</a:t>
+            </a:fld>
+            <a:endParaRPr lang="en-US" dirty="0"/>
+          </a:p>
+        </p:txBody>
+      </p:sp>
+    </p:spTree>
+    <p:extLst>
+      <p:ext uri="{BB962C8B-B14F-4D97-AF65-F5344CB8AC3E}">
+        <p14:creationId xmlns:p14="http://schemas.microsoft.com/office/powerpoint/2010/main" val="2084324160"/>
+      </p:ext>
+    </p:extLst>
+  </p:cSld>
+  <p:clrMapOvr>
+    <a:masterClrMapping/>
+  </p:clrMapOvr>
+</p:notes>
+</file>
+
+<file path=ppt/notesSlides/notesSlide22.xml><?xml version="1.0" encoding="utf-8"?>
+<p:notes xmlns:a="http://schemas.openxmlformats.org/drawingml/2006/main" xmlns:r="http://schemas.openxmlformats.org/officeDocument/2006/relationships" xmlns:p="http://schemas.openxmlformats.org/presentationml/2006/main">
+  <p:cSld>
+    <p:spTree>
+      <p:nvGrpSpPr>
+        <p:cNvPr id="1" name=""/>
+        <p:cNvGrpSpPr/>
+        <p:nvPr/>
+      </p:nvGrpSpPr>
+      <p:grpSpPr>
+        <a:xfrm>
+          <a:off x="0" y="0"/>
+          <a:ext cx="0" cy="0"/>
+          <a:chOff x="0" y="0"/>
+          <a:chExt cx="0" cy="0"/>
+        </a:xfrm>
+      </p:grpSpPr>
+      <p:sp>
+        <p:nvSpPr>
+          <p:cNvPr id="2" name="Slide Image Placeholder 1"/>
+          <p:cNvSpPr>
+            <a:spLocks noGrp="1" noRot="1" noChangeAspect="1"/>
+          </p:cNvSpPr>
+          <p:nvPr>
+            <p:ph type="sldImg"/>
+          </p:nvPr>
+        </p:nvSpPr>
+        <p:spPr/>
+      </p:sp>
+      <p:sp>
+        <p:nvSpPr>
+          <p:cNvPr id="3" name="Notes Placeholder 2"/>
+          <p:cNvSpPr>
+            <a:spLocks noGrp="1"/>
+          </p:cNvSpPr>
+          <p:nvPr>
+            <p:ph type="body" idx="1"/>
+          </p:nvPr>
+        </p:nvSpPr>
+        <p:spPr/>
+        <p:txBody>
+          <a:bodyPr/>
+          <a:lstStyle/>
+          <a:p>
+            <a:endParaRPr lang="en-US" dirty="0"/>
+          </a:p>
+        </p:txBody>
+      </p:sp>
+      <p:sp>
+        <p:nvSpPr>
+          <p:cNvPr id="4" name="Slide Number Placeholder 3"/>
+          <p:cNvSpPr>
+            <a:spLocks noGrp="1"/>
+          </p:cNvSpPr>
+          <p:nvPr>
+            <p:ph type="sldNum" sz="quarter" idx="5"/>
+          </p:nvPr>
+        </p:nvSpPr>
+        <p:spPr/>
+        <p:txBody>
+          <a:bodyPr/>
+          <a:lstStyle/>
+          <a:p>
+            <a:fld id="{73FCE4C0-1175-4F38-90ED-AE7A39817694}" type="slidenum">
+              <a:rPr lang="en-US" smtClean="0"/>
+              <a:t>23</a:t>
+            </a:fld>
+            <a:endParaRPr lang="en-US" dirty="0"/>
+          </a:p>
+        </p:txBody>
+      </p:sp>
+    </p:spTree>
+    <p:extLst>
+      <p:ext uri="{BB962C8B-B14F-4D97-AF65-F5344CB8AC3E}">
+        <p14:creationId xmlns:p14="http://schemas.microsoft.com/office/powerpoint/2010/main" val="2747497992"/>
+      </p:ext>
+    </p:extLst>
+  </p:cSld>
+  <p:clrMapOvr>
+    <a:masterClrMapping/>
+  </p:clrMapOvr>
+</p:notes>
+</file>
+
+<file path=ppt/notesSlides/notesSlide23.xml><?xml version="1.0" encoding="utf-8"?>
+<p:notes xmlns:a="http://schemas.openxmlformats.org/drawingml/2006/main" xmlns:r="http://schemas.openxmlformats.org/officeDocument/2006/relationships" xmlns:p="http://schemas.openxmlformats.org/presentationml/2006/main">
+  <p:cSld>
+    <p:spTree>
+      <p:nvGrpSpPr>
+        <p:cNvPr id="1" name=""/>
+        <p:cNvGrpSpPr/>
+        <p:nvPr/>
+      </p:nvGrpSpPr>
+      <p:grpSpPr>
+        <a:xfrm>
+          <a:off x="0" y="0"/>
+          <a:ext cx="0" cy="0"/>
+          <a:chOff x="0" y="0"/>
+          <a:chExt cx="0" cy="0"/>
+        </a:xfrm>
+      </p:grpSpPr>
+      <p:sp>
+        <p:nvSpPr>
+          <p:cNvPr id="2" name="Slide Image Placeholder 1"/>
+          <p:cNvSpPr>
+            <a:spLocks noGrp="1" noRot="1" noChangeAspect="1"/>
+          </p:cNvSpPr>
+          <p:nvPr>
+            <p:ph type="sldImg"/>
+          </p:nvPr>
+        </p:nvSpPr>
+        <p:spPr/>
+      </p:sp>
+      <p:sp>
+        <p:nvSpPr>
+          <p:cNvPr id="3" name="Notes Placeholder 2"/>
+          <p:cNvSpPr>
+            <a:spLocks noGrp="1"/>
+          </p:cNvSpPr>
+          <p:nvPr>
+            <p:ph type="body" idx="1"/>
+          </p:nvPr>
+        </p:nvSpPr>
+        <p:spPr/>
+        <p:txBody>
+          <a:bodyPr/>
+          <a:lstStyle/>
+          <a:p>
+            <a:endParaRPr lang="en-US" dirty="0"/>
+          </a:p>
+        </p:txBody>
+      </p:sp>
+      <p:sp>
+        <p:nvSpPr>
+          <p:cNvPr id="4" name="Slide Number Placeholder 3"/>
+          <p:cNvSpPr>
+            <a:spLocks noGrp="1"/>
+          </p:cNvSpPr>
+          <p:nvPr>
+            <p:ph type="sldNum" sz="quarter" idx="5"/>
+          </p:nvPr>
+        </p:nvSpPr>
+        <p:spPr/>
+        <p:txBody>
+          <a:bodyPr/>
+          <a:lstStyle/>
+          <a:p>
+            <a:fld id="{73FCE4C0-1175-4F38-90ED-AE7A39817694}" type="slidenum">
+              <a:rPr lang="en-US" smtClean="0"/>
+              <a:t>24</a:t>
+            </a:fld>
+            <a:endParaRPr lang="en-US" dirty="0"/>
+          </a:p>
+        </p:txBody>
+      </p:sp>
+    </p:spTree>
+    <p:extLst>
+      <p:ext uri="{BB962C8B-B14F-4D97-AF65-F5344CB8AC3E}">
+        <p14:creationId xmlns:p14="http://schemas.microsoft.com/office/powerpoint/2010/main" val="2563744732"/>
       </p:ext>
     </p:extLst>
   </p:cSld>
@@ -3615,19 +4925,6 @@
               </a:rPr>
             </a:br>
             <a:r>
-              <a:rPr lang="en-IN">
-                <a:solidFill>
-                  <a:schemeClr val="tx1">
-                    <a:lumMod val="75000"/>
-                    <a:lumOff val="25000"/>
-                  </a:schemeClr>
-                </a:solidFill>
-                <a:latin typeface="+mn-lt"/>
-                <a:cs typeface="+mn-cs"/>
-              </a:rPr>
-              <a:t>//</a:t>
-            </a:r>
-            <a:r>
               <a:rPr lang="en-IN" dirty="0">
                 <a:solidFill>
                   <a:schemeClr val="tx1">
@@ -3638,23 +4935,10 @@
                 <a:latin typeface="+mn-lt"/>
                 <a:cs typeface="+mn-cs"/>
               </a:rPr>
-              <a:t>Compiler will infer the type that is </a:t>
-            </a:r>
-            <a:r>
-              <a:rPr lang="en-IN">
-                <a:solidFill>
-                  <a:schemeClr val="tx1">
-                    <a:lumMod val="75000"/>
-                    <a:lumOff val="25000"/>
-                  </a:schemeClr>
-                </a:solidFill>
-                <a:latin typeface="+mn-lt"/>
-                <a:cs typeface="+mn-cs"/>
-              </a:rPr>
-              <a:t>needed </a:t>
+              <a:t>//Compiler will infer the type that is needed </a:t>
             </a:r>
             <a:br>
-              <a:rPr lang="en-IN">
+              <a:rPr lang="en-IN" dirty="0">
                 <a:solidFill>
                   <a:schemeClr val="tx1">
                     <a:lumMod val="75000"/>
@@ -3666,7 +4950,7 @@
               </a:rPr>
             </a:br>
             <a:r>
-              <a:rPr lang="en-IN">
+              <a:rPr lang="en-IN" dirty="0">
                 <a:solidFill>
                   <a:schemeClr val="tx1">
                     <a:lumMod val="75000"/>
@@ -3734,6 +5018,7215 @@
             <p:ph type="title"/>
           </p:nvPr>
         </p:nvSpPr>
+        <p:spPr>
+          <a:xfrm>
+            <a:off x="228600" y="228600"/>
+            <a:ext cx="6629400" cy="609599"/>
+          </a:xfrm>
+        </p:spPr>
+        <p:txBody>
+          <a:bodyPr>
+            <a:normAutofit/>
+          </a:bodyPr>
+          <a:lstStyle/>
+          <a:p>
+            <a:pPr algn="l"/>
+            <a:r>
+              <a:rPr lang="en-IN" b="1" i="0" dirty="0">
+                <a:solidFill>
+                  <a:srgbClr val="25265E"/>
+                </a:solidFill>
+                <a:effectLst/>
+                <a:latin typeface="euclid_circular_a"/>
+              </a:rPr>
+              <a:t>Bounded Types</a:t>
+            </a:r>
+          </a:p>
+        </p:txBody>
+      </p:sp>
+      <p:sp>
+        <p:nvSpPr>
+          <p:cNvPr id="6" name="Content Placeholder 2">
+            <a:extLst>
+              <a:ext uri="{FF2B5EF4-FFF2-40B4-BE49-F238E27FC236}">
+                <a16:creationId xmlns:a16="http://schemas.microsoft.com/office/drawing/2014/main" id="{17AA01B4-C800-309E-CFA5-FEFF791D4537}"/>
+              </a:ext>
+            </a:extLst>
+          </p:cNvPr>
+          <p:cNvSpPr txBox="1">
+            <a:spLocks/>
+          </p:cNvSpPr>
+          <p:nvPr/>
+        </p:nvSpPr>
+        <p:spPr>
+          <a:xfrm>
+            <a:off x="381000" y="1219200"/>
+            <a:ext cx="8534400" cy="5410200"/>
+          </a:xfrm>
+          <a:prstGeom prst="rect">
+            <a:avLst/>
+          </a:prstGeom>
+        </p:spPr>
+        <p:txBody>
+          <a:bodyPr vert="horz" lIns="91440" tIns="45720" rIns="91440" bIns="45720" rtlCol="0">
+            <a:noAutofit/>
+          </a:bodyPr>
+          <a:lstStyle>
+            <a:lvl1pPr marL="342900" indent="-342900" algn="l" defTabSz="914400" rtl="0" eaLnBrk="1" latinLnBrk="0" hangingPunct="1">
+              <a:spcBef>
+                <a:spcPct val="20000"/>
+              </a:spcBef>
+              <a:buFont typeface="Wingdings" pitchFamily="2" charset="2"/>
+              <a:buChar char="§"/>
+              <a:defRPr sz="1800" kern="1200">
+                <a:solidFill>
+                  <a:srgbClr val="4D4D4D"/>
+                </a:solidFill>
+                <a:latin typeface="Arial" panose="020B0604020202020204" pitchFamily="34" charset="0"/>
+                <a:ea typeface="+mn-ea"/>
+                <a:cs typeface="Arial" panose="020B0604020202020204" pitchFamily="34" charset="0"/>
+              </a:defRPr>
+            </a:lvl1pPr>
+            <a:lvl2pPr marL="742950" indent="-285750" algn="l" defTabSz="914400" rtl="0" eaLnBrk="1" latinLnBrk="0" hangingPunct="1">
+              <a:spcBef>
+                <a:spcPct val="20000"/>
+              </a:spcBef>
+              <a:buFont typeface="Arial" pitchFamily="34" charset="0"/>
+              <a:buChar char="•"/>
+              <a:defRPr sz="1600" kern="1200">
+                <a:solidFill>
+                  <a:srgbClr val="4D4D4D"/>
+                </a:solidFill>
+                <a:latin typeface="Arial" panose="020B0604020202020204" pitchFamily="34" charset="0"/>
+                <a:ea typeface="+mn-ea"/>
+                <a:cs typeface="Arial" panose="020B0604020202020204" pitchFamily="34" charset="0"/>
+              </a:defRPr>
+            </a:lvl2pPr>
+            <a:lvl3pPr marL="1143000" indent="-228600" algn="l" defTabSz="914400" rtl="0" eaLnBrk="1" latinLnBrk="0" hangingPunct="1">
+              <a:spcBef>
+                <a:spcPct val="20000"/>
+              </a:spcBef>
+              <a:buFont typeface="Courier New" pitchFamily="49" charset="0"/>
+              <a:buChar char="o"/>
+              <a:defRPr sz="1600" kern="1200">
+                <a:solidFill>
+                  <a:srgbClr val="4D4D4D"/>
+                </a:solidFill>
+                <a:latin typeface="Arial" panose="020B0604020202020204" pitchFamily="34" charset="0"/>
+                <a:ea typeface="+mn-ea"/>
+                <a:cs typeface="Arial" panose="020B0604020202020204" pitchFamily="34" charset="0"/>
+              </a:defRPr>
+            </a:lvl3pPr>
+            <a:lvl4pPr marL="1600200" indent="-228600" algn="l" defTabSz="914400" rtl="0" eaLnBrk="1" latinLnBrk="0" hangingPunct="1">
+              <a:spcBef>
+                <a:spcPct val="20000"/>
+              </a:spcBef>
+              <a:buFont typeface="Arial" pitchFamily="34" charset="0"/>
+              <a:buChar char="–"/>
+              <a:defRPr sz="1600" kern="1200">
+                <a:solidFill>
+                  <a:srgbClr val="4D4D4D"/>
+                </a:solidFill>
+                <a:latin typeface="Arial" panose="020B0604020202020204" pitchFamily="34" charset="0"/>
+                <a:ea typeface="+mn-ea"/>
+                <a:cs typeface="Arial" panose="020B0604020202020204" pitchFamily="34" charset="0"/>
+              </a:defRPr>
+            </a:lvl4pPr>
+            <a:lvl5pPr marL="2057400" indent="-228600" algn="l" defTabSz="914400" rtl="0" eaLnBrk="1" latinLnBrk="0" hangingPunct="1">
+              <a:spcBef>
+                <a:spcPct val="20000"/>
+              </a:spcBef>
+              <a:buFont typeface="Arial" pitchFamily="34" charset="0"/>
+              <a:buChar char="»"/>
+              <a:defRPr sz="1600" kern="1200">
+                <a:solidFill>
+                  <a:srgbClr val="4D4D4D"/>
+                </a:solidFill>
+                <a:latin typeface="Arial" panose="020B0604020202020204" pitchFamily="34" charset="0"/>
+                <a:ea typeface="+mn-ea"/>
+                <a:cs typeface="Arial" panose="020B0604020202020204" pitchFamily="34" charset="0"/>
+              </a:defRPr>
+            </a:lvl5pPr>
+            <a:lvl6pPr marL="2514600" indent="-228600" algn="l" defTabSz="914400" rtl="0" eaLnBrk="1" latinLnBrk="0" hangingPunct="1">
+              <a:spcBef>
+                <a:spcPct val="20000"/>
+              </a:spcBef>
+              <a:buFont typeface="Arial" pitchFamily="34" charset="0"/>
+              <a:buChar char="•"/>
+              <a:defRPr sz="2000" kern="1200">
+                <a:solidFill>
+                  <a:schemeClr val="tx1"/>
+                </a:solidFill>
+                <a:latin typeface="+mn-lt"/>
+                <a:ea typeface="+mn-ea"/>
+                <a:cs typeface="+mn-cs"/>
+              </a:defRPr>
+            </a:lvl6pPr>
+            <a:lvl7pPr marL="2971800" indent="-228600" algn="l" defTabSz="914400" rtl="0" eaLnBrk="1" latinLnBrk="0" hangingPunct="1">
+              <a:spcBef>
+                <a:spcPct val="20000"/>
+              </a:spcBef>
+              <a:buFont typeface="Arial" pitchFamily="34" charset="0"/>
+              <a:buChar char="•"/>
+              <a:defRPr sz="2000" kern="1200">
+                <a:solidFill>
+                  <a:schemeClr val="tx1"/>
+                </a:solidFill>
+                <a:latin typeface="+mn-lt"/>
+                <a:ea typeface="+mn-ea"/>
+                <a:cs typeface="+mn-cs"/>
+              </a:defRPr>
+            </a:lvl7pPr>
+            <a:lvl8pPr marL="3429000" indent="-228600" algn="l" defTabSz="914400" rtl="0" eaLnBrk="1" latinLnBrk="0" hangingPunct="1">
+              <a:spcBef>
+                <a:spcPct val="20000"/>
+              </a:spcBef>
+              <a:buFont typeface="Arial" pitchFamily="34" charset="0"/>
+              <a:buChar char="•"/>
+              <a:defRPr sz="2000" kern="1200">
+                <a:solidFill>
+                  <a:schemeClr val="tx1"/>
+                </a:solidFill>
+                <a:latin typeface="+mn-lt"/>
+                <a:ea typeface="+mn-ea"/>
+                <a:cs typeface="+mn-cs"/>
+              </a:defRPr>
+            </a:lvl8pPr>
+            <a:lvl9pPr marL="3886200" indent="-228600" algn="l" defTabSz="914400" rtl="0" eaLnBrk="1" latinLnBrk="0" hangingPunct="1">
+              <a:spcBef>
+                <a:spcPct val="20000"/>
+              </a:spcBef>
+              <a:buFont typeface="Arial" pitchFamily="34" charset="0"/>
+              <a:buChar char="•"/>
+              <a:defRPr sz="2000" kern="1200">
+                <a:solidFill>
+                  <a:schemeClr val="tx1"/>
+                </a:solidFill>
+                <a:latin typeface="+mn-lt"/>
+                <a:ea typeface="+mn-ea"/>
+                <a:cs typeface="+mn-cs"/>
+              </a:defRPr>
+            </a:lvl9pPr>
+          </a:lstStyle>
+          <a:p>
+            <a:r>
+              <a:rPr lang="en-IN" sz="2100" dirty="0">
+                <a:solidFill>
+                  <a:schemeClr val="tx1">
+                    <a:lumMod val="75000"/>
+                    <a:lumOff val="25000"/>
+                  </a:schemeClr>
+                </a:solidFill>
+                <a:latin typeface="+mn-lt"/>
+                <a:cs typeface="+mn-cs"/>
+              </a:rPr>
+              <a:t>The type parameter can accept any data types (except primitive types).</a:t>
+            </a:r>
+          </a:p>
+          <a:p>
+            <a:r>
+              <a:rPr lang="en-IN" sz="2100" dirty="0">
+                <a:solidFill>
+                  <a:schemeClr val="tx1">
+                    <a:lumMod val="75000"/>
+                    <a:lumOff val="25000"/>
+                  </a:schemeClr>
+                </a:solidFill>
+                <a:latin typeface="+mn-lt"/>
+                <a:cs typeface="+mn-cs"/>
+              </a:rPr>
+              <a:t>However, if we want to use generics for some specific types (such as accept data of number types) only, then we can use bounded types.</a:t>
+            </a:r>
+          </a:p>
+          <a:p>
+            <a:r>
+              <a:rPr lang="en-IN" sz="2100" dirty="0">
+                <a:solidFill>
+                  <a:schemeClr val="tx1">
+                    <a:lumMod val="75000"/>
+                    <a:lumOff val="25000"/>
+                  </a:schemeClr>
+                </a:solidFill>
+                <a:latin typeface="+mn-lt"/>
+                <a:cs typeface="+mn-cs"/>
+              </a:rPr>
+              <a:t>In the case of bound types, we use the extends keyword. </a:t>
+            </a:r>
+          </a:p>
+          <a:p>
+            <a:r>
+              <a:rPr lang="en-IN" sz="2100" dirty="0">
+                <a:solidFill>
+                  <a:schemeClr val="tx1">
+                    <a:lumMod val="75000"/>
+                    <a:lumOff val="25000"/>
+                  </a:schemeClr>
+                </a:solidFill>
+                <a:latin typeface="+mn-lt"/>
+                <a:cs typeface="+mn-cs"/>
+              </a:rPr>
+              <a:t>For example, &lt;T extends A&gt;</a:t>
+            </a:r>
+          </a:p>
+          <a:p>
+            <a:r>
+              <a:rPr lang="en-IN" sz="2100" dirty="0">
+                <a:solidFill>
+                  <a:schemeClr val="tx1">
+                    <a:lumMod val="75000"/>
+                    <a:lumOff val="25000"/>
+                  </a:schemeClr>
+                </a:solidFill>
+                <a:latin typeface="+mn-lt"/>
+                <a:cs typeface="+mn-cs"/>
+              </a:rPr>
+              <a:t>This means T can only accept data that are subtypes of A.</a:t>
+            </a:r>
+            <a:br>
+              <a:rPr lang="en-IN" sz="2100" dirty="0">
+                <a:solidFill>
+                  <a:schemeClr val="tx1">
+                    <a:lumMod val="75000"/>
+                    <a:lumOff val="25000"/>
+                  </a:schemeClr>
+                </a:solidFill>
+                <a:latin typeface="+mn-lt"/>
+                <a:cs typeface="+mn-cs"/>
+              </a:rPr>
+            </a:br>
+            <a:r>
+              <a:rPr lang="en-IN" sz="2000" dirty="0">
+                <a:solidFill>
+                  <a:schemeClr val="tx1">
+                    <a:lumMod val="75000"/>
+                    <a:lumOff val="25000"/>
+                  </a:schemeClr>
+                </a:solidFill>
+                <a:latin typeface="+mn-lt"/>
+                <a:cs typeface="+mn-cs"/>
+              </a:rPr>
+              <a:t>class </a:t>
+            </a:r>
+            <a:r>
+              <a:rPr lang="en-IN" sz="2000" dirty="0" err="1">
+                <a:solidFill>
+                  <a:schemeClr val="tx1">
+                    <a:lumMod val="75000"/>
+                    <a:lumOff val="25000"/>
+                  </a:schemeClr>
+                </a:solidFill>
+                <a:latin typeface="+mn-lt"/>
+                <a:cs typeface="+mn-cs"/>
+              </a:rPr>
+              <a:t>GenericsClass</a:t>
+            </a:r>
+            <a:r>
+              <a:rPr lang="en-IN" sz="2000" dirty="0">
+                <a:solidFill>
+                  <a:schemeClr val="tx1">
+                    <a:lumMod val="75000"/>
+                    <a:lumOff val="25000"/>
+                  </a:schemeClr>
+                </a:solidFill>
+                <a:latin typeface="+mn-lt"/>
+                <a:cs typeface="+mn-cs"/>
+              </a:rPr>
+              <a:t> &lt;T extends Number&gt; {</a:t>
+            </a:r>
+          </a:p>
+          <a:p>
+            <a:pPr marL="0" indent="0">
+              <a:buNone/>
+            </a:pPr>
+            <a:r>
+              <a:rPr lang="en-IN" sz="2000" dirty="0">
+                <a:solidFill>
+                  <a:schemeClr val="tx1">
+                    <a:lumMod val="75000"/>
+                    <a:lumOff val="25000"/>
+                  </a:schemeClr>
+                </a:solidFill>
+                <a:latin typeface="+mn-lt"/>
+                <a:cs typeface="+mn-cs"/>
+              </a:rPr>
+              <a:t>	public void display() {</a:t>
+            </a:r>
+            <a:br>
+              <a:rPr lang="en-IN" sz="2000" dirty="0">
+                <a:solidFill>
+                  <a:schemeClr val="tx1">
+                    <a:lumMod val="75000"/>
+                    <a:lumOff val="25000"/>
+                  </a:schemeClr>
+                </a:solidFill>
+                <a:latin typeface="+mn-lt"/>
+                <a:cs typeface="+mn-cs"/>
+              </a:rPr>
+            </a:br>
+            <a:r>
+              <a:rPr lang="en-IN" sz="2000" dirty="0">
+                <a:solidFill>
+                  <a:schemeClr val="tx1">
+                    <a:lumMod val="75000"/>
+                    <a:lumOff val="25000"/>
+                  </a:schemeClr>
+                </a:solidFill>
+                <a:latin typeface="+mn-lt"/>
+                <a:cs typeface="+mn-cs"/>
+              </a:rPr>
+              <a:t>		</a:t>
+            </a:r>
+            <a:r>
+              <a:rPr lang="en-IN" sz="2000" dirty="0" err="1">
+                <a:solidFill>
+                  <a:schemeClr val="tx1">
+                    <a:lumMod val="75000"/>
+                    <a:lumOff val="25000"/>
+                  </a:schemeClr>
+                </a:solidFill>
+                <a:latin typeface="+mn-lt"/>
+                <a:cs typeface="+mn-cs"/>
+              </a:rPr>
+              <a:t>System.out.println</a:t>
+            </a:r>
+            <a:r>
+              <a:rPr lang="en-IN" sz="2000" dirty="0">
+                <a:solidFill>
+                  <a:schemeClr val="tx1">
+                    <a:lumMod val="75000"/>
+                    <a:lumOff val="25000"/>
+                  </a:schemeClr>
+                </a:solidFill>
+                <a:latin typeface="+mn-lt"/>
+                <a:cs typeface="+mn-cs"/>
+              </a:rPr>
+              <a:t>("This is a bounded type generics class."); 	}</a:t>
+            </a:r>
+            <a:br>
+              <a:rPr lang="en-IN" sz="2000" dirty="0">
+                <a:solidFill>
+                  <a:schemeClr val="tx1">
+                    <a:lumMod val="75000"/>
+                    <a:lumOff val="25000"/>
+                  </a:schemeClr>
+                </a:solidFill>
+                <a:latin typeface="+mn-lt"/>
+                <a:cs typeface="+mn-cs"/>
+              </a:rPr>
+            </a:br>
+            <a:r>
+              <a:rPr lang="en-IN" sz="2000" dirty="0">
+                <a:solidFill>
+                  <a:schemeClr val="tx1">
+                    <a:lumMod val="75000"/>
+                    <a:lumOff val="25000"/>
+                  </a:schemeClr>
+                </a:solidFill>
+                <a:latin typeface="+mn-lt"/>
+                <a:cs typeface="+mn-cs"/>
+              </a:rPr>
+              <a:t>       }</a:t>
+            </a:r>
+          </a:p>
+          <a:p>
+            <a:pPr marL="0" indent="0">
+              <a:buNone/>
+            </a:pPr>
+            <a:r>
+              <a:rPr lang="en-IN" sz="2000" dirty="0">
+                <a:solidFill>
+                  <a:schemeClr val="tx1">
+                    <a:lumMod val="75000"/>
+                    <a:lumOff val="25000"/>
+                  </a:schemeClr>
+                </a:solidFill>
+                <a:latin typeface="+mn-lt"/>
+                <a:cs typeface="+mn-cs"/>
+              </a:rPr>
+              <a:t>      class Main {</a:t>
+            </a:r>
+            <a:br>
+              <a:rPr lang="en-IN" sz="2000" dirty="0">
+                <a:solidFill>
+                  <a:schemeClr val="tx1">
+                    <a:lumMod val="75000"/>
+                    <a:lumOff val="25000"/>
+                  </a:schemeClr>
+                </a:solidFill>
+                <a:latin typeface="+mn-lt"/>
+                <a:cs typeface="+mn-cs"/>
+              </a:rPr>
+            </a:br>
+            <a:r>
+              <a:rPr lang="en-IN" sz="2000" dirty="0">
+                <a:solidFill>
+                  <a:schemeClr val="tx1">
+                    <a:lumMod val="75000"/>
+                    <a:lumOff val="25000"/>
+                  </a:schemeClr>
+                </a:solidFill>
+                <a:latin typeface="+mn-lt"/>
+                <a:cs typeface="+mn-cs"/>
+              </a:rPr>
+              <a:t>	public static void main(String[] </a:t>
+            </a:r>
+            <a:r>
+              <a:rPr lang="en-IN" sz="2000" dirty="0" err="1">
+                <a:solidFill>
+                  <a:schemeClr val="tx1">
+                    <a:lumMod val="75000"/>
+                    <a:lumOff val="25000"/>
+                  </a:schemeClr>
+                </a:solidFill>
+                <a:latin typeface="+mn-lt"/>
+                <a:cs typeface="+mn-cs"/>
+              </a:rPr>
+              <a:t>args</a:t>
+            </a:r>
+            <a:r>
+              <a:rPr lang="en-IN" sz="2000" dirty="0">
+                <a:solidFill>
+                  <a:schemeClr val="tx1">
+                    <a:lumMod val="75000"/>
+                    <a:lumOff val="25000"/>
+                  </a:schemeClr>
+                </a:solidFill>
+                <a:latin typeface="+mn-lt"/>
+                <a:cs typeface="+mn-cs"/>
+              </a:rPr>
+              <a:t>) {</a:t>
+            </a:r>
+            <a:br>
+              <a:rPr lang="en-IN" sz="2000" dirty="0">
+                <a:solidFill>
+                  <a:schemeClr val="tx1">
+                    <a:lumMod val="75000"/>
+                    <a:lumOff val="25000"/>
+                  </a:schemeClr>
+                </a:solidFill>
+                <a:latin typeface="+mn-lt"/>
+                <a:cs typeface="+mn-cs"/>
+              </a:rPr>
+            </a:br>
+            <a:r>
+              <a:rPr lang="en-IN" sz="2000" dirty="0">
+                <a:solidFill>
+                  <a:schemeClr val="tx1">
+                    <a:lumMod val="75000"/>
+                    <a:lumOff val="25000"/>
+                  </a:schemeClr>
+                </a:solidFill>
+                <a:latin typeface="+mn-lt"/>
+                <a:cs typeface="+mn-cs"/>
+              </a:rPr>
+              <a:t>	// create an object of </a:t>
+            </a:r>
+            <a:r>
+              <a:rPr lang="en-IN" sz="2000" dirty="0" err="1">
+                <a:solidFill>
+                  <a:schemeClr val="tx1">
+                    <a:lumMod val="75000"/>
+                    <a:lumOff val="25000"/>
+                  </a:schemeClr>
+                </a:solidFill>
+                <a:latin typeface="+mn-lt"/>
+                <a:cs typeface="+mn-cs"/>
+              </a:rPr>
+              <a:t>GenericsClass</a:t>
+            </a:r>
+            <a:br>
+              <a:rPr lang="en-IN" sz="2000" dirty="0">
+                <a:solidFill>
+                  <a:schemeClr val="tx1">
+                    <a:lumMod val="75000"/>
+                    <a:lumOff val="25000"/>
+                  </a:schemeClr>
+                </a:solidFill>
+                <a:latin typeface="+mn-lt"/>
+                <a:cs typeface="+mn-cs"/>
+              </a:rPr>
+            </a:br>
+            <a:r>
+              <a:rPr lang="en-IN" sz="2000" dirty="0">
+                <a:solidFill>
+                  <a:schemeClr val="tx1">
+                    <a:lumMod val="75000"/>
+                    <a:lumOff val="25000"/>
+                  </a:schemeClr>
+                </a:solidFill>
+                <a:latin typeface="+mn-lt"/>
+                <a:cs typeface="+mn-cs"/>
+              </a:rPr>
+              <a:t>		</a:t>
+            </a:r>
+            <a:r>
+              <a:rPr lang="en-IN" sz="2000" dirty="0" err="1">
+                <a:solidFill>
+                  <a:schemeClr val="tx1">
+                    <a:lumMod val="75000"/>
+                    <a:lumOff val="25000"/>
+                  </a:schemeClr>
+                </a:solidFill>
+                <a:latin typeface="+mn-lt"/>
+                <a:cs typeface="+mn-cs"/>
+              </a:rPr>
+              <a:t>GenericsClass</a:t>
+            </a:r>
+            <a:r>
+              <a:rPr lang="en-IN" sz="2000" dirty="0">
+                <a:solidFill>
+                  <a:schemeClr val="tx1">
+                    <a:lumMod val="75000"/>
+                    <a:lumOff val="25000"/>
+                  </a:schemeClr>
+                </a:solidFill>
+                <a:latin typeface="+mn-lt"/>
+                <a:cs typeface="+mn-cs"/>
+              </a:rPr>
+              <a:t>&lt;String&gt; </a:t>
+            </a:r>
+            <a:r>
+              <a:rPr lang="en-IN" sz="2000" dirty="0" err="1">
+                <a:solidFill>
+                  <a:schemeClr val="tx1">
+                    <a:lumMod val="75000"/>
+                    <a:lumOff val="25000"/>
+                  </a:schemeClr>
+                </a:solidFill>
+                <a:latin typeface="+mn-lt"/>
+                <a:cs typeface="+mn-cs"/>
+              </a:rPr>
+              <a:t>obj</a:t>
+            </a:r>
+            <a:r>
+              <a:rPr lang="en-IN" sz="2000" dirty="0">
+                <a:solidFill>
+                  <a:schemeClr val="tx1">
+                    <a:lumMod val="75000"/>
+                    <a:lumOff val="25000"/>
+                  </a:schemeClr>
+                </a:solidFill>
+                <a:latin typeface="+mn-lt"/>
+                <a:cs typeface="+mn-cs"/>
+              </a:rPr>
+              <a:t> = new </a:t>
+            </a:r>
+            <a:r>
+              <a:rPr lang="en-IN" sz="2000" dirty="0" err="1">
+                <a:solidFill>
+                  <a:schemeClr val="tx1">
+                    <a:lumMod val="75000"/>
+                    <a:lumOff val="25000"/>
+                  </a:schemeClr>
+                </a:solidFill>
+                <a:latin typeface="+mn-lt"/>
+                <a:cs typeface="+mn-cs"/>
+              </a:rPr>
+              <a:t>GenericsClass</a:t>
+            </a:r>
+            <a:r>
+              <a:rPr lang="en-IN" sz="2000" dirty="0">
+                <a:solidFill>
+                  <a:schemeClr val="tx1">
+                    <a:lumMod val="75000"/>
+                    <a:lumOff val="25000"/>
+                  </a:schemeClr>
+                </a:solidFill>
+                <a:latin typeface="+mn-lt"/>
+                <a:cs typeface="+mn-cs"/>
+              </a:rPr>
+              <a:t>&lt;&gt;();</a:t>
+            </a:r>
+            <a:br>
+              <a:rPr lang="en-IN" sz="2000" dirty="0">
+                <a:solidFill>
+                  <a:schemeClr val="tx1">
+                    <a:lumMod val="75000"/>
+                    <a:lumOff val="25000"/>
+                  </a:schemeClr>
+                </a:solidFill>
+                <a:latin typeface="+mn-lt"/>
+                <a:cs typeface="+mn-cs"/>
+              </a:rPr>
+            </a:br>
+            <a:r>
+              <a:rPr lang="en-IN" sz="2000" dirty="0">
+                <a:solidFill>
+                  <a:schemeClr val="tx1">
+                    <a:lumMod val="75000"/>
+                    <a:lumOff val="25000"/>
+                  </a:schemeClr>
+                </a:solidFill>
+                <a:latin typeface="+mn-lt"/>
+                <a:cs typeface="+mn-cs"/>
+              </a:rPr>
+              <a:t>	}</a:t>
+            </a:r>
+            <a:br>
+              <a:rPr lang="en-IN" sz="2000" dirty="0">
+                <a:solidFill>
+                  <a:schemeClr val="tx1">
+                    <a:lumMod val="75000"/>
+                    <a:lumOff val="25000"/>
+                  </a:schemeClr>
+                </a:solidFill>
+                <a:latin typeface="+mn-lt"/>
+                <a:cs typeface="+mn-cs"/>
+              </a:rPr>
+            </a:br>
+            <a:r>
+              <a:rPr lang="en-IN" sz="2000" dirty="0">
+                <a:solidFill>
+                  <a:schemeClr val="tx1">
+                    <a:lumMod val="75000"/>
+                    <a:lumOff val="25000"/>
+                  </a:schemeClr>
+                </a:solidFill>
+                <a:latin typeface="+mn-lt"/>
+                <a:cs typeface="+mn-cs"/>
+              </a:rPr>
+              <a:t>}</a:t>
+            </a:r>
+            <a:br>
+              <a:rPr lang="en-IN" sz="2000" dirty="0">
+                <a:solidFill>
+                  <a:schemeClr val="tx1">
+                    <a:lumMod val="75000"/>
+                    <a:lumOff val="25000"/>
+                  </a:schemeClr>
+                </a:solidFill>
+                <a:latin typeface="+mn-lt"/>
+                <a:cs typeface="+mn-cs"/>
+              </a:rPr>
+            </a:br>
+            <a:endParaRPr lang="en-IN" sz="2000" dirty="0">
+              <a:solidFill>
+                <a:schemeClr val="tx1">
+                  <a:lumMod val="75000"/>
+                  <a:lumOff val="25000"/>
+                </a:schemeClr>
+              </a:solidFill>
+              <a:latin typeface="+mn-lt"/>
+              <a:cs typeface="+mn-cs"/>
+            </a:endParaRPr>
+          </a:p>
+        </p:txBody>
+      </p:sp>
+    </p:spTree>
+    <p:extLst>
+      <p:ext uri="{BB962C8B-B14F-4D97-AF65-F5344CB8AC3E}">
+        <p14:creationId xmlns:p14="http://schemas.microsoft.com/office/powerpoint/2010/main" val="3232841930"/>
+      </p:ext>
+    </p:extLst>
+  </p:cSld>
+  <p:clrMapOvr>
+    <a:masterClrMapping/>
+  </p:clrMapOvr>
+  <p:transition>
+    <p:fade/>
+  </p:transition>
+</p:sld>
+</file>
+
+<file path=ppt/slides/slide12.xml><?xml version="1.0" encoding="utf-8"?>
+<p:sld xmlns:a="http://schemas.openxmlformats.org/drawingml/2006/main" xmlns:r="http://schemas.openxmlformats.org/officeDocument/2006/relationships" xmlns:p="http://schemas.openxmlformats.org/presentationml/2006/main">
+  <p:cSld>
+    <p:spTree>
+      <p:nvGrpSpPr>
+        <p:cNvPr id="1" name=""/>
+        <p:cNvGrpSpPr/>
+        <p:nvPr/>
+      </p:nvGrpSpPr>
+      <p:grpSpPr>
+        <a:xfrm>
+          <a:off x="0" y="0"/>
+          <a:ext cx="0" cy="0"/>
+          <a:chOff x="0" y="0"/>
+          <a:chExt cx="0" cy="0"/>
+        </a:xfrm>
+      </p:grpSpPr>
+      <p:sp>
+        <p:nvSpPr>
+          <p:cNvPr id="2" name="Title 1"/>
+          <p:cNvSpPr>
+            <a:spLocks noGrp="1"/>
+          </p:cNvSpPr>
+          <p:nvPr>
+            <p:ph type="title"/>
+          </p:nvPr>
+        </p:nvSpPr>
+        <p:spPr>
+          <a:xfrm>
+            <a:off x="228600" y="228600"/>
+            <a:ext cx="6629400" cy="609599"/>
+          </a:xfrm>
+        </p:spPr>
+        <p:txBody>
+          <a:bodyPr>
+            <a:normAutofit/>
+          </a:bodyPr>
+          <a:lstStyle/>
+          <a:p>
+            <a:pPr algn="l"/>
+            <a:r>
+              <a:rPr lang="en-IN" b="1" i="0" dirty="0">
+                <a:solidFill>
+                  <a:srgbClr val="25265E"/>
+                </a:solidFill>
+                <a:effectLst/>
+                <a:latin typeface="euclid_circular_a"/>
+              </a:rPr>
+              <a:t>Bounded Types</a:t>
+            </a:r>
+          </a:p>
+        </p:txBody>
+      </p:sp>
+      <p:sp>
+        <p:nvSpPr>
+          <p:cNvPr id="6" name="Content Placeholder 2">
+            <a:extLst>
+              <a:ext uri="{FF2B5EF4-FFF2-40B4-BE49-F238E27FC236}">
+                <a16:creationId xmlns:a16="http://schemas.microsoft.com/office/drawing/2014/main" id="{17AA01B4-C800-309E-CFA5-FEFF791D4537}"/>
+              </a:ext>
+            </a:extLst>
+          </p:cNvPr>
+          <p:cNvSpPr txBox="1">
+            <a:spLocks/>
+          </p:cNvSpPr>
+          <p:nvPr/>
+        </p:nvSpPr>
+        <p:spPr>
+          <a:xfrm>
+            <a:off x="381000" y="1219200"/>
+            <a:ext cx="8534400" cy="5410200"/>
+          </a:xfrm>
+          <a:prstGeom prst="rect">
+            <a:avLst/>
+          </a:prstGeom>
+        </p:spPr>
+        <p:txBody>
+          <a:bodyPr vert="horz" lIns="91440" tIns="45720" rIns="91440" bIns="45720" rtlCol="0">
+            <a:noAutofit/>
+          </a:bodyPr>
+          <a:lstStyle>
+            <a:lvl1pPr marL="342900" indent="-342900" algn="l" defTabSz="914400" rtl="0" eaLnBrk="1" latinLnBrk="0" hangingPunct="1">
+              <a:spcBef>
+                <a:spcPct val="20000"/>
+              </a:spcBef>
+              <a:buFont typeface="Wingdings" pitchFamily="2" charset="2"/>
+              <a:buChar char="§"/>
+              <a:defRPr sz="1800" kern="1200">
+                <a:solidFill>
+                  <a:srgbClr val="4D4D4D"/>
+                </a:solidFill>
+                <a:latin typeface="Arial" panose="020B0604020202020204" pitchFamily="34" charset="0"/>
+                <a:ea typeface="+mn-ea"/>
+                <a:cs typeface="Arial" panose="020B0604020202020204" pitchFamily="34" charset="0"/>
+              </a:defRPr>
+            </a:lvl1pPr>
+            <a:lvl2pPr marL="742950" indent="-285750" algn="l" defTabSz="914400" rtl="0" eaLnBrk="1" latinLnBrk="0" hangingPunct="1">
+              <a:spcBef>
+                <a:spcPct val="20000"/>
+              </a:spcBef>
+              <a:buFont typeface="Arial" pitchFamily="34" charset="0"/>
+              <a:buChar char="•"/>
+              <a:defRPr sz="1600" kern="1200">
+                <a:solidFill>
+                  <a:srgbClr val="4D4D4D"/>
+                </a:solidFill>
+                <a:latin typeface="Arial" panose="020B0604020202020204" pitchFamily="34" charset="0"/>
+                <a:ea typeface="+mn-ea"/>
+                <a:cs typeface="Arial" panose="020B0604020202020204" pitchFamily="34" charset="0"/>
+              </a:defRPr>
+            </a:lvl2pPr>
+            <a:lvl3pPr marL="1143000" indent="-228600" algn="l" defTabSz="914400" rtl="0" eaLnBrk="1" latinLnBrk="0" hangingPunct="1">
+              <a:spcBef>
+                <a:spcPct val="20000"/>
+              </a:spcBef>
+              <a:buFont typeface="Courier New" pitchFamily="49" charset="0"/>
+              <a:buChar char="o"/>
+              <a:defRPr sz="1600" kern="1200">
+                <a:solidFill>
+                  <a:srgbClr val="4D4D4D"/>
+                </a:solidFill>
+                <a:latin typeface="Arial" panose="020B0604020202020204" pitchFamily="34" charset="0"/>
+                <a:ea typeface="+mn-ea"/>
+                <a:cs typeface="Arial" panose="020B0604020202020204" pitchFamily="34" charset="0"/>
+              </a:defRPr>
+            </a:lvl3pPr>
+            <a:lvl4pPr marL="1600200" indent="-228600" algn="l" defTabSz="914400" rtl="0" eaLnBrk="1" latinLnBrk="0" hangingPunct="1">
+              <a:spcBef>
+                <a:spcPct val="20000"/>
+              </a:spcBef>
+              <a:buFont typeface="Arial" pitchFamily="34" charset="0"/>
+              <a:buChar char="–"/>
+              <a:defRPr sz="1600" kern="1200">
+                <a:solidFill>
+                  <a:srgbClr val="4D4D4D"/>
+                </a:solidFill>
+                <a:latin typeface="Arial" panose="020B0604020202020204" pitchFamily="34" charset="0"/>
+                <a:ea typeface="+mn-ea"/>
+                <a:cs typeface="Arial" panose="020B0604020202020204" pitchFamily="34" charset="0"/>
+              </a:defRPr>
+            </a:lvl4pPr>
+            <a:lvl5pPr marL="2057400" indent="-228600" algn="l" defTabSz="914400" rtl="0" eaLnBrk="1" latinLnBrk="0" hangingPunct="1">
+              <a:spcBef>
+                <a:spcPct val="20000"/>
+              </a:spcBef>
+              <a:buFont typeface="Arial" pitchFamily="34" charset="0"/>
+              <a:buChar char="»"/>
+              <a:defRPr sz="1600" kern="1200">
+                <a:solidFill>
+                  <a:srgbClr val="4D4D4D"/>
+                </a:solidFill>
+                <a:latin typeface="Arial" panose="020B0604020202020204" pitchFamily="34" charset="0"/>
+                <a:ea typeface="+mn-ea"/>
+                <a:cs typeface="Arial" panose="020B0604020202020204" pitchFamily="34" charset="0"/>
+              </a:defRPr>
+            </a:lvl5pPr>
+            <a:lvl6pPr marL="2514600" indent="-228600" algn="l" defTabSz="914400" rtl="0" eaLnBrk="1" latinLnBrk="0" hangingPunct="1">
+              <a:spcBef>
+                <a:spcPct val="20000"/>
+              </a:spcBef>
+              <a:buFont typeface="Arial" pitchFamily="34" charset="0"/>
+              <a:buChar char="•"/>
+              <a:defRPr sz="2000" kern="1200">
+                <a:solidFill>
+                  <a:schemeClr val="tx1"/>
+                </a:solidFill>
+                <a:latin typeface="+mn-lt"/>
+                <a:ea typeface="+mn-ea"/>
+                <a:cs typeface="+mn-cs"/>
+              </a:defRPr>
+            </a:lvl6pPr>
+            <a:lvl7pPr marL="2971800" indent="-228600" algn="l" defTabSz="914400" rtl="0" eaLnBrk="1" latinLnBrk="0" hangingPunct="1">
+              <a:spcBef>
+                <a:spcPct val="20000"/>
+              </a:spcBef>
+              <a:buFont typeface="Arial" pitchFamily="34" charset="0"/>
+              <a:buChar char="•"/>
+              <a:defRPr sz="2000" kern="1200">
+                <a:solidFill>
+                  <a:schemeClr val="tx1"/>
+                </a:solidFill>
+                <a:latin typeface="+mn-lt"/>
+                <a:ea typeface="+mn-ea"/>
+                <a:cs typeface="+mn-cs"/>
+              </a:defRPr>
+            </a:lvl7pPr>
+            <a:lvl8pPr marL="3429000" indent="-228600" algn="l" defTabSz="914400" rtl="0" eaLnBrk="1" latinLnBrk="0" hangingPunct="1">
+              <a:spcBef>
+                <a:spcPct val="20000"/>
+              </a:spcBef>
+              <a:buFont typeface="Arial" pitchFamily="34" charset="0"/>
+              <a:buChar char="•"/>
+              <a:defRPr sz="2000" kern="1200">
+                <a:solidFill>
+                  <a:schemeClr val="tx1"/>
+                </a:solidFill>
+                <a:latin typeface="+mn-lt"/>
+                <a:ea typeface="+mn-ea"/>
+                <a:cs typeface="+mn-cs"/>
+              </a:defRPr>
+            </a:lvl8pPr>
+            <a:lvl9pPr marL="3886200" indent="-228600" algn="l" defTabSz="914400" rtl="0" eaLnBrk="1" latinLnBrk="0" hangingPunct="1">
+              <a:spcBef>
+                <a:spcPct val="20000"/>
+              </a:spcBef>
+              <a:buFont typeface="Arial" pitchFamily="34" charset="0"/>
+              <a:buChar char="•"/>
+              <a:defRPr sz="2000" kern="1200">
+                <a:solidFill>
+                  <a:schemeClr val="tx1"/>
+                </a:solidFill>
+                <a:latin typeface="+mn-lt"/>
+                <a:ea typeface="+mn-ea"/>
+                <a:cs typeface="+mn-cs"/>
+              </a:defRPr>
+            </a:lvl9pPr>
+          </a:lstStyle>
+          <a:p>
+            <a:r>
+              <a:rPr lang="en-IN" sz="2100" dirty="0">
+                <a:solidFill>
+                  <a:schemeClr val="tx1">
+                    <a:lumMod val="75000"/>
+                    <a:lumOff val="25000"/>
+                  </a:schemeClr>
+                </a:solidFill>
+                <a:latin typeface="+mn-lt"/>
+                <a:cs typeface="+mn-cs"/>
+              </a:rPr>
+              <a:t>The type parameter can accept any data types (except primitive types).</a:t>
+            </a:r>
+          </a:p>
+          <a:p>
+            <a:r>
+              <a:rPr lang="en-IN" sz="2100" dirty="0">
+                <a:solidFill>
+                  <a:schemeClr val="tx1">
+                    <a:lumMod val="75000"/>
+                    <a:lumOff val="25000"/>
+                  </a:schemeClr>
+                </a:solidFill>
+                <a:latin typeface="+mn-lt"/>
+                <a:cs typeface="+mn-cs"/>
+              </a:rPr>
+              <a:t>However, if we want to use generics for some specific types (such as accept data of number types) only, then we can use bounded types.</a:t>
+            </a:r>
+          </a:p>
+          <a:p>
+            <a:r>
+              <a:rPr lang="en-IN" sz="2100" dirty="0">
+                <a:solidFill>
+                  <a:schemeClr val="tx1">
+                    <a:lumMod val="75000"/>
+                    <a:lumOff val="25000"/>
+                  </a:schemeClr>
+                </a:solidFill>
+                <a:latin typeface="+mn-lt"/>
+                <a:cs typeface="+mn-cs"/>
+              </a:rPr>
+              <a:t>In the case of bound types, we use the extends keyword. </a:t>
+            </a:r>
+          </a:p>
+          <a:p>
+            <a:r>
+              <a:rPr lang="en-IN" sz="2100" dirty="0">
+                <a:solidFill>
+                  <a:schemeClr val="tx1">
+                    <a:lumMod val="75000"/>
+                    <a:lumOff val="25000"/>
+                  </a:schemeClr>
+                </a:solidFill>
+                <a:latin typeface="+mn-lt"/>
+                <a:cs typeface="+mn-cs"/>
+              </a:rPr>
+              <a:t>For example, &lt;T extends A&gt;</a:t>
+            </a:r>
+          </a:p>
+          <a:p>
+            <a:r>
+              <a:rPr lang="en-IN" sz="2100" dirty="0">
+                <a:solidFill>
+                  <a:schemeClr val="tx1">
+                    <a:lumMod val="75000"/>
+                    <a:lumOff val="25000"/>
+                  </a:schemeClr>
+                </a:solidFill>
+                <a:latin typeface="+mn-lt"/>
+                <a:cs typeface="+mn-cs"/>
+              </a:rPr>
+              <a:t>This means T can only accept data that are subtypes of A.</a:t>
+            </a:r>
+            <a:br>
+              <a:rPr lang="en-IN" sz="2100" dirty="0">
+                <a:solidFill>
+                  <a:schemeClr val="tx1">
+                    <a:lumMod val="75000"/>
+                    <a:lumOff val="25000"/>
+                  </a:schemeClr>
+                </a:solidFill>
+                <a:latin typeface="+mn-lt"/>
+                <a:cs typeface="+mn-cs"/>
+              </a:rPr>
+            </a:br>
+            <a:r>
+              <a:rPr lang="en-IN" sz="2000" dirty="0">
+                <a:solidFill>
+                  <a:schemeClr val="tx1">
+                    <a:lumMod val="75000"/>
+                    <a:lumOff val="25000"/>
+                  </a:schemeClr>
+                </a:solidFill>
+                <a:latin typeface="+mn-lt"/>
+                <a:cs typeface="+mn-cs"/>
+              </a:rPr>
+              <a:t>class </a:t>
+            </a:r>
+            <a:r>
+              <a:rPr lang="en-IN" sz="2000" dirty="0" err="1">
+                <a:solidFill>
+                  <a:schemeClr val="tx1">
+                    <a:lumMod val="75000"/>
+                    <a:lumOff val="25000"/>
+                  </a:schemeClr>
+                </a:solidFill>
+                <a:latin typeface="+mn-lt"/>
+                <a:cs typeface="+mn-cs"/>
+              </a:rPr>
+              <a:t>GenericsClass</a:t>
+            </a:r>
+            <a:r>
+              <a:rPr lang="en-IN" sz="2000" dirty="0">
+                <a:solidFill>
+                  <a:schemeClr val="tx1">
+                    <a:lumMod val="75000"/>
+                    <a:lumOff val="25000"/>
+                  </a:schemeClr>
+                </a:solidFill>
+                <a:latin typeface="+mn-lt"/>
+                <a:cs typeface="+mn-cs"/>
+              </a:rPr>
+              <a:t> &lt;T extends Number&gt; {</a:t>
+            </a:r>
+          </a:p>
+          <a:p>
+            <a:pPr marL="0" indent="0">
+              <a:buNone/>
+            </a:pPr>
+            <a:r>
+              <a:rPr lang="en-IN" sz="2000" dirty="0">
+                <a:solidFill>
+                  <a:schemeClr val="tx1">
+                    <a:lumMod val="75000"/>
+                    <a:lumOff val="25000"/>
+                  </a:schemeClr>
+                </a:solidFill>
+                <a:latin typeface="+mn-lt"/>
+                <a:cs typeface="+mn-cs"/>
+              </a:rPr>
+              <a:t>	public void display() {</a:t>
+            </a:r>
+            <a:br>
+              <a:rPr lang="en-IN" sz="2000" dirty="0">
+                <a:solidFill>
+                  <a:schemeClr val="tx1">
+                    <a:lumMod val="75000"/>
+                    <a:lumOff val="25000"/>
+                  </a:schemeClr>
+                </a:solidFill>
+                <a:latin typeface="+mn-lt"/>
+                <a:cs typeface="+mn-cs"/>
+              </a:rPr>
+            </a:br>
+            <a:r>
+              <a:rPr lang="en-IN" sz="2000" dirty="0">
+                <a:solidFill>
+                  <a:schemeClr val="tx1">
+                    <a:lumMod val="75000"/>
+                    <a:lumOff val="25000"/>
+                  </a:schemeClr>
+                </a:solidFill>
+                <a:latin typeface="+mn-lt"/>
+                <a:cs typeface="+mn-cs"/>
+              </a:rPr>
+              <a:t>		</a:t>
+            </a:r>
+            <a:r>
+              <a:rPr lang="en-IN" sz="2000" dirty="0" err="1">
+                <a:solidFill>
+                  <a:schemeClr val="tx1">
+                    <a:lumMod val="75000"/>
+                    <a:lumOff val="25000"/>
+                  </a:schemeClr>
+                </a:solidFill>
+                <a:latin typeface="+mn-lt"/>
+                <a:cs typeface="+mn-cs"/>
+              </a:rPr>
+              <a:t>System.out.println</a:t>
+            </a:r>
+            <a:r>
+              <a:rPr lang="en-IN" sz="2000" dirty="0">
+                <a:solidFill>
+                  <a:schemeClr val="tx1">
+                    <a:lumMod val="75000"/>
+                    <a:lumOff val="25000"/>
+                  </a:schemeClr>
+                </a:solidFill>
+                <a:latin typeface="+mn-lt"/>
+                <a:cs typeface="+mn-cs"/>
+              </a:rPr>
+              <a:t>("This is a bounded type generics class."); 	}</a:t>
+            </a:r>
+            <a:br>
+              <a:rPr lang="en-IN" sz="2000" dirty="0">
+                <a:solidFill>
+                  <a:schemeClr val="tx1">
+                    <a:lumMod val="75000"/>
+                    <a:lumOff val="25000"/>
+                  </a:schemeClr>
+                </a:solidFill>
+                <a:latin typeface="+mn-lt"/>
+                <a:cs typeface="+mn-cs"/>
+              </a:rPr>
+            </a:br>
+            <a:r>
+              <a:rPr lang="en-IN" sz="2000" dirty="0">
+                <a:solidFill>
+                  <a:schemeClr val="tx1">
+                    <a:lumMod val="75000"/>
+                    <a:lumOff val="25000"/>
+                  </a:schemeClr>
+                </a:solidFill>
+                <a:latin typeface="+mn-lt"/>
+                <a:cs typeface="+mn-cs"/>
+              </a:rPr>
+              <a:t>       }</a:t>
+            </a:r>
+          </a:p>
+          <a:p>
+            <a:pPr marL="0" indent="0">
+              <a:buNone/>
+            </a:pPr>
+            <a:r>
+              <a:rPr lang="en-IN" sz="2000" dirty="0">
+                <a:solidFill>
+                  <a:schemeClr val="tx1">
+                    <a:lumMod val="75000"/>
+                    <a:lumOff val="25000"/>
+                  </a:schemeClr>
+                </a:solidFill>
+                <a:latin typeface="+mn-lt"/>
+                <a:cs typeface="+mn-cs"/>
+              </a:rPr>
+              <a:t>      class Main {</a:t>
+            </a:r>
+            <a:br>
+              <a:rPr lang="en-IN" sz="2000" dirty="0">
+                <a:solidFill>
+                  <a:schemeClr val="tx1">
+                    <a:lumMod val="75000"/>
+                    <a:lumOff val="25000"/>
+                  </a:schemeClr>
+                </a:solidFill>
+                <a:latin typeface="+mn-lt"/>
+                <a:cs typeface="+mn-cs"/>
+              </a:rPr>
+            </a:br>
+            <a:r>
+              <a:rPr lang="en-IN" sz="2000" dirty="0">
+                <a:solidFill>
+                  <a:schemeClr val="tx1">
+                    <a:lumMod val="75000"/>
+                    <a:lumOff val="25000"/>
+                  </a:schemeClr>
+                </a:solidFill>
+                <a:latin typeface="+mn-lt"/>
+                <a:cs typeface="+mn-cs"/>
+              </a:rPr>
+              <a:t>	public static void main(String[] </a:t>
+            </a:r>
+            <a:r>
+              <a:rPr lang="en-IN" sz="2000" dirty="0" err="1">
+                <a:solidFill>
+                  <a:schemeClr val="tx1">
+                    <a:lumMod val="75000"/>
+                    <a:lumOff val="25000"/>
+                  </a:schemeClr>
+                </a:solidFill>
+                <a:latin typeface="+mn-lt"/>
+                <a:cs typeface="+mn-cs"/>
+              </a:rPr>
+              <a:t>args</a:t>
+            </a:r>
+            <a:r>
+              <a:rPr lang="en-IN" sz="2000" dirty="0">
+                <a:solidFill>
+                  <a:schemeClr val="tx1">
+                    <a:lumMod val="75000"/>
+                    <a:lumOff val="25000"/>
+                  </a:schemeClr>
+                </a:solidFill>
+                <a:latin typeface="+mn-lt"/>
+                <a:cs typeface="+mn-cs"/>
+              </a:rPr>
+              <a:t>) {</a:t>
+            </a:r>
+            <a:br>
+              <a:rPr lang="en-IN" sz="2000" dirty="0">
+                <a:solidFill>
+                  <a:schemeClr val="tx1">
+                    <a:lumMod val="75000"/>
+                    <a:lumOff val="25000"/>
+                  </a:schemeClr>
+                </a:solidFill>
+                <a:latin typeface="+mn-lt"/>
+                <a:cs typeface="+mn-cs"/>
+              </a:rPr>
+            </a:br>
+            <a:r>
+              <a:rPr lang="en-IN" sz="2000" dirty="0">
+                <a:solidFill>
+                  <a:schemeClr val="tx1">
+                    <a:lumMod val="75000"/>
+                    <a:lumOff val="25000"/>
+                  </a:schemeClr>
+                </a:solidFill>
+                <a:latin typeface="+mn-lt"/>
+                <a:cs typeface="+mn-cs"/>
+              </a:rPr>
+              <a:t>	// create an object of </a:t>
+            </a:r>
+            <a:r>
+              <a:rPr lang="en-IN" sz="2000" dirty="0" err="1">
+                <a:solidFill>
+                  <a:schemeClr val="tx1">
+                    <a:lumMod val="75000"/>
+                    <a:lumOff val="25000"/>
+                  </a:schemeClr>
+                </a:solidFill>
+                <a:latin typeface="+mn-lt"/>
+                <a:cs typeface="+mn-cs"/>
+              </a:rPr>
+              <a:t>GenericsClass</a:t>
+            </a:r>
+            <a:br>
+              <a:rPr lang="en-IN" sz="2000" dirty="0">
+                <a:solidFill>
+                  <a:schemeClr val="tx1">
+                    <a:lumMod val="75000"/>
+                    <a:lumOff val="25000"/>
+                  </a:schemeClr>
+                </a:solidFill>
+                <a:latin typeface="+mn-lt"/>
+                <a:cs typeface="+mn-cs"/>
+              </a:rPr>
+            </a:br>
+            <a:r>
+              <a:rPr lang="en-IN" sz="2000" dirty="0">
+                <a:solidFill>
+                  <a:schemeClr val="tx1">
+                    <a:lumMod val="75000"/>
+                    <a:lumOff val="25000"/>
+                  </a:schemeClr>
+                </a:solidFill>
+                <a:latin typeface="+mn-lt"/>
+                <a:cs typeface="+mn-cs"/>
+              </a:rPr>
+              <a:t>		</a:t>
+            </a:r>
+            <a:r>
+              <a:rPr lang="en-IN" sz="2000" dirty="0" err="1">
+                <a:solidFill>
+                  <a:schemeClr val="tx1">
+                    <a:lumMod val="75000"/>
+                    <a:lumOff val="25000"/>
+                  </a:schemeClr>
+                </a:solidFill>
+                <a:latin typeface="+mn-lt"/>
+                <a:cs typeface="+mn-cs"/>
+              </a:rPr>
+              <a:t>GenericsClass</a:t>
+            </a:r>
+            <a:r>
+              <a:rPr lang="en-IN" sz="2000" dirty="0">
+                <a:solidFill>
+                  <a:schemeClr val="tx1">
+                    <a:lumMod val="75000"/>
+                    <a:lumOff val="25000"/>
+                  </a:schemeClr>
+                </a:solidFill>
+                <a:latin typeface="+mn-lt"/>
+                <a:cs typeface="+mn-cs"/>
+              </a:rPr>
+              <a:t>&lt;String&gt; </a:t>
+            </a:r>
+            <a:r>
+              <a:rPr lang="en-IN" sz="2000" dirty="0" err="1">
+                <a:solidFill>
+                  <a:schemeClr val="tx1">
+                    <a:lumMod val="75000"/>
+                    <a:lumOff val="25000"/>
+                  </a:schemeClr>
+                </a:solidFill>
+                <a:latin typeface="+mn-lt"/>
+                <a:cs typeface="+mn-cs"/>
+              </a:rPr>
+              <a:t>obj</a:t>
+            </a:r>
+            <a:r>
+              <a:rPr lang="en-IN" sz="2000" dirty="0">
+                <a:solidFill>
+                  <a:schemeClr val="tx1">
+                    <a:lumMod val="75000"/>
+                    <a:lumOff val="25000"/>
+                  </a:schemeClr>
+                </a:solidFill>
+                <a:latin typeface="+mn-lt"/>
+                <a:cs typeface="+mn-cs"/>
+              </a:rPr>
+              <a:t> = new </a:t>
+            </a:r>
+            <a:r>
+              <a:rPr lang="en-IN" sz="2000" dirty="0" err="1">
+                <a:solidFill>
+                  <a:schemeClr val="tx1">
+                    <a:lumMod val="75000"/>
+                    <a:lumOff val="25000"/>
+                  </a:schemeClr>
+                </a:solidFill>
+                <a:latin typeface="+mn-lt"/>
+                <a:cs typeface="+mn-cs"/>
+              </a:rPr>
+              <a:t>GenericsClass</a:t>
+            </a:r>
+            <a:r>
+              <a:rPr lang="en-IN" sz="2000" dirty="0">
+                <a:solidFill>
+                  <a:schemeClr val="tx1">
+                    <a:lumMod val="75000"/>
+                    <a:lumOff val="25000"/>
+                  </a:schemeClr>
+                </a:solidFill>
+                <a:latin typeface="+mn-lt"/>
+                <a:cs typeface="+mn-cs"/>
+              </a:rPr>
+              <a:t>&lt;&gt;();</a:t>
+            </a:r>
+            <a:br>
+              <a:rPr lang="en-IN" sz="2000" dirty="0">
+                <a:solidFill>
+                  <a:schemeClr val="tx1">
+                    <a:lumMod val="75000"/>
+                    <a:lumOff val="25000"/>
+                  </a:schemeClr>
+                </a:solidFill>
+                <a:latin typeface="+mn-lt"/>
+                <a:cs typeface="+mn-cs"/>
+              </a:rPr>
+            </a:br>
+            <a:r>
+              <a:rPr lang="en-IN" sz="2000" dirty="0">
+                <a:solidFill>
+                  <a:schemeClr val="tx1">
+                    <a:lumMod val="75000"/>
+                    <a:lumOff val="25000"/>
+                  </a:schemeClr>
+                </a:solidFill>
+                <a:latin typeface="+mn-lt"/>
+                <a:cs typeface="+mn-cs"/>
+              </a:rPr>
+              <a:t>	}</a:t>
+            </a:r>
+            <a:br>
+              <a:rPr lang="en-IN" sz="2000" dirty="0">
+                <a:solidFill>
+                  <a:schemeClr val="tx1">
+                    <a:lumMod val="75000"/>
+                    <a:lumOff val="25000"/>
+                  </a:schemeClr>
+                </a:solidFill>
+                <a:latin typeface="+mn-lt"/>
+                <a:cs typeface="+mn-cs"/>
+              </a:rPr>
+            </a:br>
+            <a:r>
+              <a:rPr lang="en-IN" sz="2000" dirty="0">
+                <a:solidFill>
+                  <a:schemeClr val="tx1">
+                    <a:lumMod val="75000"/>
+                    <a:lumOff val="25000"/>
+                  </a:schemeClr>
+                </a:solidFill>
+                <a:latin typeface="+mn-lt"/>
+                <a:cs typeface="+mn-cs"/>
+              </a:rPr>
+              <a:t>}</a:t>
+            </a:r>
+            <a:br>
+              <a:rPr lang="en-IN" sz="2000" dirty="0">
+                <a:solidFill>
+                  <a:schemeClr val="tx1">
+                    <a:lumMod val="75000"/>
+                    <a:lumOff val="25000"/>
+                  </a:schemeClr>
+                </a:solidFill>
+                <a:latin typeface="+mn-lt"/>
+                <a:cs typeface="+mn-cs"/>
+              </a:rPr>
+            </a:br>
+            <a:endParaRPr lang="en-IN" sz="2000" dirty="0">
+              <a:solidFill>
+                <a:schemeClr val="tx1">
+                  <a:lumMod val="75000"/>
+                  <a:lumOff val="25000"/>
+                </a:schemeClr>
+              </a:solidFill>
+              <a:latin typeface="+mn-lt"/>
+              <a:cs typeface="+mn-cs"/>
+            </a:endParaRPr>
+          </a:p>
+        </p:txBody>
+      </p:sp>
+    </p:spTree>
+    <p:extLst>
+      <p:ext uri="{BB962C8B-B14F-4D97-AF65-F5344CB8AC3E}">
+        <p14:creationId xmlns:p14="http://schemas.microsoft.com/office/powerpoint/2010/main" val="2736520308"/>
+      </p:ext>
+    </p:extLst>
+  </p:cSld>
+  <p:clrMapOvr>
+    <a:masterClrMapping/>
+  </p:clrMapOvr>
+  <p:transition>
+    <p:fade/>
+  </p:transition>
+</p:sld>
+</file>
+
+<file path=ppt/slides/slide13.xml><?xml version="1.0" encoding="utf-8"?>
+<p:sld xmlns:a="http://schemas.openxmlformats.org/drawingml/2006/main" xmlns:r="http://schemas.openxmlformats.org/officeDocument/2006/relationships" xmlns:p="http://schemas.openxmlformats.org/presentationml/2006/main">
+  <p:cSld>
+    <p:spTree>
+      <p:nvGrpSpPr>
+        <p:cNvPr id="1" name=""/>
+        <p:cNvGrpSpPr/>
+        <p:nvPr/>
+      </p:nvGrpSpPr>
+      <p:grpSpPr>
+        <a:xfrm>
+          <a:off x="0" y="0"/>
+          <a:ext cx="0" cy="0"/>
+          <a:chOff x="0" y="0"/>
+          <a:chExt cx="0" cy="0"/>
+        </a:xfrm>
+      </p:grpSpPr>
+      <p:sp>
+        <p:nvSpPr>
+          <p:cNvPr id="2" name="Title 1"/>
+          <p:cNvSpPr>
+            <a:spLocks noGrp="1"/>
+          </p:cNvSpPr>
+          <p:nvPr>
+            <p:ph type="title"/>
+          </p:nvPr>
+        </p:nvSpPr>
+        <p:spPr>
+          <a:xfrm>
+            <a:off x="228600" y="228600"/>
+            <a:ext cx="6629400" cy="609599"/>
+          </a:xfrm>
+        </p:spPr>
+        <p:txBody>
+          <a:bodyPr>
+            <a:normAutofit/>
+          </a:bodyPr>
+          <a:lstStyle/>
+          <a:p>
+            <a:pPr algn="l"/>
+            <a:r>
+              <a:rPr lang="en-IN" b="1" i="0" dirty="0">
+                <a:solidFill>
+                  <a:srgbClr val="25265E"/>
+                </a:solidFill>
+                <a:effectLst/>
+                <a:latin typeface="euclid_circular_a"/>
+              </a:rPr>
+              <a:t>Generic Method and Bounded Type Parameters</a:t>
+            </a:r>
+          </a:p>
+        </p:txBody>
+      </p:sp>
+      <p:sp>
+        <p:nvSpPr>
+          <p:cNvPr id="6" name="Content Placeholder 2">
+            <a:extLst>
+              <a:ext uri="{FF2B5EF4-FFF2-40B4-BE49-F238E27FC236}">
+                <a16:creationId xmlns:a16="http://schemas.microsoft.com/office/drawing/2014/main" id="{17AA01B4-C800-309E-CFA5-FEFF791D4537}"/>
+              </a:ext>
+            </a:extLst>
+          </p:cNvPr>
+          <p:cNvSpPr txBox="1">
+            <a:spLocks/>
+          </p:cNvSpPr>
+          <p:nvPr/>
+        </p:nvSpPr>
+        <p:spPr>
+          <a:xfrm>
+            <a:off x="381000" y="838199"/>
+            <a:ext cx="8534400" cy="5791201"/>
+          </a:xfrm>
+          <a:prstGeom prst="rect">
+            <a:avLst/>
+          </a:prstGeom>
+        </p:spPr>
+        <p:txBody>
+          <a:bodyPr vert="horz" lIns="91440" tIns="45720" rIns="91440" bIns="45720" rtlCol="0">
+            <a:noAutofit/>
+          </a:bodyPr>
+          <a:lstStyle>
+            <a:lvl1pPr marL="342900" indent="-342900" algn="l" defTabSz="914400" rtl="0" eaLnBrk="1" latinLnBrk="0" hangingPunct="1">
+              <a:spcBef>
+                <a:spcPct val="20000"/>
+              </a:spcBef>
+              <a:buFont typeface="Wingdings" pitchFamily="2" charset="2"/>
+              <a:buChar char="§"/>
+              <a:defRPr sz="1800" kern="1200">
+                <a:solidFill>
+                  <a:srgbClr val="4D4D4D"/>
+                </a:solidFill>
+                <a:latin typeface="Arial" panose="020B0604020202020204" pitchFamily="34" charset="0"/>
+                <a:ea typeface="+mn-ea"/>
+                <a:cs typeface="Arial" panose="020B0604020202020204" pitchFamily="34" charset="0"/>
+              </a:defRPr>
+            </a:lvl1pPr>
+            <a:lvl2pPr marL="742950" indent="-285750" algn="l" defTabSz="914400" rtl="0" eaLnBrk="1" latinLnBrk="0" hangingPunct="1">
+              <a:spcBef>
+                <a:spcPct val="20000"/>
+              </a:spcBef>
+              <a:buFont typeface="Arial" pitchFamily="34" charset="0"/>
+              <a:buChar char="•"/>
+              <a:defRPr sz="1600" kern="1200">
+                <a:solidFill>
+                  <a:srgbClr val="4D4D4D"/>
+                </a:solidFill>
+                <a:latin typeface="Arial" panose="020B0604020202020204" pitchFamily="34" charset="0"/>
+                <a:ea typeface="+mn-ea"/>
+                <a:cs typeface="Arial" panose="020B0604020202020204" pitchFamily="34" charset="0"/>
+              </a:defRPr>
+            </a:lvl2pPr>
+            <a:lvl3pPr marL="1143000" indent="-228600" algn="l" defTabSz="914400" rtl="0" eaLnBrk="1" latinLnBrk="0" hangingPunct="1">
+              <a:spcBef>
+                <a:spcPct val="20000"/>
+              </a:spcBef>
+              <a:buFont typeface="Courier New" pitchFamily="49" charset="0"/>
+              <a:buChar char="o"/>
+              <a:defRPr sz="1600" kern="1200">
+                <a:solidFill>
+                  <a:srgbClr val="4D4D4D"/>
+                </a:solidFill>
+                <a:latin typeface="Arial" panose="020B0604020202020204" pitchFamily="34" charset="0"/>
+                <a:ea typeface="+mn-ea"/>
+                <a:cs typeface="Arial" panose="020B0604020202020204" pitchFamily="34" charset="0"/>
+              </a:defRPr>
+            </a:lvl3pPr>
+            <a:lvl4pPr marL="1600200" indent="-228600" algn="l" defTabSz="914400" rtl="0" eaLnBrk="1" latinLnBrk="0" hangingPunct="1">
+              <a:spcBef>
+                <a:spcPct val="20000"/>
+              </a:spcBef>
+              <a:buFont typeface="Arial" pitchFamily="34" charset="0"/>
+              <a:buChar char="–"/>
+              <a:defRPr sz="1600" kern="1200">
+                <a:solidFill>
+                  <a:srgbClr val="4D4D4D"/>
+                </a:solidFill>
+                <a:latin typeface="Arial" panose="020B0604020202020204" pitchFamily="34" charset="0"/>
+                <a:ea typeface="+mn-ea"/>
+                <a:cs typeface="Arial" panose="020B0604020202020204" pitchFamily="34" charset="0"/>
+              </a:defRPr>
+            </a:lvl4pPr>
+            <a:lvl5pPr marL="2057400" indent="-228600" algn="l" defTabSz="914400" rtl="0" eaLnBrk="1" latinLnBrk="0" hangingPunct="1">
+              <a:spcBef>
+                <a:spcPct val="20000"/>
+              </a:spcBef>
+              <a:buFont typeface="Arial" pitchFamily="34" charset="0"/>
+              <a:buChar char="»"/>
+              <a:defRPr sz="1600" kern="1200">
+                <a:solidFill>
+                  <a:srgbClr val="4D4D4D"/>
+                </a:solidFill>
+                <a:latin typeface="Arial" panose="020B0604020202020204" pitchFamily="34" charset="0"/>
+                <a:ea typeface="+mn-ea"/>
+                <a:cs typeface="Arial" panose="020B0604020202020204" pitchFamily="34" charset="0"/>
+              </a:defRPr>
+            </a:lvl5pPr>
+            <a:lvl6pPr marL="2514600" indent="-228600" algn="l" defTabSz="914400" rtl="0" eaLnBrk="1" latinLnBrk="0" hangingPunct="1">
+              <a:spcBef>
+                <a:spcPct val="20000"/>
+              </a:spcBef>
+              <a:buFont typeface="Arial" pitchFamily="34" charset="0"/>
+              <a:buChar char="•"/>
+              <a:defRPr sz="2000" kern="1200">
+                <a:solidFill>
+                  <a:schemeClr val="tx1"/>
+                </a:solidFill>
+                <a:latin typeface="+mn-lt"/>
+                <a:ea typeface="+mn-ea"/>
+                <a:cs typeface="+mn-cs"/>
+              </a:defRPr>
+            </a:lvl6pPr>
+            <a:lvl7pPr marL="2971800" indent="-228600" algn="l" defTabSz="914400" rtl="0" eaLnBrk="1" latinLnBrk="0" hangingPunct="1">
+              <a:spcBef>
+                <a:spcPct val="20000"/>
+              </a:spcBef>
+              <a:buFont typeface="Arial" pitchFamily="34" charset="0"/>
+              <a:buChar char="•"/>
+              <a:defRPr sz="2000" kern="1200">
+                <a:solidFill>
+                  <a:schemeClr val="tx1"/>
+                </a:solidFill>
+                <a:latin typeface="+mn-lt"/>
+                <a:ea typeface="+mn-ea"/>
+                <a:cs typeface="+mn-cs"/>
+              </a:defRPr>
+            </a:lvl7pPr>
+            <a:lvl8pPr marL="3429000" indent="-228600" algn="l" defTabSz="914400" rtl="0" eaLnBrk="1" latinLnBrk="0" hangingPunct="1">
+              <a:spcBef>
+                <a:spcPct val="20000"/>
+              </a:spcBef>
+              <a:buFont typeface="Arial" pitchFamily="34" charset="0"/>
+              <a:buChar char="•"/>
+              <a:defRPr sz="2000" kern="1200">
+                <a:solidFill>
+                  <a:schemeClr val="tx1"/>
+                </a:solidFill>
+                <a:latin typeface="+mn-lt"/>
+                <a:ea typeface="+mn-ea"/>
+                <a:cs typeface="+mn-cs"/>
+              </a:defRPr>
+            </a:lvl8pPr>
+            <a:lvl9pPr marL="3886200" indent="-228600" algn="l" defTabSz="914400" rtl="0" eaLnBrk="1" latinLnBrk="0" hangingPunct="1">
+              <a:spcBef>
+                <a:spcPct val="20000"/>
+              </a:spcBef>
+              <a:buFont typeface="Arial" pitchFamily="34" charset="0"/>
+              <a:buChar char="•"/>
+              <a:defRPr sz="2000" kern="1200">
+                <a:solidFill>
+                  <a:schemeClr val="tx1"/>
+                </a:solidFill>
+                <a:latin typeface="+mn-lt"/>
+                <a:ea typeface="+mn-ea"/>
+                <a:cs typeface="+mn-cs"/>
+              </a:defRPr>
+            </a:lvl9pPr>
+          </a:lstStyle>
+          <a:p>
+            <a:r>
+              <a:rPr lang="en-IN" sz="2100" dirty="0">
+                <a:solidFill>
+                  <a:schemeClr val="tx1">
+                    <a:lumMod val="75000"/>
+                    <a:lumOff val="25000"/>
+                  </a:schemeClr>
+                </a:solidFill>
+                <a:latin typeface="+mn-lt"/>
+                <a:cs typeface="+mn-cs"/>
+              </a:rPr>
+              <a:t>Consider the following method that counts the number of elements in an array T[] that are greater than a specified element elem.</a:t>
+            </a:r>
+            <a:br>
+              <a:rPr lang="en-IN" sz="2100" dirty="0">
+                <a:solidFill>
+                  <a:schemeClr val="tx1">
+                    <a:lumMod val="75000"/>
+                    <a:lumOff val="25000"/>
+                  </a:schemeClr>
+                </a:solidFill>
+                <a:latin typeface="+mn-lt"/>
+                <a:cs typeface="+mn-cs"/>
+              </a:rPr>
+            </a:br>
+            <a:r>
+              <a:rPr lang="en-IN" sz="2100" dirty="0">
+                <a:solidFill>
+                  <a:schemeClr val="tx1">
+                    <a:lumMod val="75000"/>
+                    <a:lumOff val="25000"/>
+                  </a:schemeClr>
+                </a:solidFill>
+                <a:latin typeface="+mn-lt"/>
+                <a:cs typeface="+mn-cs"/>
+              </a:rPr>
+              <a:t>public static &lt;T&gt; int </a:t>
+            </a:r>
+            <a:r>
+              <a:rPr lang="en-IN" sz="2100" dirty="0" err="1">
+                <a:solidFill>
+                  <a:schemeClr val="tx1">
+                    <a:lumMod val="75000"/>
+                    <a:lumOff val="25000"/>
+                  </a:schemeClr>
+                </a:solidFill>
+                <a:latin typeface="+mn-lt"/>
+                <a:cs typeface="+mn-cs"/>
+              </a:rPr>
+              <a:t>countGreaterThan</a:t>
+            </a:r>
+            <a:r>
+              <a:rPr lang="en-IN" sz="2100" dirty="0">
+                <a:solidFill>
+                  <a:schemeClr val="tx1">
+                    <a:lumMod val="75000"/>
+                    <a:lumOff val="25000"/>
+                  </a:schemeClr>
+                </a:solidFill>
+                <a:latin typeface="+mn-lt"/>
+                <a:cs typeface="+mn-cs"/>
+              </a:rPr>
+              <a:t>(T[] </a:t>
+            </a:r>
+            <a:r>
+              <a:rPr lang="en-IN" sz="2100" dirty="0" err="1">
+                <a:solidFill>
+                  <a:schemeClr val="tx1">
+                    <a:lumMod val="75000"/>
+                    <a:lumOff val="25000"/>
+                  </a:schemeClr>
+                </a:solidFill>
+                <a:latin typeface="+mn-lt"/>
+                <a:cs typeface="+mn-cs"/>
+              </a:rPr>
+              <a:t>anArray</a:t>
+            </a:r>
+            <a:r>
+              <a:rPr lang="en-IN" sz="2100" dirty="0">
+                <a:solidFill>
+                  <a:schemeClr val="tx1">
+                    <a:lumMod val="75000"/>
+                    <a:lumOff val="25000"/>
+                  </a:schemeClr>
+                </a:solidFill>
+                <a:latin typeface="+mn-lt"/>
+                <a:cs typeface="+mn-cs"/>
+              </a:rPr>
+              <a:t>, T </a:t>
+            </a:r>
+            <a:r>
+              <a:rPr lang="en-IN" sz="2100" dirty="0" err="1">
+                <a:solidFill>
+                  <a:schemeClr val="tx1">
+                    <a:lumMod val="75000"/>
+                    <a:lumOff val="25000"/>
+                  </a:schemeClr>
+                </a:solidFill>
+                <a:latin typeface="+mn-lt"/>
+                <a:cs typeface="+mn-cs"/>
+              </a:rPr>
+              <a:t>elem</a:t>
+            </a:r>
+            <a:r>
+              <a:rPr lang="en-IN" sz="2100" dirty="0">
+                <a:solidFill>
+                  <a:schemeClr val="tx1">
+                    <a:lumMod val="75000"/>
+                    <a:lumOff val="25000"/>
+                  </a:schemeClr>
+                </a:solidFill>
+                <a:latin typeface="+mn-lt"/>
+                <a:cs typeface="+mn-cs"/>
+              </a:rPr>
+              <a:t>) { </a:t>
+            </a:r>
+            <a:br>
+              <a:rPr lang="en-IN" sz="2100" dirty="0">
+                <a:solidFill>
+                  <a:schemeClr val="tx1">
+                    <a:lumMod val="75000"/>
+                    <a:lumOff val="25000"/>
+                  </a:schemeClr>
+                </a:solidFill>
+                <a:latin typeface="+mn-lt"/>
+                <a:cs typeface="+mn-cs"/>
+              </a:rPr>
+            </a:br>
+            <a:r>
+              <a:rPr lang="en-IN" sz="2100" dirty="0">
+                <a:solidFill>
+                  <a:schemeClr val="tx1">
+                    <a:lumMod val="75000"/>
+                    <a:lumOff val="25000"/>
+                  </a:schemeClr>
+                </a:solidFill>
+                <a:latin typeface="+mn-lt"/>
+                <a:cs typeface="+mn-cs"/>
+              </a:rPr>
+              <a:t>	int count = 0; </a:t>
+            </a:r>
+            <a:br>
+              <a:rPr lang="en-IN" sz="2100" dirty="0">
+                <a:solidFill>
+                  <a:schemeClr val="tx1">
+                    <a:lumMod val="75000"/>
+                    <a:lumOff val="25000"/>
+                  </a:schemeClr>
+                </a:solidFill>
+                <a:latin typeface="+mn-lt"/>
+                <a:cs typeface="+mn-cs"/>
+              </a:rPr>
+            </a:br>
+            <a:r>
+              <a:rPr lang="en-IN" sz="2100" dirty="0">
+                <a:solidFill>
+                  <a:schemeClr val="tx1">
+                    <a:lumMod val="75000"/>
+                    <a:lumOff val="25000"/>
+                  </a:schemeClr>
+                </a:solidFill>
+                <a:latin typeface="+mn-lt"/>
+                <a:cs typeface="+mn-cs"/>
+              </a:rPr>
+              <a:t>	for (T e : </a:t>
+            </a:r>
+            <a:r>
+              <a:rPr lang="en-IN" sz="2100" dirty="0" err="1">
+                <a:solidFill>
+                  <a:schemeClr val="tx1">
+                    <a:lumMod val="75000"/>
+                    <a:lumOff val="25000"/>
+                  </a:schemeClr>
+                </a:solidFill>
+                <a:latin typeface="+mn-lt"/>
+                <a:cs typeface="+mn-cs"/>
+              </a:rPr>
+              <a:t>anArray</a:t>
+            </a:r>
+            <a:r>
+              <a:rPr lang="en-IN" sz="2100" dirty="0">
+                <a:solidFill>
+                  <a:schemeClr val="tx1">
+                    <a:lumMod val="75000"/>
+                    <a:lumOff val="25000"/>
+                  </a:schemeClr>
+                </a:solidFill>
+                <a:latin typeface="+mn-lt"/>
+                <a:cs typeface="+mn-cs"/>
+              </a:rPr>
+              <a:t>) if (e &gt; </a:t>
+            </a:r>
+            <a:r>
+              <a:rPr lang="en-IN" sz="2100" dirty="0" err="1">
+                <a:solidFill>
+                  <a:schemeClr val="tx1">
+                    <a:lumMod val="75000"/>
+                    <a:lumOff val="25000"/>
+                  </a:schemeClr>
+                </a:solidFill>
+                <a:latin typeface="+mn-lt"/>
+                <a:cs typeface="+mn-cs"/>
+              </a:rPr>
+              <a:t>elem</a:t>
+            </a:r>
+            <a:r>
+              <a:rPr lang="en-IN" sz="2100" dirty="0">
+                <a:solidFill>
+                  <a:schemeClr val="tx1">
+                    <a:lumMod val="75000"/>
+                    <a:lumOff val="25000"/>
+                  </a:schemeClr>
+                </a:solidFill>
+                <a:latin typeface="+mn-lt"/>
+                <a:cs typeface="+mn-cs"/>
+              </a:rPr>
+              <a:t>) // compiler error </a:t>
+            </a:r>
+            <a:br>
+              <a:rPr lang="en-IN" sz="2100" dirty="0">
+                <a:solidFill>
+                  <a:schemeClr val="tx1">
+                    <a:lumMod val="75000"/>
+                    <a:lumOff val="25000"/>
+                  </a:schemeClr>
+                </a:solidFill>
+                <a:latin typeface="+mn-lt"/>
+                <a:cs typeface="+mn-cs"/>
+              </a:rPr>
+            </a:br>
+            <a:r>
+              <a:rPr lang="en-IN" sz="2100" dirty="0">
+                <a:solidFill>
+                  <a:schemeClr val="tx1">
+                    <a:lumMod val="75000"/>
+                    <a:lumOff val="25000"/>
+                  </a:schemeClr>
+                </a:solidFill>
+                <a:latin typeface="+mn-lt"/>
+                <a:cs typeface="+mn-cs"/>
+              </a:rPr>
+              <a:t>		++count; </a:t>
+            </a:r>
+            <a:br>
+              <a:rPr lang="en-IN" sz="2100" dirty="0">
+                <a:solidFill>
+                  <a:schemeClr val="tx1">
+                    <a:lumMod val="75000"/>
+                    <a:lumOff val="25000"/>
+                  </a:schemeClr>
+                </a:solidFill>
+                <a:latin typeface="+mn-lt"/>
+                <a:cs typeface="+mn-cs"/>
+              </a:rPr>
+            </a:br>
+            <a:r>
+              <a:rPr lang="en-IN" sz="2100" dirty="0">
+                <a:solidFill>
+                  <a:schemeClr val="tx1">
+                    <a:lumMod val="75000"/>
+                    <a:lumOff val="25000"/>
+                  </a:schemeClr>
+                </a:solidFill>
+                <a:latin typeface="+mn-lt"/>
+                <a:cs typeface="+mn-cs"/>
+              </a:rPr>
+              <a:t>	return count; </a:t>
+            </a:r>
+            <a:br>
+              <a:rPr lang="en-IN" sz="2100" dirty="0">
+                <a:solidFill>
+                  <a:schemeClr val="tx1">
+                    <a:lumMod val="75000"/>
+                    <a:lumOff val="25000"/>
+                  </a:schemeClr>
+                </a:solidFill>
+                <a:latin typeface="+mn-lt"/>
+                <a:cs typeface="+mn-cs"/>
+              </a:rPr>
+            </a:br>
+            <a:r>
+              <a:rPr lang="en-IN" sz="2100" dirty="0">
+                <a:solidFill>
+                  <a:schemeClr val="tx1">
+                    <a:lumMod val="75000"/>
+                    <a:lumOff val="25000"/>
+                  </a:schemeClr>
+                </a:solidFill>
+                <a:latin typeface="+mn-lt"/>
+                <a:cs typeface="+mn-cs"/>
+              </a:rPr>
+              <a:t>} </a:t>
+            </a:r>
+          </a:p>
+          <a:p>
+            <a:r>
+              <a:rPr lang="en-IN" sz="2100" dirty="0">
+                <a:solidFill>
+                  <a:schemeClr val="tx1">
+                    <a:lumMod val="75000"/>
+                    <a:lumOff val="25000"/>
+                  </a:schemeClr>
+                </a:solidFill>
+                <a:latin typeface="+mn-lt"/>
+                <a:cs typeface="+mn-cs"/>
+              </a:rPr>
+              <a:t>You cannot use the &gt; operator to compare objects. To fix the problem, use a type parameter bounded by the Comparable&lt;T&gt; interface:</a:t>
+            </a:r>
+            <a:br>
+              <a:rPr lang="en-IN" sz="2100" dirty="0">
+                <a:solidFill>
+                  <a:schemeClr val="tx1">
+                    <a:lumMod val="75000"/>
+                    <a:lumOff val="25000"/>
+                  </a:schemeClr>
+                </a:solidFill>
+                <a:latin typeface="+mn-lt"/>
+                <a:cs typeface="+mn-cs"/>
+              </a:rPr>
+            </a:br>
+            <a:r>
+              <a:rPr lang="en-IN" sz="2100" dirty="0">
+                <a:solidFill>
+                  <a:schemeClr val="tx1">
+                    <a:lumMod val="75000"/>
+                    <a:lumOff val="25000"/>
+                  </a:schemeClr>
+                </a:solidFill>
+                <a:latin typeface="+mn-lt"/>
+                <a:cs typeface="+mn-cs"/>
+              </a:rPr>
+              <a:t>public interface Comparable&lt;T&gt; { public int </a:t>
+            </a:r>
+            <a:r>
+              <a:rPr lang="en-IN" sz="2100" dirty="0" err="1">
+                <a:solidFill>
+                  <a:schemeClr val="tx1">
+                    <a:lumMod val="75000"/>
+                    <a:lumOff val="25000"/>
+                  </a:schemeClr>
+                </a:solidFill>
+                <a:latin typeface="+mn-lt"/>
+                <a:cs typeface="+mn-cs"/>
+              </a:rPr>
+              <a:t>compareTo</a:t>
+            </a:r>
+            <a:r>
+              <a:rPr lang="en-IN" sz="2100" dirty="0">
+                <a:solidFill>
+                  <a:schemeClr val="tx1">
+                    <a:lumMod val="75000"/>
+                    <a:lumOff val="25000"/>
+                  </a:schemeClr>
+                </a:solidFill>
+                <a:latin typeface="+mn-lt"/>
+                <a:cs typeface="+mn-cs"/>
+              </a:rPr>
+              <a:t>(T o); } </a:t>
+            </a:r>
+          </a:p>
+          <a:p>
+            <a:r>
+              <a:rPr lang="en-IN" sz="2100" dirty="0">
+                <a:solidFill>
+                  <a:schemeClr val="tx1">
+                    <a:lumMod val="75000"/>
+                    <a:lumOff val="25000"/>
+                  </a:schemeClr>
+                </a:solidFill>
+                <a:latin typeface="+mn-lt"/>
+                <a:cs typeface="+mn-cs"/>
+              </a:rPr>
+              <a:t>The resulting code will be:</a:t>
+            </a:r>
+            <a:br>
+              <a:rPr lang="en-IN" sz="2100" dirty="0">
+                <a:solidFill>
+                  <a:schemeClr val="tx1">
+                    <a:lumMod val="75000"/>
+                    <a:lumOff val="25000"/>
+                  </a:schemeClr>
+                </a:solidFill>
+                <a:latin typeface="+mn-lt"/>
+                <a:cs typeface="+mn-cs"/>
+              </a:rPr>
+            </a:br>
+            <a:r>
+              <a:rPr lang="en-IN" sz="2100" dirty="0">
+                <a:solidFill>
+                  <a:schemeClr val="tx1">
+                    <a:lumMod val="75000"/>
+                    <a:lumOff val="25000"/>
+                  </a:schemeClr>
+                </a:solidFill>
+                <a:latin typeface="+mn-lt"/>
+                <a:cs typeface="+mn-cs"/>
+              </a:rPr>
+              <a:t>public static &lt;T extends Comparable&lt;T&gt;&gt; int </a:t>
+            </a:r>
+            <a:r>
+              <a:rPr lang="en-IN" sz="2100" dirty="0" err="1">
+                <a:solidFill>
+                  <a:schemeClr val="tx1">
+                    <a:lumMod val="75000"/>
+                    <a:lumOff val="25000"/>
+                  </a:schemeClr>
+                </a:solidFill>
+                <a:latin typeface="+mn-lt"/>
+                <a:cs typeface="+mn-cs"/>
+              </a:rPr>
+              <a:t>countGreaterThan</a:t>
+            </a:r>
+            <a:r>
+              <a:rPr lang="en-IN" sz="2100" dirty="0">
+                <a:solidFill>
+                  <a:schemeClr val="tx1">
+                    <a:lumMod val="75000"/>
+                    <a:lumOff val="25000"/>
+                  </a:schemeClr>
+                </a:solidFill>
+                <a:latin typeface="+mn-lt"/>
+                <a:cs typeface="+mn-cs"/>
+              </a:rPr>
+              <a:t>(T[] </a:t>
+            </a:r>
+            <a:r>
+              <a:rPr lang="en-IN" sz="2100" dirty="0" err="1">
+                <a:solidFill>
+                  <a:schemeClr val="tx1">
+                    <a:lumMod val="75000"/>
+                    <a:lumOff val="25000"/>
+                  </a:schemeClr>
+                </a:solidFill>
+                <a:latin typeface="+mn-lt"/>
+                <a:cs typeface="+mn-cs"/>
+              </a:rPr>
+              <a:t>anArray</a:t>
+            </a:r>
+            <a:r>
+              <a:rPr lang="en-IN" sz="2100" dirty="0">
+                <a:solidFill>
+                  <a:schemeClr val="tx1">
+                    <a:lumMod val="75000"/>
+                    <a:lumOff val="25000"/>
+                  </a:schemeClr>
+                </a:solidFill>
+                <a:latin typeface="+mn-lt"/>
+                <a:cs typeface="+mn-cs"/>
+              </a:rPr>
+              <a:t>, T </a:t>
+            </a:r>
+            <a:r>
+              <a:rPr lang="en-IN" sz="2100" dirty="0" err="1">
+                <a:solidFill>
+                  <a:schemeClr val="tx1">
+                    <a:lumMod val="75000"/>
+                    <a:lumOff val="25000"/>
+                  </a:schemeClr>
+                </a:solidFill>
+                <a:latin typeface="+mn-lt"/>
+                <a:cs typeface="+mn-cs"/>
+              </a:rPr>
+              <a:t>elem</a:t>
+            </a:r>
+            <a:r>
+              <a:rPr lang="en-IN" sz="2100" dirty="0">
+                <a:solidFill>
+                  <a:schemeClr val="tx1">
+                    <a:lumMod val="75000"/>
+                    <a:lumOff val="25000"/>
+                  </a:schemeClr>
+                </a:solidFill>
+                <a:latin typeface="+mn-lt"/>
+                <a:cs typeface="+mn-cs"/>
+              </a:rPr>
+              <a:t>) { </a:t>
+            </a:r>
+            <a:br>
+              <a:rPr lang="en-IN" sz="2100" dirty="0">
+                <a:solidFill>
+                  <a:schemeClr val="tx1">
+                    <a:lumMod val="75000"/>
+                    <a:lumOff val="25000"/>
+                  </a:schemeClr>
+                </a:solidFill>
+                <a:latin typeface="+mn-lt"/>
+                <a:cs typeface="+mn-cs"/>
+              </a:rPr>
+            </a:br>
+            <a:r>
+              <a:rPr lang="en-IN" sz="2100" dirty="0">
+                <a:solidFill>
+                  <a:schemeClr val="tx1">
+                    <a:lumMod val="75000"/>
+                    <a:lumOff val="25000"/>
+                  </a:schemeClr>
+                </a:solidFill>
+                <a:latin typeface="+mn-lt"/>
+                <a:cs typeface="+mn-cs"/>
+              </a:rPr>
+              <a:t>	int count = 0; </a:t>
+            </a:r>
+            <a:br>
+              <a:rPr lang="en-IN" sz="2100" dirty="0">
+                <a:solidFill>
+                  <a:schemeClr val="tx1">
+                    <a:lumMod val="75000"/>
+                    <a:lumOff val="25000"/>
+                  </a:schemeClr>
+                </a:solidFill>
+                <a:latin typeface="+mn-lt"/>
+                <a:cs typeface="+mn-cs"/>
+              </a:rPr>
+            </a:br>
+            <a:r>
+              <a:rPr lang="en-IN" sz="2100" dirty="0">
+                <a:solidFill>
+                  <a:schemeClr val="tx1">
+                    <a:lumMod val="75000"/>
+                    <a:lumOff val="25000"/>
+                  </a:schemeClr>
+                </a:solidFill>
+                <a:latin typeface="+mn-lt"/>
+                <a:cs typeface="+mn-cs"/>
+              </a:rPr>
+              <a:t>	for (T e : </a:t>
+            </a:r>
+            <a:r>
+              <a:rPr lang="en-IN" sz="2100" dirty="0" err="1">
+                <a:solidFill>
+                  <a:schemeClr val="tx1">
+                    <a:lumMod val="75000"/>
+                    <a:lumOff val="25000"/>
+                  </a:schemeClr>
+                </a:solidFill>
+                <a:latin typeface="+mn-lt"/>
+                <a:cs typeface="+mn-cs"/>
+              </a:rPr>
+              <a:t>anArray</a:t>
+            </a:r>
+            <a:r>
+              <a:rPr lang="en-IN" sz="2100" dirty="0">
+                <a:solidFill>
+                  <a:schemeClr val="tx1">
+                    <a:lumMod val="75000"/>
+                    <a:lumOff val="25000"/>
+                  </a:schemeClr>
+                </a:solidFill>
+                <a:latin typeface="+mn-lt"/>
+                <a:cs typeface="+mn-cs"/>
+              </a:rPr>
+              <a:t>) if (</a:t>
+            </a:r>
+            <a:r>
+              <a:rPr lang="en-IN" sz="2100" dirty="0" err="1">
+                <a:solidFill>
+                  <a:schemeClr val="tx1">
+                    <a:lumMod val="75000"/>
+                    <a:lumOff val="25000"/>
+                  </a:schemeClr>
+                </a:solidFill>
+                <a:latin typeface="+mn-lt"/>
+                <a:cs typeface="+mn-cs"/>
+              </a:rPr>
+              <a:t>e.compareTo</a:t>
+            </a:r>
+            <a:r>
+              <a:rPr lang="en-IN" sz="2100" dirty="0">
+                <a:solidFill>
+                  <a:schemeClr val="tx1">
+                    <a:lumMod val="75000"/>
+                    <a:lumOff val="25000"/>
+                  </a:schemeClr>
+                </a:solidFill>
+                <a:latin typeface="+mn-lt"/>
+                <a:cs typeface="+mn-cs"/>
+              </a:rPr>
+              <a:t>(</a:t>
+            </a:r>
+            <a:r>
+              <a:rPr lang="en-IN" sz="2100" dirty="0" err="1">
+                <a:solidFill>
+                  <a:schemeClr val="tx1">
+                    <a:lumMod val="75000"/>
+                    <a:lumOff val="25000"/>
+                  </a:schemeClr>
+                </a:solidFill>
+                <a:latin typeface="+mn-lt"/>
+                <a:cs typeface="+mn-cs"/>
+              </a:rPr>
+              <a:t>elem</a:t>
+            </a:r>
+            <a:r>
+              <a:rPr lang="en-IN" sz="2100" dirty="0">
+                <a:solidFill>
+                  <a:schemeClr val="tx1">
+                    <a:lumMod val="75000"/>
+                    <a:lumOff val="25000"/>
+                  </a:schemeClr>
+                </a:solidFill>
+                <a:latin typeface="+mn-lt"/>
+                <a:cs typeface="+mn-cs"/>
+              </a:rPr>
+              <a:t>) &gt; 0) </a:t>
+            </a:r>
+            <a:br>
+              <a:rPr lang="en-IN" sz="2100" dirty="0">
+                <a:solidFill>
+                  <a:schemeClr val="tx1">
+                    <a:lumMod val="75000"/>
+                    <a:lumOff val="25000"/>
+                  </a:schemeClr>
+                </a:solidFill>
+                <a:latin typeface="+mn-lt"/>
+                <a:cs typeface="+mn-cs"/>
+              </a:rPr>
+            </a:br>
+            <a:r>
+              <a:rPr lang="en-IN" sz="2100" dirty="0">
+                <a:solidFill>
+                  <a:schemeClr val="tx1">
+                    <a:lumMod val="75000"/>
+                    <a:lumOff val="25000"/>
+                  </a:schemeClr>
+                </a:solidFill>
+                <a:latin typeface="+mn-lt"/>
+                <a:cs typeface="+mn-cs"/>
+              </a:rPr>
+              <a:t>		++count; </a:t>
+            </a:r>
+            <a:br>
+              <a:rPr lang="en-IN" sz="2100" dirty="0">
+                <a:solidFill>
+                  <a:schemeClr val="tx1">
+                    <a:lumMod val="75000"/>
+                    <a:lumOff val="25000"/>
+                  </a:schemeClr>
+                </a:solidFill>
+                <a:latin typeface="+mn-lt"/>
+                <a:cs typeface="+mn-cs"/>
+              </a:rPr>
+            </a:br>
+            <a:r>
+              <a:rPr lang="en-IN" sz="2100" dirty="0">
+                <a:solidFill>
+                  <a:schemeClr val="tx1">
+                    <a:lumMod val="75000"/>
+                    <a:lumOff val="25000"/>
+                  </a:schemeClr>
+                </a:solidFill>
+                <a:latin typeface="+mn-lt"/>
+                <a:cs typeface="+mn-cs"/>
+              </a:rPr>
+              <a:t>return count; }</a:t>
+            </a:r>
+          </a:p>
+        </p:txBody>
+      </p:sp>
+    </p:spTree>
+    <p:extLst>
+      <p:ext uri="{BB962C8B-B14F-4D97-AF65-F5344CB8AC3E}">
+        <p14:creationId xmlns:p14="http://schemas.microsoft.com/office/powerpoint/2010/main" val="2781247690"/>
+      </p:ext>
+    </p:extLst>
+  </p:cSld>
+  <p:clrMapOvr>
+    <a:masterClrMapping/>
+  </p:clrMapOvr>
+  <p:transition>
+    <p:fade/>
+  </p:transition>
+</p:sld>
+</file>
+
+<file path=ppt/slides/slide14.xml><?xml version="1.0" encoding="utf-8"?>
+<p:sld xmlns:a="http://schemas.openxmlformats.org/drawingml/2006/main" xmlns:r="http://schemas.openxmlformats.org/officeDocument/2006/relationships" xmlns:p="http://schemas.openxmlformats.org/presentationml/2006/main">
+  <p:cSld>
+    <p:spTree>
+      <p:nvGrpSpPr>
+        <p:cNvPr id="1" name=""/>
+        <p:cNvGrpSpPr/>
+        <p:nvPr/>
+      </p:nvGrpSpPr>
+      <p:grpSpPr>
+        <a:xfrm>
+          <a:off x="0" y="0"/>
+          <a:ext cx="0" cy="0"/>
+          <a:chOff x="0" y="0"/>
+          <a:chExt cx="0" cy="0"/>
+        </a:xfrm>
+      </p:grpSpPr>
+      <p:sp>
+        <p:nvSpPr>
+          <p:cNvPr id="2" name="Title 1"/>
+          <p:cNvSpPr>
+            <a:spLocks noGrp="1"/>
+          </p:cNvSpPr>
+          <p:nvPr>
+            <p:ph type="title"/>
+          </p:nvPr>
+        </p:nvSpPr>
+        <p:spPr>
+          <a:xfrm>
+            <a:off x="228600" y="228600"/>
+            <a:ext cx="6629400" cy="609599"/>
+          </a:xfrm>
+        </p:spPr>
+        <p:txBody>
+          <a:bodyPr>
+            <a:normAutofit/>
+          </a:bodyPr>
+          <a:lstStyle/>
+          <a:p>
+            <a:pPr algn="l"/>
+            <a:r>
+              <a:rPr lang="en-IN" b="1" i="0" dirty="0">
+                <a:solidFill>
+                  <a:srgbClr val="25265E"/>
+                </a:solidFill>
+                <a:effectLst/>
+                <a:latin typeface="euclid_circular_a"/>
+              </a:rPr>
+              <a:t>Bounded Type Parameters</a:t>
+            </a:r>
+          </a:p>
+        </p:txBody>
+      </p:sp>
+      <p:sp>
+        <p:nvSpPr>
+          <p:cNvPr id="6" name="Content Placeholder 2">
+            <a:extLst>
+              <a:ext uri="{FF2B5EF4-FFF2-40B4-BE49-F238E27FC236}">
+                <a16:creationId xmlns:a16="http://schemas.microsoft.com/office/drawing/2014/main" id="{17AA01B4-C800-309E-CFA5-FEFF791D4537}"/>
+              </a:ext>
+            </a:extLst>
+          </p:cNvPr>
+          <p:cNvSpPr txBox="1">
+            <a:spLocks/>
+          </p:cNvSpPr>
+          <p:nvPr/>
+        </p:nvSpPr>
+        <p:spPr>
+          <a:xfrm>
+            <a:off x="381000" y="838199"/>
+            <a:ext cx="8534400" cy="5791201"/>
+          </a:xfrm>
+          <a:prstGeom prst="rect">
+            <a:avLst/>
+          </a:prstGeom>
+        </p:spPr>
+        <p:txBody>
+          <a:bodyPr vert="horz" lIns="91440" tIns="45720" rIns="91440" bIns="45720" rtlCol="0">
+            <a:noAutofit/>
+          </a:bodyPr>
+          <a:lstStyle>
+            <a:lvl1pPr marL="342900" indent="-342900" algn="l" defTabSz="914400" rtl="0" eaLnBrk="1" latinLnBrk="0" hangingPunct="1">
+              <a:spcBef>
+                <a:spcPct val="20000"/>
+              </a:spcBef>
+              <a:buFont typeface="Wingdings" pitchFamily="2" charset="2"/>
+              <a:buChar char="§"/>
+              <a:defRPr sz="1800" kern="1200">
+                <a:solidFill>
+                  <a:srgbClr val="4D4D4D"/>
+                </a:solidFill>
+                <a:latin typeface="Arial" panose="020B0604020202020204" pitchFamily="34" charset="0"/>
+                <a:ea typeface="+mn-ea"/>
+                <a:cs typeface="Arial" panose="020B0604020202020204" pitchFamily="34" charset="0"/>
+              </a:defRPr>
+            </a:lvl1pPr>
+            <a:lvl2pPr marL="742950" indent="-285750" algn="l" defTabSz="914400" rtl="0" eaLnBrk="1" latinLnBrk="0" hangingPunct="1">
+              <a:spcBef>
+                <a:spcPct val="20000"/>
+              </a:spcBef>
+              <a:buFont typeface="Arial" pitchFamily="34" charset="0"/>
+              <a:buChar char="•"/>
+              <a:defRPr sz="1600" kern="1200">
+                <a:solidFill>
+                  <a:srgbClr val="4D4D4D"/>
+                </a:solidFill>
+                <a:latin typeface="Arial" panose="020B0604020202020204" pitchFamily="34" charset="0"/>
+                <a:ea typeface="+mn-ea"/>
+                <a:cs typeface="Arial" panose="020B0604020202020204" pitchFamily="34" charset="0"/>
+              </a:defRPr>
+            </a:lvl2pPr>
+            <a:lvl3pPr marL="1143000" indent="-228600" algn="l" defTabSz="914400" rtl="0" eaLnBrk="1" latinLnBrk="0" hangingPunct="1">
+              <a:spcBef>
+                <a:spcPct val="20000"/>
+              </a:spcBef>
+              <a:buFont typeface="Courier New" pitchFamily="49" charset="0"/>
+              <a:buChar char="o"/>
+              <a:defRPr sz="1600" kern="1200">
+                <a:solidFill>
+                  <a:srgbClr val="4D4D4D"/>
+                </a:solidFill>
+                <a:latin typeface="Arial" panose="020B0604020202020204" pitchFamily="34" charset="0"/>
+                <a:ea typeface="+mn-ea"/>
+                <a:cs typeface="Arial" panose="020B0604020202020204" pitchFamily="34" charset="0"/>
+              </a:defRPr>
+            </a:lvl3pPr>
+            <a:lvl4pPr marL="1600200" indent="-228600" algn="l" defTabSz="914400" rtl="0" eaLnBrk="1" latinLnBrk="0" hangingPunct="1">
+              <a:spcBef>
+                <a:spcPct val="20000"/>
+              </a:spcBef>
+              <a:buFont typeface="Arial" pitchFamily="34" charset="0"/>
+              <a:buChar char="–"/>
+              <a:defRPr sz="1600" kern="1200">
+                <a:solidFill>
+                  <a:srgbClr val="4D4D4D"/>
+                </a:solidFill>
+                <a:latin typeface="Arial" panose="020B0604020202020204" pitchFamily="34" charset="0"/>
+                <a:ea typeface="+mn-ea"/>
+                <a:cs typeface="Arial" panose="020B0604020202020204" pitchFamily="34" charset="0"/>
+              </a:defRPr>
+            </a:lvl4pPr>
+            <a:lvl5pPr marL="2057400" indent="-228600" algn="l" defTabSz="914400" rtl="0" eaLnBrk="1" latinLnBrk="0" hangingPunct="1">
+              <a:spcBef>
+                <a:spcPct val="20000"/>
+              </a:spcBef>
+              <a:buFont typeface="Arial" pitchFamily="34" charset="0"/>
+              <a:buChar char="»"/>
+              <a:defRPr sz="1600" kern="1200">
+                <a:solidFill>
+                  <a:srgbClr val="4D4D4D"/>
+                </a:solidFill>
+                <a:latin typeface="Arial" panose="020B0604020202020204" pitchFamily="34" charset="0"/>
+                <a:ea typeface="+mn-ea"/>
+                <a:cs typeface="Arial" panose="020B0604020202020204" pitchFamily="34" charset="0"/>
+              </a:defRPr>
+            </a:lvl5pPr>
+            <a:lvl6pPr marL="2514600" indent="-228600" algn="l" defTabSz="914400" rtl="0" eaLnBrk="1" latinLnBrk="0" hangingPunct="1">
+              <a:spcBef>
+                <a:spcPct val="20000"/>
+              </a:spcBef>
+              <a:buFont typeface="Arial" pitchFamily="34" charset="0"/>
+              <a:buChar char="•"/>
+              <a:defRPr sz="2000" kern="1200">
+                <a:solidFill>
+                  <a:schemeClr val="tx1"/>
+                </a:solidFill>
+                <a:latin typeface="+mn-lt"/>
+                <a:ea typeface="+mn-ea"/>
+                <a:cs typeface="+mn-cs"/>
+              </a:defRPr>
+            </a:lvl6pPr>
+            <a:lvl7pPr marL="2971800" indent="-228600" algn="l" defTabSz="914400" rtl="0" eaLnBrk="1" latinLnBrk="0" hangingPunct="1">
+              <a:spcBef>
+                <a:spcPct val="20000"/>
+              </a:spcBef>
+              <a:buFont typeface="Arial" pitchFamily="34" charset="0"/>
+              <a:buChar char="•"/>
+              <a:defRPr sz="2000" kern="1200">
+                <a:solidFill>
+                  <a:schemeClr val="tx1"/>
+                </a:solidFill>
+                <a:latin typeface="+mn-lt"/>
+                <a:ea typeface="+mn-ea"/>
+                <a:cs typeface="+mn-cs"/>
+              </a:defRPr>
+            </a:lvl7pPr>
+            <a:lvl8pPr marL="3429000" indent="-228600" algn="l" defTabSz="914400" rtl="0" eaLnBrk="1" latinLnBrk="0" hangingPunct="1">
+              <a:spcBef>
+                <a:spcPct val="20000"/>
+              </a:spcBef>
+              <a:buFont typeface="Arial" pitchFamily="34" charset="0"/>
+              <a:buChar char="•"/>
+              <a:defRPr sz="2000" kern="1200">
+                <a:solidFill>
+                  <a:schemeClr val="tx1"/>
+                </a:solidFill>
+                <a:latin typeface="+mn-lt"/>
+                <a:ea typeface="+mn-ea"/>
+                <a:cs typeface="+mn-cs"/>
+              </a:defRPr>
+            </a:lvl8pPr>
+            <a:lvl9pPr marL="3886200" indent="-228600" algn="l" defTabSz="914400" rtl="0" eaLnBrk="1" latinLnBrk="0" hangingPunct="1">
+              <a:spcBef>
+                <a:spcPct val="20000"/>
+              </a:spcBef>
+              <a:buFont typeface="Arial" pitchFamily="34" charset="0"/>
+              <a:buChar char="•"/>
+              <a:defRPr sz="2000" kern="1200">
+                <a:solidFill>
+                  <a:schemeClr val="tx1"/>
+                </a:solidFill>
+                <a:latin typeface="+mn-lt"/>
+                <a:ea typeface="+mn-ea"/>
+                <a:cs typeface="+mn-cs"/>
+              </a:defRPr>
+            </a:lvl9pPr>
+          </a:lstStyle>
+          <a:p>
+            <a:pPr algn="l"/>
+            <a:r>
+              <a:rPr lang="en-IN" sz="2100" dirty="0">
+                <a:solidFill>
+                  <a:schemeClr val="tx1">
+                    <a:lumMod val="75000"/>
+                    <a:lumOff val="25000"/>
+                  </a:schemeClr>
+                </a:solidFill>
+                <a:latin typeface="+mn-lt"/>
+                <a:cs typeface="+mn-cs"/>
+              </a:rPr>
+              <a:t>Subtyping is not allowed in parameterized types of generic.</a:t>
+            </a:r>
+          </a:p>
+          <a:p>
+            <a:pPr algn="l"/>
+            <a:r>
+              <a:rPr lang="en-IN" sz="2100" dirty="0">
+                <a:solidFill>
+                  <a:schemeClr val="tx1">
+                    <a:lumMod val="75000"/>
+                    <a:lumOff val="25000"/>
+                  </a:schemeClr>
+                </a:solidFill>
+                <a:latin typeface="+mn-lt"/>
+                <a:cs typeface="+mn-cs"/>
+              </a:rPr>
+              <a:t>Let us understand what this means with an example.</a:t>
+            </a:r>
+            <a:br>
+              <a:rPr lang="en-IN" sz="2100" dirty="0">
+                <a:solidFill>
+                  <a:schemeClr val="tx1">
+                    <a:lumMod val="75000"/>
+                    <a:lumOff val="25000"/>
+                  </a:schemeClr>
+                </a:solidFill>
+                <a:latin typeface="+mn-lt"/>
+                <a:cs typeface="+mn-cs"/>
+              </a:rPr>
+            </a:br>
+            <a:r>
+              <a:rPr lang="en-IN" sz="2100" dirty="0">
+                <a:solidFill>
+                  <a:schemeClr val="tx1">
+                    <a:lumMod val="75000"/>
+                    <a:lumOff val="25000"/>
+                  </a:schemeClr>
+                </a:solidFill>
+                <a:latin typeface="+mn-lt"/>
+                <a:cs typeface="+mn-cs"/>
+              </a:rPr>
+              <a:t>//Allowed </a:t>
+            </a:r>
+            <a:br>
+              <a:rPr lang="en-IN" sz="2100" dirty="0">
+                <a:solidFill>
+                  <a:schemeClr val="tx1">
+                    <a:lumMod val="75000"/>
+                    <a:lumOff val="25000"/>
+                  </a:schemeClr>
+                </a:solidFill>
+                <a:latin typeface="+mn-lt"/>
+                <a:cs typeface="+mn-cs"/>
+              </a:rPr>
+            </a:br>
+            <a:r>
+              <a:rPr lang="en-IN" sz="2100" dirty="0">
+                <a:solidFill>
+                  <a:schemeClr val="tx1">
+                    <a:lumMod val="75000"/>
+                    <a:lumOff val="25000"/>
+                  </a:schemeClr>
+                </a:solidFill>
+                <a:latin typeface="+mn-lt"/>
+                <a:cs typeface="+mn-cs"/>
+              </a:rPr>
+              <a:t>List&lt;Number&gt; numbers = new </a:t>
+            </a:r>
+            <a:r>
+              <a:rPr lang="en-IN" sz="2100" dirty="0" err="1">
+                <a:solidFill>
+                  <a:schemeClr val="tx1">
+                    <a:lumMod val="75000"/>
+                    <a:lumOff val="25000"/>
+                  </a:schemeClr>
+                </a:solidFill>
+                <a:latin typeface="+mn-lt"/>
+                <a:cs typeface="+mn-cs"/>
+              </a:rPr>
+              <a:t>ArrayList</a:t>
+            </a:r>
+            <a:r>
+              <a:rPr lang="en-IN" sz="2100" dirty="0">
+                <a:solidFill>
+                  <a:schemeClr val="tx1">
+                    <a:lumMod val="75000"/>
+                    <a:lumOff val="25000"/>
+                  </a:schemeClr>
+                </a:solidFill>
+                <a:latin typeface="+mn-lt"/>
+                <a:cs typeface="+mn-cs"/>
+              </a:rPr>
+              <a:t>&lt;Number&gt;(); </a:t>
+            </a:r>
+            <a:br>
+              <a:rPr lang="en-IN" sz="2100" dirty="0">
+                <a:solidFill>
+                  <a:schemeClr val="tx1">
+                    <a:lumMod val="75000"/>
+                    <a:lumOff val="25000"/>
+                  </a:schemeClr>
+                </a:solidFill>
+                <a:latin typeface="+mn-lt"/>
+                <a:cs typeface="+mn-cs"/>
+              </a:rPr>
+            </a:br>
+            <a:r>
+              <a:rPr lang="en-IN" sz="2100" dirty="0">
+                <a:solidFill>
+                  <a:schemeClr val="tx1">
+                    <a:lumMod val="75000"/>
+                    <a:lumOff val="25000"/>
+                  </a:schemeClr>
+                </a:solidFill>
+                <a:latin typeface="+mn-lt"/>
+                <a:cs typeface="+mn-cs"/>
+              </a:rPr>
+              <a:t>//Not Allowed. Incompatible Type error </a:t>
+            </a:r>
+            <a:br>
+              <a:rPr lang="en-IN" sz="2100" dirty="0">
+                <a:solidFill>
+                  <a:schemeClr val="tx1">
+                    <a:lumMod val="75000"/>
+                    <a:lumOff val="25000"/>
+                  </a:schemeClr>
+                </a:solidFill>
+                <a:latin typeface="+mn-lt"/>
+                <a:cs typeface="+mn-cs"/>
+              </a:rPr>
+            </a:br>
+            <a:r>
+              <a:rPr lang="en-IN" sz="2100" dirty="0">
+                <a:solidFill>
+                  <a:schemeClr val="tx1">
+                    <a:lumMod val="75000"/>
+                    <a:lumOff val="25000"/>
+                  </a:schemeClr>
+                </a:solidFill>
+                <a:latin typeface="+mn-lt"/>
+                <a:cs typeface="+mn-cs"/>
+              </a:rPr>
+              <a:t>List&lt;Number&gt; numbers = new </a:t>
+            </a:r>
+            <a:r>
+              <a:rPr lang="en-IN" sz="2100" dirty="0" err="1">
+                <a:solidFill>
+                  <a:schemeClr val="tx1">
+                    <a:lumMod val="75000"/>
+                    <a:lumOff val="25000"/>
+                  </a:schemeClr>
+                </a:solidFill>
+                <a:latin typeface="+mn-lt"/>
+                <a:cs typeface="+mn-cs"/>
+              </a:rPr>
+              <a:t>ArrayList</a:t>
+            </a:r>
+            <a:r>
+              <a:rPr lang="en-IN" sz="2100" dirty="0">
+                <a:solidFill>
+                  <a:schemeClr val="tx1">
+                    <a:lumMod val="75000"/>
+                    <a:lumOff val="25000"/>
+                  </a:schemeClr>
+                </a:solidFill>
+                <a:latin typeface="+mn-lt"/>
+                <a:cs typeface="+mn-cs"/>
+              </a:rPr>
+              <a:t>&lt;Integer&gt;();</a:t>
+            </a:r>
+          </a:p>
+        </p:txBody>
+      </p:sp>
+      <p:pic>
+        <p:nvPicPr>
+          <p:cNvPr id="1026" name="Picture 2" descr="diagram showing that Box&lt;Integer&gt; is not a subtype of Box&lt;Number&gt;">
+            <a:extLst>
+              <a:ext uri="{FF2B5EF4-FFF2-40B4-BE49-F238E27FC236}">
+                <a16:creationId xmlns:a16="http://schemas.microsoft.com/office/drawing/2014/main" id="{CE780AFF-4EB1-A023-60C0-883DFF34E027}"/>
+              </a:ext>
+            </a:extLst>
+          </p:cNvPr>
+          <p:cNvPicPr>
+            <a:picLocks noChangeAspect="1" noChangeArrowheads="1"/>
+          </p:cNvPicPr>
+          <p:nvPr/>
+        </p:nvPicPr>
+        <p:blipFill>
+          <a:blip r:embed="rId3">
+            <a:extLst>
+              <a:ext uri="{28A0092B-C50C-407E-A947-70E740481C1C}">
+                <a14:useLocalDpi xmlns:a14="http://schemas.microsoft.com/office/drawing/2010/main" val="0"/>
+              </a:ext>
+            </a:extLst>
+          </a:blip>
+          <a:srcRect/>
+          <a:stretch>
+            <a:fillRect/>
+          </a:stretch>
+        </p:blipFill>
+        <p:spPr bwMode="auto">
+          <a:xfrm>
+            <a:off x="2425700" y="2895600"/>
+            <a:ext cx="4292600" cy="2857500"/>
+          </a:xfrm>
+          <a:prstGeom prst="rect">
+            <a:avLst/>
+          </a:prstGeom>
+          <a:noFill/>
+          <a:extLst>
+            <a:ext uri="{909E8E84-426E-40DD-AFC4-6F175D3DCCD1}">
+              <a14:hiddenFill xmlns:a14="http://schemas.microsoft.com/office/drawing/2010/main">
+                <a:solidFill>
+                  <a:srgbClr val="FFFFFF"/>
+                </a:solidFill>
+              </a14:hiddenFill>
+            </a:ext>
+          </a:extLst>
+        </p:spPr>
+      </p:pic>
+    </p:spTree>
+    <p:extLst>
+      <p:ext uri="{BB962C8B-B14F-4D97-AF65-F5344CB8AC3E}">
+        <p14:creationId xmlns:p14="http://schemas.microsoft.com/office/powerpoint/2010/main" val="3223947944"/>
+      </p:ext>
+    </p:extLst>
+  </p:cSld>
+  <p:clrMapOvr>
+    <a:masterClrMapping/>
+  </p:clrMapOvr>
+  <p:transition>
+    <p:fade/>
+  </p:transition>
+</p:sld>
+</file>
+
+<file path=ppt/slides/slide15.xml><?xml version="1.0" encoding="utf-8"?>
+<p:sld xmlns:a="http://schemas.openxmlformats.org/drawingml/2006/main" xmlns:r="http://schemas.openxmlformats.org/officeDocument/2006/relationships" xmlns:p="http://schemas.openxmlformats.org/presentationml/2006/main">
+  <p:cSld>
+    <p:spTree>
+      <p:nvGrpSpPr>
+        <p:cNvPr id="1" name=""/>
+        <p:cNvGrpSpPr/>
+        <p:nvPr/>
+      </p:nvGrpSpPr>
+      <p:grpSpPr>
+        <a:xfrm>
+          <a:off x="0" y="0"/>
+          <a:ext cx="0" cy="0"/>
+          <a:chOff x="0" y="0"/>
+          <a:chExt cx="0" cy="0"/>
+        </a:xfrm>
+      </p:grpSpPr>
+      <p:sp>
+        <p:nvSpPr>
+          <p:cNvPr id="2" name="Title 1"/>
+          <p:cNvSpPr>
+            <a:spLocks noGrp="1"/>
+          </p:cNvSpPr>
+          <p:nvPr>
+            <p:ph type="title"/>
+          </p:nvPr>
+        </p:nvSpPr>
+        <p:spPr>
+          <a:xfrm>
+            <a:off x="228600" y="228600"/>
+            <a:ext cx="6629400" cy="609599"/>
+          </a:xfrm>
+        </p:spPr>
+        <p:txBody>
+          <a:bodyPr>
+            <a:normAutofit/>
+          </a:bodyPr>
+          <a:lstStyle/>
+          <a:p>
+            <a:pPr algn="l"/>
+            <a:r>
+              <a:rPr lang="en-IN" b="1" i="0" dirty="0">
+                <a:solidFill>
+                  <a:srgbClr val="25265E"/>
+                </a:solidFill>
+                <a:effectLst/>
+                <a:latin typeface="euclid_circular_a"/>
+              </a:rPr>
+              <a:t>Generic Classes and Subtyping</a:t>
+            </a:r>
+          </a:p>
+        </p:txBody>
+      </p:sp>
+      <p:sp>
+        <p:nvSpPr>
+          <p:cNvPr id="6" name="Content Placeholder 2">
+            <a:extLst>
+              <a:ext uri="{FF2B5EF4-FFF2-40B4-BE49-F238E27FC236}">
+                <a16:creationId xmlns:a16="http://schemas.microsoft.com/office/drawing/2014/main" id="{17AA01B4-C800-309E-CFA5-FEFF791D4537}"/>
+              </a:ext>
+            </a:extLst>
+          </p:cNvPr>
+          <p:cNvSpPr txBox="1">
+            <a:spLocks/>
+          </p:cNvSpPr>
+          <p:nvPr/>
+        </p:nvSpPr>
+        <p:spPr>
+          <a:xfrm>
+            <a:off x="381000" y="838199"/>
+            <a:ext cx="8534400" cy="5791201"/>
+          </a:xfrm>
+          <a:prstGeom prst="rect">
+            <a:avLst/>
+          </a:prstGeom>
+        </p:spPr>
+        <p:txBody>
+          <a:bodyPr vert="horz" lIns="91440" tIns="45720" rIns="91440" bIns="45720" rtlCol="0">
+            <a:noAutofit/>
+          </a:bodyPr>
+          <a:lstStyle>
+            <a:lvl1pPr marL="342900" indent="-342900" algn="l" defTabSz="914400" rtl="0" eaLnBrk="1" latinLnBrk="0" hangingPunct="1">
+              <a:spcBef>
+                <a:spcPct val="20000"/>
+              </a:spcBef>
+              <a:buFont typeface="Wingdings" pitchFamily="2" charset="2"/>
+              <a:buChar char="§"/>
+              <a:defRPr sz="1800" kern="1200">
+                <a:solidFill>
+                  <a:srgbClr val="4D4D4D"/>
+                </a:solidFill>
+                <a:latin typeface="Arial" panose="020B0604020202020204" pitchFamily="34" charset="0"/>
+                <a:ea typeface="+mn-ea"/>
+                <a:cs typeface="Arial" panose="020B0604020202020204" pitchFamily="34" charset="0"/>
+              </a:defRPr>
+            </a:lvl1pPr>
+            <a:lvl2pPr marL="742950" indent="-285750" algn="l" defTabSz="914400" rtl="0" eaLnBrk="1" latinLnBrk="0" hangingPunct="1">
+              <a:spcBef>
+                <a:spcPct val="20000"/>
+              </a:spcBef>
+              <a:buFont typeface="Arial" pitchFamily="34" charset="0"/>
+              <a:buChar char="•"/>
+              <a:defRPr sz="1600" kern="1200">
+                <a:solidFill>
+                  <a:srgbClr val="4D4D4D"/>
+                </a:solidFill>
+                <a:latin typeface="Arial" panose="020B0604020202020204" pitchFamily="34" charset="0"/>
+                <a:ea typeface="+mn-ea"/>
+                <a:cs typeface="Arial" panose="020B0604020202020204" pitchFamily="34" charset="0"/>
+              </a:defRPr>
+            </a:lvl2pPr>
+            <a:lvl3pPr marL="1143000" indent="-228600" algn="l" defTabSz="914400" rtl="0" eaLnBrk="1" latinLnBrk="0" hangingPunct="1">
+              <a:spcBef>
+                <a:spcPct val="20000"/>
+              </a:spcBef>
+              <a:buFont typeface="Courier New" pitchFamily="49" charset="0"/>
+              <a:buChar char="o"/>
+              <a:defRPr sz="1600" kern="1200">
+                <a:solidFill>
+                  <a:srgbClr val="4D4D4D"/>
+                </a:solidFill>
+                <a:latin typeface="Arial" panose="020B0604020202020204" pitchFamily="34" charset="0"/>
+                <a:ea typeface="+mn-ea"/>
+                <a:cs typeface="Arial" panose="020B0604020202020204" pitchFamily="34" charset="0"/>
+              </a:defRPr>
+            </a:lvl3pPr>
+            <a:lvl4pPr marL="1600200" indent="-228600" algn="l" defTabSz="914400" rtl="0" eaLnBrk="1" latinLnBrk="0" hangingPunct="1">
+              <a:spcBef>
+                <a:spcPct val="20000"/>
+              </a:spcBef>
+              <a:buFont typeface="Arial" pitchFamily="34" charset="0"/>
+              <a:buChar char="–"/>
+              <a:defRPr sz="1600" kern="1200">
+                <a:solidFill>
+                  <a:srgbClr val="4D4D4D"/>
+                </a:solidFill>
+                <a:latin typeface="Arial" panose="020B0604020202020204" pitchFamily="34" charset="0"/>
+                <a:ea typeface="+mn-ea"/>
+                <a:cs typeface="Arial" panose="020B0604020202020204" pitchFamily="34" charset="0"/>
+              </a:defRPr>
+            </a:lvl4pPr>
+            <a:lvl5pPr marL="2057400" indent="-228600" algn="l" defTabSz="914400" rtl="0" eaLnBrk="1" latinLnBrk="0" hangingPunct="1">
+              <a:spcBef>
+                <a:spcPct val="20000"/>
+              </a:spcBef>
+              <a:buFont typeface="Arial" pitchFamily="34" charset="0"/>
+              <a:buChar char="»"/>
+              <a:defRPr sz="1600" kern="1200">
+                <a:solidFill>
+                  <a:srgbClr val="4D4D4D"/>
+                </a:solidFill>
+                <a:latin typeface="Arial" panose="020B0604020202020204" pitchFamily="34" charset="0"/>
+                <a:ea typeface="+mn-ea"/>
+                <a:cs typeface="Arial" panose="020B0604020202020204" pitchFamily="34" charset="0"/>
+              </a:defRPr>
+            </a:lvl5pPr>
+            <a:lvl6pPr marL="2514600" indent="-228600" algn="l" defTabSz="914400" rtl="0" eaLnBrk="1" latinLnBrk="0" hangingPunct="1">
+              <a:spcBef>
+                <a:spcPct val="20000"/>
+              </a:spcBef>
+              <a:buFont typeface="Arial" pitchFamily="34" charset="0"/>
+              <a:buChar char="•"/>
+              <a:defRPr sz="2000" kern="1200">
+                <a:solidFill>
+                  <a:schemeClr val="tx1"/>
+                </a:solidFill>
+                <a:latin typeface="+mn-lt"/>
+                <a:ea typeface="+mn-ea"/>
+                <a:cs typeface="+mn-cs"/>
+              </a:defRPr>
+            </a:lvl6pPr>
+            <a:lvl7pPr marL="2971800" indent="-228600" algn="l" defTabSz="914400" rtl="0" eaLnBrk="1" latinLnBrk="0" hangingPunct="1">
+              <a:spcBef>
+                <a:spcPct val="20000"/>
+              </a:spcBef>
+              <a:buFont typeface="Arial" pitchFamily="34" charset="0"/>
+              <a:buChar char="•"/>
+              <a:defRPr sz="2000" kern="1200">
+                <a:solidFill>
+                  <a:schemeClr val="tx1"/>
+                </a:solidFill>
+                <a:latin typeface="+mn-lt"/>
+                <a:ea typeface="+mn-ea"/>
+                <a:cs typeface="+mn-cs"/>
+              </a:defRPr>
+            </a:lvl7pPr>
+            <a:lvl8pPr marL="3429000" indent="-228600" algn="l" defTabSz="914400" rtl="0" eaLnBrk="1" latinLnBrk="0" hangingPunct="1">
+              <a:spcBef>
+                <a:spcPct val="20000"/>
+              </a:spcBef>
+              <a:buFont typeface="Arial" pitchFamily="34" charset="0"/>
+              <a:buChar char="•"/>
+              <a:defRPr sz="2000" kern="1200">
+                <a:solidFill>
+                  <a:schemeClr val="tx1"/>
+                </a:solidFill>
+                <a:latin typeface="+mn-lt"/>
+                <a:ea typeface="+mn-ea"/>
+                <a:cs typeface="+mn-cs"/>
+              </a:defRPr>
+            </a:lvl8pPr>
+            <a:lvl9pPr marL="3886200" indent="-228600" algn="l" defTabSz="914400" rtl="0" eaLnBrk="1" latinLnBrk="0" hangingPunct="1">
+              <a:spcBef>
+                <a:spcPct val="20000"/>
+              </a:spcBef>
+              <a:buFont typeface="Arial" pitchFamily="34" charset="0"/>
+              <a:buChar char="•"/>
+              <a:defRPr sz="2000" kern="1200">
+                <a:solidFill>
+                  <a:schemeClr val="tx1"/>
+                </a:solidFill>
+                <a:latin typeface="+mn-lt"/>
+                <a:ea typeface="+mn-ea"/>
+                <a:cs typeface="+mn-cs"/>
+              </a:defRPr>
+            </a:lvl9pPr>
+          </a:lstStyle>
+          <a:p>
+            <a:pPr algn="l"/>
+            <a:r>
+              <a:rPr lang="en-IN" sz="2100" dirty="0">
+                <a:solidFill>
+                  <a:schemeClr val="tx1">
+                    <a:lumMod val="75000"/>
+                    <a:lumOff val="25000"/>
+                  </a:schemeClr>
+                </a:solidFill>
+                <a:latin typeface="+mn-lt"/>
+                <a:cs typeface="+mn-cs"/>
+              </a:rPr>
+              <a:t>You can subtype a generic class or interface by extending or implementing it. The relationship between the type parameters of one class or interface and the type parameters of another are determined by the extends and implements clauses.</a:t>
+            </a:r>
+          </a:p>
+          <a:p>
+            <a:pPr algn="l"/>
+            <a:r>
+              <a:rPr lang="en-IN" sz="2100" dirty="0">
+                <a:solidFill>
+                  <a:schemeClr val="tx1">
+                    <a:lumMod val="75000"/>
+                    <a:lumOff val="25000"/>
+                  </a:schemeClr>
+                </a:solidFill>
+                <a:latin typeface="+mn-lt"/>
+                <a:cs typeface="+mn-cs"/>
+              </a:rPr>
+              <a:t>Using the Collections classes as an example, </a:t>
+            </a:r>
+            <a:r>
+              <a:rPr lang="en-IN" sz="2100" dirty="0" err="1">
+                <a:solidFill>
+                  <a:schemeClr val="tx1">
+                    <a:lumMod val="75000"/>
+                    <a:lumOff val="25000"/>
+                  </a:schemeClr>
+                </a:solidFill>
+                <a:latin typeface="+mn-lt"/>
+                <a:cs typeface="+mn-cs"/>
+              </a:rPr>
+              <a:t>ArrayList</a:t>
+            </a:r>
+            <a:r>
+              <a:rPr lang="en-IN" sz="2100" dirty="0">
+                <a:solidFill>
+                  <a:schemeClr val="tx1">
+                    <a:lumMod val="75000"/>
+                    <a:lumOff val="25000"/>
+                  </a:schemeClr>
+                </a:solidFill>
+                <a:latin typeface="+mn-lt"/>
+                <a:cs typeface="+mn-cs"/>
+              </a:rPr>
+              <a:t>&lt;E&gt; implements List&lt;E&gt;, and List&lt;E&gt; extends Collection&lt;E&gt;. So </a:t>
+            </a:r>
+            <a:r>
+              <a:rPr lang="en-IN" sz="2100" dirty="0" err="1">
+                <a:solidFill>
+                  <a:schemeClr val="tx1">
+                    <a:lumMod val="75000"/>
+                    <a:lumOff val="25000"/>
+                  </a:schemeClr>
+                </a:solidFill>
+                <a:latin typeface="+mn-lt"/>
+                <a:cs typeface="+mn-cs"/>
+              </a:rPr>
+              <a:t>ArrayList</a:t>
+            </a:r>
+            <a:r>
+              <a:rPr lang="en-IN" sz="2100" dirty="0">
+                <a:solidFill>
+                  <a:schemeClr val="tx1">
+                    <a:lumMod val="75000"/>
+                    <a:lumOff val="25000"/>
+                  </a:schemeClr>
+                </a:solidFill>
+                <a:latin typeface="+mn-lt"/>
+                <a:cs typeface="+mn-cs"/>
+              </a:rPr>
+              <a:t>&lt;String&gt; is a subtype of List&lt;String&gt;, which is a subtype of Collection&lt;String&gt;. So long as you do not vary the type argument, the subtyping relationship is preserved between the types.</a:t>
+            </a:r>
+            <a:br>
+              <a:rPr lang="en-IN" sz="2100" dirty="0">
+                <a:solidFill>
+                  <a:schemeClr val="tx1">
+                    <a:lumMod val="75000"/>
+                    <a:lumOff val="25000"/>
+                  </a:schemeClr>
+                </a:solidFill>
+                <a:latin typeface="+mn-lt"/>
+                <a:cs typeface="+mn-cs"/>
+              </a:rPr>
+            </a:br>
+            <a:endParaRPr lang="en-IN" sz="2100" dirty="0">
+              <a:solidFill>
+                <a:schemeClr val="tx1">
+                  <a:lumMod val="75000"/>
+                  <a:lumOff val="25000"/>
+                </a:schemeClr>
+              </a:solidFill>
+              <a:latin typeface="+mn-lt"/>
+              <a:cs typeface="+mn-cs"/>
+            </a:endParaRPr>
+          </a:p>
+        </p:txBody>
+      </p:sp>
+      <p:pic>
+        <p:nvPicPr>
+          <p:cNvPr id="3074" name="Picture 2" descr="diagram showing a sample collections hierarchy: ArrayList&lt;String&gt; is a subtype of List&lt;String&gt;, which is a subtype of Collection&lt;String&gt;.">
+            <a:extLst>
+              <a:ext uri="{FF2B5EF4-FFF2-40B4-BE49-F238E27FC236}">
+                <a16:creationId xmlns:a16="http://schemas.microsoft.com/office/drawing/2014/main" id="{60B8D58D-D41C-CCFA-A113-2C80CD0C8EB7}"/>
+              </a:ext>
+            </a:extLst>
+          </p:cNvPr>
+          <p:cNvPicPr>
+            <a:picLocks noChangeAspect="1" noChangeArrowheads="1"/>
+          </p:cNvPicPr>
+          <p:nvPr/>
+        </p:nvPicPr>
+        <p:blipFill>
+          <a:blip r:embed="rId3">
+            <a:extLst>
+              <a:ext uri="{28A0092B-C50C-407E-A947-70E740481C1C}">
+                <a14:useLocalDpi xmlns:a14="http://schemas.microsoft.com/office/drawing/2010/main" val="0"/>
+              </a:ext>
+            </a:extLst>
+          </a:blip>
+          <a:srcRect/>
+          <a:stretch>
+            <a:fillRect/>
+          </a:stretch>
+        </p:blipFill>
+        <p:spPr bwMode="auto">
+          <a:xfrm>
+            <a:off x="3543300" y="4114800"/>
+            <a:ext cx="1866900" cy="1473200"/>
+          </a:xfrm>
+          <a:prstGeom prst="rect">
+            <a:avLst/>
+          </a:prstGeom>
+          <a:noFill/>
+          <a:extLst>
+            <a:ext uri="{909E8E84-426E-40DD-AFC4-6F175D3DCCD1}">
+              <a14:hiddenFill xmlns:a14="http://schemas.microsoft.com/office/drawing/2010/main">
+                <a:solidFill>
+                  <a:srgbClr val="FFFFFF"/>
+                </a:solidFill>
+              </a14:hiddenFill>
+            </a:ext>
+          </a:extLst>
+        </p:spPr>
+      </p:pic>
+    </p:spTree>
+    <p:extLst>
+      <p:ext uri="{BB962C8B-B14F-4D97-AF65-F5344CB8AC3E}">
+        <p14:creationId xmlns:p14="http://schemas.microsoft.com/office/powerpoint/2010/main" val="2880177909"/>
+      </p:ext>
+    </p:extLst>
+  </p:cSld>
+  <p:clrMapOvr>
+    <a:masterClrMapping/>
+  </p:clrMapOvr>
+  <p:transition>
+    <p:fade/>
+  </p:transition>
+</p:sld>
+</file>
+
+<file path=ppt/slides/slide16.xml><?xml version="1.0" encoding="utf-8"?>
+<p:sld xmlns:a="http://schemas.openxmlformats.org/drawingml/2006/main" xmlns:r="http://schemas.openxmlformats.org/officeDocument/2006/relationships" xmlns:p="http://schemas.openxmlformats.org/presentationml/2006/main">
+  <p:cSld>
+    <p:spTree>
+      <p:nvGrpSpPr>
+        <p:cNvPr id="1" name=""/>
+        <p:cNvGrpSpPr/>
+        <p:nvPr/>
+      </p:nvGrpSpPr>
+      <p:grpSpPr>
+        <a:xfrm>
+          <a:off x="0" y="0"/>
+          <a:ext cx="0" cy="0"/>
+          <a:chOff x="0" y="0"/>
+          <a:chExt cx="0" cy="0"/>
+        </a:xfrm>
+      </p:grpSpPr>
+      <p:sp>
+        <p:nvSpPr>
+          <p:cNvPr id="2" name="Title 1"/>
+          <p:cNvSpPr>
+            <a:spLocks noGrp="1"/>
+          </p:cNvSpPr>
+          <p:nvPr>
+            <p:ph type="title"/>
+          </p:nvPr>
+        </p:nvSpPr>
+        <p:spPr>
+          <a:xfrm>
+            <a:off x="228600" y="228600"/>
+            <a:ext cx="6629400" cy="609599"/>
+          </a:xfrm>
+        </p:spPr>
+        <p:txBody>
+          <a:bodyPr>
+            <a:normAutofit/>
+          </a:bodyPr>
+          <a:lstStyle/>
+          <a:p>
+            <a:pPr algn="l"/>
+            <a:r>
+              <a:rPr lang="en-IN" b="1" i="0" dirty="0">
+                <a:solidFill>
+                  <a:srgbClr val="25265E"/>
+                </a:solidFill>
+                <a:effectLst/>
+                <a:latin typeface="euclid_circular_a"/>
+              </a:rPr>
+              <a:t>Generic Classes and Subtyping Example</a:t>
+            </a:r>
+          </a:p>
+        </p:txBody>
+      </p:sp>
+      <p:sp>
+        <p:nvSpPr>
+          <p:cNvPr id="6" name="Content Placeholder 2">
+            <a:extLst>
+              <a:ext uri="{FF2B5EF4-FFF2-40B4-BE49-F238E27FC236}">
+                <a16:creationId xmlns:a16="http://schemas.microsoft.com/office/drawing/2014/main" id="{17AA01B4-C800-309E-CFA5-FEFF791D4537}"/>
+              </a:ext>
+            </a:extLst>
+          </p:cNvPr>
+          <p:cNvSpPr txBox="1">
+            <a:spLocks/>
+          </p:cNvSpPr>
+          <p:nvPr/>
+        </p:nvSpPr>
+        <p:spPr>
+          <a:xfrm>
+            <a:off x="381000" y="838199"/>
+            <a:ext cx="8534400" cy="5791201"/>
+          </a:xfrm>
+          <a:prstGeom prst="rect">
+            <a:avLst/>
+          </a:prstGeom>
+        </p:spPr>
+        <p:txBody>
+          <a:bodyPr vert="horz" lIns="91440" tIns="45720" rIns="91440" bIns="45720" rtlCol="0">
+            <a:noAutofit/>
+          </a:bodyPr>
+          <a:lstStyle>
+            <a:lvl1pPr marL="342900" indent="-342900" algn="l" defTabSz="914400" rtl="0" eaLnBrk="1" latinLnBrk="0" hangingPunct="1">
+              <a:spcBef>
+                <a:spcPct val="20000"/>
+              </a:spcBef>
+              <a:buFont typeface="Wingdings" pitchFamily="2" charset="2"/>
+              <a:buChar char="§"/>
+              <a:defRPr sz="1800" kern="1200">
+                <a:solidFill>
+                  <a:srgbClr val="4D4D4D"/>
+                </a:solidFill>
+                <a:latin typeface="Arial" panose="020B0604020202020204" pitchFamily="34" charset="0"/>
+                <a:ea typeface="+mn-ea"/>
+                <a:cs typeface="Arial" panose="020B0604020202020204" pitchFamily="34" charset="0"/>
+              </a:defRPr>
+            </a:lvl1pPr>
+            <a:lvl2pPr marL="742950" indent="-285750" algn="l" defTabSz="914400" rtl="0" eaLnBrk="1" latinLnBrk="0" hangingPunct="1">
+              <a:spcBef>
+                <a:spcPct val="20000"/>
+              </a:spcBef>
+              <a:buFont typeface="Arial" pitchFamily="34" charset="0"/>
+              <a:buChar char="•"/>
+              <a:defRPr sz="1600" kern="1200">
+                <a:solidFill>
+                  <a:srgbClr val="4D4D4D"/>
+                </a:solidFill>
+                <a:latin typeface="Arial" panose="020B0604020202020204" pitchFamily="34" charset="0"/>
+                <a:ea typeface="+mn-ea"/>
+                <a:cs typeface="Arial" panose="020B0604020202020204" pitchFamily="34" charset="0"/>
+              </a:defRPr>
+            </a:lvl2pPr>
+            <a:lvl3pPr marL="1143000" indent="-228600" algn="l" defTabSz="914400" rtl="0" eaLnBrk="1" latinLnBrk="0" hangingPunct="1">
+              <a:spcBef>
+                <a:spcPct val="20000"/>
+              </a:spcBef>
+              <a:buFont typeface="Courier New" pitchFamily="49" charset="0"/>
+              <a:buChar char="o"/>
+              <a:defRPr sz="1600" kern="1200">
+                <a:solidFill>
+                  <a:srgbClr val="4D4D4D"/>
+                </a:solidFill>
+                <a:latin typeface="Arial" panose="020B0604020202020204" pitchFamily="34" charset="0"/>
+                <a:ea typeface="+mn-ea"/>
+                <a:cs typeface="Arial" panose="020B0604020202020204" pitchFamily="34" charset="0"/>
+              </a:defRPr>
+            </a:lvl3pPr>
+            <a:lvl4pPr marL="1600200" indent="-228600" algn="l" defTabSz="914400" rtl="0" eaLnBrk="1" latinLnBrk="0" hangingPunct="1">
+              <a:spcBef>
+                <a:spcPct val="20000"/>
+              </a:spcBef>
+              <a:buFont typeface="Arial" pitchFamily="34" charset="0"/>
+              <a:buChar char="–"/>
+              <a:defRPr sz="1600" kern="1200">
+                <a:solidFill>
+                  <a:srgbClr val="4D4D4D"/>
+                </a:solidFill>
+                <a:latin typeface="Arial" panose="020B0604020202020204" pitchFamily="34" charset="0"/>
+                <a:ea typeface="+mn-ea"/>
+                <a:cs typeface="Arial" panose="020B0604020202020204" pitchFamily="34" charset="0"/>
+              </a:defRPr>
+            </a:lvl4pPr>
+            <a:lvl5pPr marL="2057400" indent="-228600" algn="l" defTabSz="914400" rtl="0" eaLnBrk="1" latinLnBrk="0" hangingPunct="1">
+              <a:spcBef>
+                <a:spcPct val="20000"/>
+              </a:spcBef>
+              <a:buFont typeface="Arial" pitchFamily="34" charset="0"/>
+              <a:buChar char="»"/>
+              <a:defRPr sz="1600" kern="1200">
+                <a:solidFill>
+                  <a:srgbClr val="4D4D4D"/>
+                </a:solidFill>
+                <a:latin typeface="Arial" panose="020B0604020202020204" pitchFamily="34" charset="0"/>
+                <a:ea typeface="+mn-ea"/>
+                <a:cs typeface="Arial" panose="020B0604020202020204" pitchFamily="34" charset="0"/>
+              </a:defRPr>
+            </a:lvl5pPr>
+            <a:lvl6pPr marL="2514600" indent="-228600" algn="l" defTabSz="914400" rtl="0" eaLnBrk="1" latinLnBrk="0" hangingPunct="1">
+              <a:spcBef>
+                <a:spcPct val="20000"/>
+              </a:spcBef>
+              <a:buFont typeface="Arial" pitchFamily="34" charset="0"/>
+              <a:buChar char="•"/>
+              <a:defRPr sz="2000" kern="1200">
+                <a:solidFill>
+                  <a:schemeClr val="tx1"/>
+                </a:solidFill>
+                <a:latin typeface="+mn-lt"/>
+                <a:ea typeface="+mn-ea"/>
+                <a:cs typeface="+mn-cs"/>
+              </a:defRPr>
+            </a:lvl6pPr>
+            <a:lvl7pPr marL="2971800" indent="-228600" algn="l" defTabSz="914400" rtl="0" eaLnBrk="1" latinLnBrk="0" hangingPunct="1">
+              <a:spcBef>
+                <a:spcPct val="20000"/>
+              </a:spcBef>
+              <a:buFont typeface="Arial" pitchFamily="34" charset="0"/>
+              <a:buChar char="•"/>
+              <a:defRPr sz="2000" kern="1200">
+                <a:solidFill>
+                  <a:schemeClr val="tx1"/>
+                </a:solidFill>
+                <a:latin typeface="+mn-lt"/>
+                <a:ea typeface="+mn-ea"/>
+                <a:cs typeface="+mn-cs"/>
+              </a:defRPr>
+            </a:lvl7pPr>
+            <a:lvl8pPr marL="3429000" indent="-228600" algn="l" defTabSz="914400" rtl="0" eaLnBrk="1" latinLnBrk="0" hangingPunct="1">
+              <a:spcBef>
+                <a:spcPct val="20000"/>
+              </a:spcBef>
+              <a:buFont typeface="Arial" pitchFamily="34" charset="0"/>
+              <a:buChar char="•"/>
+              <a:defRPr sz="2000" kern="1200">
+                <a:solidFill>
+                  <a:schemeClr val="tx1"/>
+                </a:solidFill>
+                <a:latin typeface="+mn-lt"/>
+                <a:ea typeface="+mn-ea"/>
+                <a:cs typeface="+mn-cs"/>
+              </a:defRPr>
+            </a:lvl8pPr>
+            <a:lvl9pPr marL="3886200" indent="-228600" algn="l" defTabSz="914400" rtl="0" eaLnBrk="1" latinLnBrk="0" hangingPunct="1">
+              <a:spcBef>
+                <a:spcPct val="20000"/>
+              </a:spcBef>
+              <a:buFont typeface="Arial" pitchFamily="34" charset="0"/>
+              <a:buChar char="•"/>
+              <a:defRPr sz="2000" kern="1200">
+                <a:solidFill>
+                  <a:schemeClr val="tx1"/>
+                </a:solidFill>
+                <a:latin typeface="+mn-lt"/>
+                <a:ea typeface="+mn-ea"/>
+                <a:cs typeface="+mn-cs"/>
+              </a:defRPr>
+            </a:lvl9pPr>
+          </a:lstStyle>
+          <a:p>
+            <a:r>
+              <a:rPr lang="en-IN" sz="2100" dirty="0">
+                <a:solidFill>
+                  <a:schemeClr val="tx1">
+                    <a:lumMod val="75000"/>
+                    <a:lumOff val="25000"/>
+                  </a:schemeClr>
+                </a:solidFill>
+                <a:latin typeface="+mn-lt"/>
+                <a:cs typeface="+mn-cs"/>
+              </a:rPr>
+              <a:t>When type arguments are different, generics of the same type are not compatible with each other</a:t>
+            </a:r>
+          </a:p>
+          <a:p>
+            <a:r>
+              <a:rPr lang="en-IN" sz="2100" dirty="0">
+                <a:solidFill>
+                  <a:schemeClr val="tx1">
+                    <a:lumMod val="75000"/>
+                    <a:lumOff val="25000"/>
+                  </a:schemeClr>
+                </a:solidFill>
+                <a:latin typeface="+mn-lt"/>
+                <a:cs typeface="+mn-cs"/>
+              </a:rPr>
+              <a:t>Example:</a:t>
+            </a:r>
+          </a:p>
+          <a:p>
+            <a:endParaRPr lang="en-IN" sz="2100" dirty="0">
+              <a:solidFill>
+                <a:schemeClr val="tx1">
+                  <a:lumMod val="75000"/>
+                  <a:lumOff val="25000"/>
+                </a:schemeClr>
+              </a:solidFill>
+              <a:latin typeface="+mn-lt"/>
+              <a:cs typeface="+mn-cs"/>
+            </a:endParaRPr>
+          </a:p>
+          <a:p>
+            <a:endParaRPr lang="en-IN" sz="2100" dirty="0">
+              <a:solidFill>
+                <a:schemeClr val="tx1">
+                  <a:lumMod val="75000"/>
+                  <a:lumOff val="25000"/>
+                </a:schemeClr>
+              </a:solidFill>
+              <a:latin typeface="+mn-lt"/>
+              <a:cs typeface="+mn-cs"/>
+            </a:endParaRPr>
+          </a:p>
+          <a:p>
+            <a:endParaRPr lang="en-IN" sz="2100" dirty="0">
+              <a:solidFill>
+                <a:schemeClr val="tx1">
+                  <a:lumMod val="75000"/>
+                  <a:lumOff val="25000"/>
+                </a:schemeClr>
+              </a:solidFill>
+              <a:latin typeface="+mn-lt"/>
+              <a:cs typeface="+mn-cs"/>
+            </a:endParaRPr>
+          </a:p>
+          <a:p>
+            <a:endParaRPr lang="en-IN" sz="2100" dirty="0">
+              <a:solidFill>
+                <a:schemeClr val="tx1">
+                  <a:lumMod val="75000"/>
+                  <a:lumOff val="25000"/>
+                </a:schemeClr>
+              </a:solidFill>
+              <a:latin typeface="+mn-lt"/>
+              <a:cs typeface="+mn-cs"/>
+            </a:endParaRPr>
+          </a:p>
+          <a:p>
+            <a:endParaRPr lang="en-IN" sz="2100" dirty="0">
+              <a:solidFill>
+                <a:schemeClr val="tx1">
+                  <a:lumMod val="75000"/>
+                  <a:lumOff val="25000"/>
+                </a:schemeClr>
+              </a:solidFill>
+              <a:latin typeface="+mn-lt"/>
+              <a:cs typeface="+mn-cs"/>
+            </a:endParaRPr>
+          </a:p>
+          <a:p>
+            <a:endParaRPr lang="en-IN" sz="2100" dirty="0">
+              <a:solidFill>
+                <a:schemeClr val="tx1">
+                  <a:lumMod val="75000"/>
+                  <a:lumOff val="25000"/>
+                </a:schemeClr>
+              </a:solidFill>
+              <a:latin typeface="+mn-lt"/>
+              <a:cs typeface="+mn-cs"/>
+            </a:endParaRPr>
+          </a:p>
+          <a:p>
+            <a:endParaRPr lang="en-IN" sz="2100" dirty="0">
+              <a:solidFill>
+                <a:schemeClr val="tx1">
+                  <a:lumMod val="75000"/>
+                  <a:lumOff val="25000"/>
+                </a:schemeClr>
+              </a:solidFill>
+              <a:latin typeface="+mn-lt"/>
+              <a:cs typeface="+mn-cs"/>
+            </a:endParaRPr>
+          </a:p>
+          <a:p>
+            <a:endParaRPr lang="en-IN" sz="2100" dirty="0">
+              <a:solidFill>
+                <a:schemeClr val="tx1">
+                  <a:lumMod val="75000"/>
+                  <a:lumOff val="25000"/>
+                </a:schemeClr>
+              </a:solidFill>
+              <a:latin typeface="+mn-lt"/>
+              <a:cs typeface="+mn-cs"/>
+            </a:endParaRPr>
+          </a:p>
+          <a:p>
+            <a:endParaRPr lang="en-IN" sz="2100" dirty="0">
+              <a:solidFill>
+                <a:schemeClr val="tx1">
+                  <a:lumMod val="75000"/>
+                  <a:lumOff val="25000"/>
+                </a:schemeClr>
+              </a:solidFill>
+              <a:latin typeface="+mn-lt"/>
+              <a:cs typeface="+mn-cs"/>
+            </a:endParaRPr>
+          </a:p>
+          <a:p>
+            <a:r>
+              <a:rPr lang="en-IN" sz="2100" dirty="0">
+                <a:solidFill>
+                  <a:schemeClr val="tx1">
+                    <a:lumMod val="75000"/>
+                    <a:lumOff val="25000"/>
+                  </a:schemeClr>
+                </a:solidFill>
+                <a:latin typeface="+mn-lt"/>
+                <a:cs typeface="+mn-cs"/>
+              </a:rPr>
+              <a:t>Note: The important point to note here is that when the type arguments are different, inheritance ceases to exist.</a:t>
+            </a:r>
+          </a:p>
+          <a:p>
+            <a:r>
+              <a:rPr lang="en-IN" sz="2100" dirty="0">
+                <a:solidFill>
+                  <a:schemeClr val="tx1">
+                    <a:lumMod val="75000"/>
+                    <a:lumOff val="25000"/>
+                  </a:schemeClr>
+                </a:solidFill>
+                <a:latin typeface="+mn-lt"/>
+                <a:cs typeface="+mn-cs"/>
+              </a:rPr>
+              <a:t>These restrictions can be overcome by wildcards.</a:t>
+            </a:r>
+            <a:br>
+              <a:rPr lang="en-IN" sz="2100" dirty="0">
+                <a:solidFill>
+                  <a:schemeClr val="tx1">
+                    <a:lumMod val="75000"/>
+                    <a:lumOff val="25000"/>
+                  </a:schemeClr>
+                </a:solidFill>
+                <a:latin typeface="+mn-lt"/>
+                <a:cs typeface="+mn-cs"/>
+              </a:rPr>
+            </a:br>
+            <a:endParaRPr lang="en-IN" sz="2100" dirty="0">
+              <a:solidFill>
+                <a:schemeClr val="tx1">
+                  <a:lumMod val="75000"/>
+                  <a:lumOff val="25000"/>
+                </a:schemeClr>
+              </a:solidFill>
+              <a:latin typeface="+mn-lt"/>
+              <a:cs typeface="+mn-cs"/>
+            </a:endParaRPr>
+          </a:p>
+        </p:txBody>
+      </p:sp>
+      <p:sp>
+        <p:nvSpPr>
+          <p:cNvPr id="4" name="TextBox 3">
+            <a:extLst>
+              <a:ext uri="{FF2B5EF4-FFF2-40B4-BE49-F238E27FC236}">
+                <a16:creationId xmlns:a16="http://schemas.microsoft.com/office/drawing/2014/main" id="{7665C388-48CF-C5C5-8AB8-D70DBAB638F0}"/>
+              </a:ext>
+            </a:extLst>
+          </p:cNvPr>
+          <p:cNvSpPr txBox="1"/>
+          <p:nvPr/>
+        </p:nvSpPr>
+        <p:spPr>
+          <a:xfrm>
+            <a:off x="381000" y="2076510"/>
+            <a:ext cx="8763000" cy="3139321"/>
+          </a:xfrm>
+          <a:prstGeom prst="rect">
+            <a:avLst/>
+          </a:prstGeom>
+          <a:noFill/>
+        </p:spPr>
+        <p:txBody>
+          <a:bodyPr wrap="square">
+            <a:spAutoFit/>
+          </a:bodyPr>
+          <a:lstStyle/>
+          <a:p>
+            <a:r>
+              <a:rPr lang="en-US" dirty="0"/>
+              <a:t>public class Pet {  }</a:t>
+            </a:r>
+          </a:p>
+          <a:p>
+            <a:r>
+              <a:rPr lang="en-US" dirty="0"/>
+              <a:t>public class Cat extends Pet {   }</a:t>
+            </a:r>
+          </a:p>
+          <a:p>
+            <a:r>
+              <a:rPr lang="en-US" dirty="0"/>
+              <a:t>public class </a:t>
+            </a:r>
+            <a:r>
+              <a:rPr lang="en-US" dirty="0" err="1"/>
+              <a:t>HimalayanCat</a:t>
+            </a:r>
+            <a:r>
+              <a:rPr lang="en-US" dirty="0"/>
+              <a:t> extends Cat {  }</a:t>
+            </a:r>
+          </a:p>
+          <a:p>
+            <a:r>
+              <a:rPr lang="en-US" dirty="0"/>
+              <a:t>public void purr(List&lt;Cat&gt; c) {</a:t>
+            </a:r>
+          </a:p>
+          <a:p>
+            <a:r>
+              <a:rPr lang="en-US" dirty="0"/>
+              <a:t>        ...</a:t>
+            </a:r>
+          </a:p>
+          <a:p>
+            <a:r>
+              <a:rPr lang="en-US" dirty="0"/>
+              <a:t>    }    </a:t>
+            </a:r>
+          </a:p>
+          <a:p>
+            <a:r>
+              <a:rPr lang="en-US" dirty="0"/>
+              <a:t>    List&lt;Cat&gt; cat = new </a:t>
+            </a:r>
+            <a:r>
+              <a:rPr lang="en-US" dirty="0" err="1"/>
+              <a:t>ArrayList</a:t>
+            </a:r>
+            <a:r>
+              <a:rPr lang="en-US" dirty="0"/>
+              <a:t>&lt;&gt;();</a:t>
+            </a:r>
+          </a:p>
+          <a:p>
+            <a:r>
+              <a:rPr lang="en-US" dirty="0"/>
+              <a:t>    List&lt;</a:t>
+            </a:r>
+            <a:r>
+              <a:rPr lang="en-US" dirty="0" err="1"/>
+              <a:t>HimalayanCat</a:t>
+            </a:r>
+            <a:r>
+              <a:rPr lang="en-US" dirty="0"/>
+              <a:t>&gt; </a:t>
+            </a:r>
+            <a:r>
+              <a:rPr lang="en-US" dirty="0" err="1"/>
+              <a:t>himalayancat</a:t>
+            </a:r>
+            <a:r>
+              <a:rPr lang="en-US" dirty="0"/>
+              <a:t> = new </a:t>
+            </a:r>
+            <a:r>
+              <a:rPr lang="en-US" dirty="0" err="1"/>
+              <a:t>ArrayList</a:t>
+            </a:r>
+            <a:r>
+              <a:rPr lang="en-US" dirty="0"/>
+              <a:t>&lt;&gt;();</a:t>
+            </a:r>
+          </a:p>
+          <a:p>
+            <a:r>
+              <a:rPr lang="en-US" dirty="0"/>
+              <a:t>    purr(cat);  </a:t>
+            </a:r>
+          </a:p>
+          <a:p>
+            <a:r>
+              <a:rPr lang="en-US" dirty="0"/>
+              <a:t>    //Error while trying to pass list of type </a:t>
+            </a:r>
+            <a:r>
+              <a:rPr lang="en-US" dirty="0" err="1"/>
+              <a:t>HimalayanCat</a:t>
+            </a:r>
+            <a:r>
+              <a:rPr lang="en-US" dirty="0"/>
+              <a:t> , expecting List of type Cat</a:t>
+            </a:r>
+          </a:p>
+          <a:p>
+            <a:r>
+              <a:rPr lang="en-US" dirty="0"/>
+              <a:t>    purr(</a:t>
+            </a:r>
+            <a:r>
+              <a:rPr lang="en-US" dirty="0" err="1"/>
+              <a:t>himalayancat</a:t>
+            </a:r>
+            <a:r>
+              <a:rPr lang="en-US" dirty="0"/>
+              <a:t>);            </a:t>
+            </a:r>
+          </a:p>
+        </p:txBody>
+      </p:sp>
+    </p:spTree>
+    <p:extLst>
+      <p:ext uri="{BB962C8B-B14F-4D97-AF65-F5344CB8AC3E}">
+        <p14:creationId xmlns:p14="http://schemas.microsoft.com/office/powerpoint/2010/main" val="2282853895"/>
+      </p:ext>
+    </p:extLst>
+  </p:cSld>
+  <p:clrMapOvr>
+    <a:masterClrMapping/>
+  </p:clrMapOvr>
+  <p:transition>
+    <p:fade/>
+  </p:transition>
+</p:sld>
+</file>
+
+<file path=ppt/slides/slide17.xml><?xml version="1.0" encoding="utf-8"?>
+<p:sld xmlns:a="http://schemas.openxmlformats.org/drawingml/2006/main" xmlns:r="http://schemas.openxmlformats.org/officeDocument/2006/relationships" xmlns:p="http://schemas.openxmlformats.org/presentationml/2006/main">
+  <p:cSld>
+    <p:spTree>
+      <p:nvGrpSpPr>
+        <p:cNvPr id="1" name=""/>
+        <p:cNvGrpSpPr/>
+        <p:nvPr/>
+      </p:nvGrpSpPr>
+      <p:grpSpPr>
+        <a:xfrm>
+          <a:off x="0" y="0"/>
+          <a:ext cx="0" cy="0"/>
+          <a:chOff x="0" y="0"/>
+          <a:chExt cx="0" cy="0"/>
+        </a:xfrm>
+      </p:grpSpPr>
+      <p:sp>
+        <p:nvSpPr>
+          <p:cNvPr id="2" name="Title 1"/>
+          <p:cNvSpPr>
+            <a:spLocks noGrp="1"/>
+          </p:cNvSpPr>
+          <p:nvPr>
+            <p:ph type="title"/>
+          </p:nvPr>
+        </p:nvSpPr>
+        <p:spPr>
+          <a:xfrm>
+            <a:off x="228600" y="228600"/>
+            <a:ext cx="6629400" cy="609599"/>
+          </a:xfrm>
+        </p:spPr>
+        <p:txBody>
+          <a:bodyPr>
+            <a:normAutofit/>
+          </a:bodyPr>
+          <a:lstStyle/>
+          <a:p>
+            <a:pPr algn="l"/>
+            <a:r>
+              <a:rPr lang="en-IN" b="1" i="0" dirty="0">
+                <a:solidFill>
+                  <a:srgbClr val="25265E"/>
+                </a:solidFill>
+                <a:effectLst/>
+                <a:latin typeface="euclid_circular_a"/>
+              </a:rPr>
+              <a:t>Wildcards</a:t>
+            </a:r>
+          </a:p>
+        </p:txBody>
+      </p:sp>
+      <p:sp>
+        <p:nvSpPr>
+          <p:cNvPr id="6" name="Content Placeholder 2">
+            <a:extLst>
+              <a:ext uri="{FF2B5EF4-FFF2-40B4-BE49-F238E27FC236}">
+                <a16:creationId xmlns:a16="http://schemas.microsoft.com/office/drawing/2014/main" id="{17AA01B4-C800-309E-CFA5-FEFF791D4537}"/>
+              </a:ext>
+            </a:extLst>
+          </p:cNvPr>
+          <p:cNvSpPr txBox="1">
+            <a:spLocks/>
+          </p:cNvSpPr>
+          <p:nvPr/>
+        </p:nvSpPr>
+        <p:spPr>
+          <a:xfrm>
+            <a:off x="381000" y="838199"/>
+            <a:ext cx="8534400" cy="5791201"/>
+          </a:xfrm>
+          <a:prstGeom prst="rect">
+            <a:avLst/>
+          </a:prstGeom>
+        </p:spPr>
+        <p:txBody>
+          <a:bodyPr vert="horz" lIns="91440" tIns="45720" rIns="91440" bIns="45720" rtlCol="0">
+            <a:noAutofit/>
+          </a:bodyPr>
+          <a:lstStyle>
+            <a:lvl1pPr marL="342900" indent="-342900" algn="l" defTabSz="914400" rtl="0" eaLnBrk="1" latinLnBrk="0" hangingPunct="1">
+              <a:spcBef>
+                <a:spcPct val="20000"/>
+              </a:spcBef>
+              <a:buFont typeface="Wingdings" pitchFamily="2" charset="2"/>
+              <a:buChar char="§"/>
+              <a:defRPr sz="1800" kern="1200">
+                <a:solidFill>
+                  <a:srgbClr val="4D4D4D"/>
+                </a:solidFill>
+                <a:latin typeface="Arial" panose="020B0604020202020204" pitchFamily="34" charset="0"/>
+                <a:ea typeface="+mn-ea"/>
+                <a:cs typeface="Arial" panose="020B0604020202020204" pitchFamily="34" charset="0"/>
+              </a:defRPr>
+            </a:lvl1pPr>
+            <a:lvl2pPr marL="742950" indent="-285750" algn="l" defTabSz="914400" rtl="0" eaLnBrk="1" latinLnBrk="0" hangingPunct="1">
+              <a:spcBef>
+                <a:spcPct val="20000"/>
+              </a:spcBef>
+              <a:buFont typeface="Arial" pitchFamily="34" charset="0"/>
+              <a:buChar char="•"/>
+              <a:defRPr sz="1600" kern="1200">
+                <a:solidFill>
+                  <a:srgbClr val="4D4D4D"/>
+                </a:solidFill>
+                <a:latin typeface="Arial" panose="020B0604020202020204" pitchFamily="34" charset="0"/>
+                <a:ea typeface="+mn-ea"/>
+                <a:cs typeface="Arial" panose="020B0604020202020204" pitchFamily="34" charset="0"/>
+              </a:defRPr>
+            </a:lvl2pPr>
+            <a:lvl3pPr marL="1143000" indent="-228600" algn="l" defTabSz="914400" rtl="0" eaLnBrk="1" latinLnBrk="0" hangingPunct="1">
+              <a:spcBef>
+                <a:spcPct val="20000"/>
+              </a:spcBef>
+              <a:buFont typeface="Courier New" pitchFamily="49" charset="0"/>
+              <a:buChar char="o"/>
+              <a:defRPr sz="1600" kern="1200">
+                <a:solidFill>
+                  <a:srgbClr val="4D4D4D"/>
+                </a:solidFill>
+                <a:latin typeface="Arial" panose="020B0604020202020204" pitchFamily="34" charset="0"/>
+                <a:ea typeface="+mn-ea"/>
+                <a:cs typeface="Arial" panose="020B0604020202020204" pitchFamily="34" charset="0"/>
+              </a:defRPr>
+            </a:lvl3pPr>
+            <a:lvl4pPr marL="1600200" indent="-228600" algn="l" defTabSz="914400" rtl="0" eaLnBrk="1" latinLnBrk="0" hangingPunct="1">
+              <a:spcBef>
+                <a:spcPct val="20000"/>
+              </a:spcBef>
+              <a:buFont typeface="Arial" pitchFamily="34" charset="0"/>
+              <a:buChar char="–"/>
+              <a:defRPr sz="1600" kern="1200">
+                <a:solidFill>
+                  <a:srgbClr val="4D4D4D"/>
+                </a:solidFill>
+                <a:latin typeface="Arial" panose="020B0604020202020204" pitchFamily="34" charset="0"/>
+                <a:ea typeface="+mn-ea"/>
+                <a:cs typeface="Arial" panose="020B0604020202020204" pitchFamily="34" charset="0"/>
+              </a:defRPr>
+            </a:lvl4pPr>
+            <a:lvl5pPr marL="2057400" indent="-228600" algn="l" defTabSz="914400" rtl="0" eaLnBrk="1" latinLnBrk="0" hangingPunct="1">
+              <a:spcBef>
+                <a:spcPct val="20000"/>
+              </a:spcBef>
+              <a:buFont typeface="Arial" pitchFamily="34" charset="0"/>
+              <a:buChar char="»"/>
+              <a:defRPr sz="1600" kern="1200">
+                <a:solidFill>
+                  <a:srgbClr val="4D4D4D"/>
+                </a:solidFill>
+                <a:latin typeface="Arial" panose="020B0604020202020204" pitchFamily="34" charset="0"/>
+                <a:ea typeface="+mn-ea"/>
+                <a:cs typeface="Arial" panose="020B0604020202020204" pitchFamily="34" charset="0"/>
+              </a:defRPr>
+            </a:lvl5pPr>
+            <a:lvl6pPr marL="2514600" indent="-228600" algn="l" defTabSz="914400" rtl="0" eaLnBrk="1" latinLnBrk="0" hangingPunct="1">
+              <a:spcBef>
+                <a:spcPct val="20000"/>
+              </a:spcBef>
+              <a:buFont typeface="Arial" pitchFamily="34" charset="0"/>
+              <a:buChar char="•"/>
+              <a:defRPr sz="2000" kern="1200">
+                <a:solidFill>
+                  <a:schemeClr val="tx1"/>
+                </a:solidFill>
+                <a:latin typeface="+mn-lt"/>
+                <a:ea typeface="+mn-ea"/>
+                <a:cs typeface="+mn-cs"/>
+              </a:defRPr>
+            </a:lvl6pPr>
+            <a:lvl7pPr marL="2971800" indent="-228600" algn="l" defTabSz="914400" rtl="0" eaLnBrk="1" latinLnBrk="0" hangingPunct="1">
+              <a:spcBef>
+                <a:spcPct val="20000"/>
+              </a:spcBef>
+              <a:buFont typeface="Arial" pitchFamily="34" charset="0"/>
+              <a:buChar char="•"/>
+              <a:defRPr sz="2000" kern="1200">
+                <a:solidFill>
+                  <a:schemeClr val="tx1"/>
+                </a:solidFill>
+                <a:latin typeface="+mn-lt"/>
+                <a:ea typeface="+mn-ea"/>
+                <a:cs typeface="+mn-cs"/>
+              </a:defRPr>
+            </a:lvl7pPr>
+            <a:lvl8pPr marL="3429000" indent="-228600" algn="l" defTabSz="914400" rtl="0" eaLnBrk="1" latinLnBrk="0" hangingPunct="1">
+              <a:spcBef>
+                <a:spcPct val="20000"/>
+              </a:spcBef>
+              <a:buFont typeface="Arial" pitchFamily="34" charset="0"/>
+              <a:buChar char="•"/>
+              <a:defRPr sz="2000" kern="1200">
+                <a:solidFill>
+                  <a:schemeClr val="tx1"/>
+                </a:solidFill>
+                <a:latin typeface="+mn-lt"/>
+                <a:ea typeface="+mn-ea"/>
+                <a:cs typeface="+mn-cs"/>
+              </a:defRPr>
+            </a:lvl8pPr>
+            <a:lvl9pPr marL="3886200" indent="-228600" algn="l" defTabSz="914400" rtl="0" eaLnBrk="1" latinLnBrk="0" hangingPunct="1">
+              <a:spcBef>
+                <a:spcPct val="20000"/>
+              </a:spcBef>
+              <a:buFont typeface="Arial" pitchFamily="34" charset="0"/>
+              <a:buChar char="•"/>
+              <a:defRPr sz="2000" kern="1200">
+                <a:solidFill>
+                  <a:schemeClr val="tx1"/>
+                </a:solidFill>
+                <a:latin typeface="+mn-lt"/>
+                <a:ea typeface="+mn-ea"/>
+                <a:cs typeface="+mn-cs"/>
+              </a:defRPr>
+            </a:lvl9pPr>
+          </a:lstStyle>
+          <a:p>
+            <a:r>
+              <a:rPr lang="en-IN" sz="2100" dirty="0">
+                <a:solidFill>
+                  <a:schemeClr val="tx1">
+                    <a:lumMod val="75000"/>
+                    <a:lumOff val="25000"/>
+                  </a:schemeClr>
+                </a:solidFill>
+                <a:latin typeface="+mn-lt"/>
+                <a:cs typeface="+mn-cs"/>
+              </a:rPr>
+              <a:t>Have you ever wondered how to represent an unknown type? The "?" (question mark) is known as wildcard. We can represent an initially unknown data type using this.</a:t>
+            </a:r>
+          </a:p>
+          <a:p>
+            <a:r>
+              <a:rPr lang="en-IN" sz="2100" dirty="0">
+                <a:solidFill>
+                  <a:schemeClr val="tx1">
+                    <a:lumMod val="75000"/>
+                    <a:lumOff val="25000"/>
+                  </a:schemeClr>
+                </a:solidFill>
+                <a:latin typeface="+mn-lt"/>
+                <a:cs typeface="+mn-cs"/>
+              </a:rPr>
+              <a:t>There are 3 kinds of wildcards:</a:t>
+            </a:r>
+          </a:p>
+          <a:p>
+            <a:pPr lvl="1"/>
+            <a:r>
+              <a:rPr lang="en-IN" sz="1900" dirty="0">
+                <a:solidFill>
+                  <a:schemeClr val="tx1">
+                    <a:lumMod val="75000"/>
+                    <a:lumOff val="25000"/>
+                  </a:schemeClr>
+                </a:solidFill>
+                <a:latin typeface="+mn-lt"/>
+                <a:cs typeface="+mn-cs"/>
+              </a:rPr>
+              <a:t>Upper-bounded Wildcards</a:t>
+            </a:r>
+          </a:p>
+          <a:p>
+            <a:pPr lvl="1"/>
+            <a:r>
+              <a:rPr lang="en-IN" sz="1900" dirty="0">
+                <a:solidFill>
+                  <a:schemeClr val="tx1">
+                    <a:lumMod val="75000"/>
+                    <a:lumOff val="25000"/>
+                  </a:schemeClr>
+                </a:solidFill>
+                <a:latin typeface="+mn-lt"/>
+                <a:cs typeface="+mn-cs"/>
+              </a:rPr>
+              <a:t>Lower Bounded Wildcard</a:t>
+            </a:r>
+          </a:p>
+          <a:p>
+            <a:pPr lvl="1"/>
+            <a:r>
+              <a:rPr lang="en-IN" sz="1900" dirty="0">
+                <a:solidFill>
+                  <a:schemeClr val="tx1">
+                    <a:lumMod val="75000"/>
+                    <a:lumOff val="25000"/>
+                  </a:schemeClr>
+                </a:solidFill>
+                <a:latin typeface="+mn-lt"/>
+                <a:cs typeface="+mn-cs"/>
+              </a:rPr>
+              <a:t>Unbounded Type</a:t>
+            </a:r>
+          </a:p>
+          <a:p>
+            <a:pPr lvl="1"/>
+            <a:endParaRPr lang="en-IN" sz="1900" dirty="0">
+              <a:solidFill>
+                <a:schemeClr val="tx1">
+                  <a:lumMod val="75000"/>
+                  <a:lumOff val="25000"/>
+                </a:schemeClr>
+              </a:solidFill>
+              <a:latin typeface="+mn-lt"/>
+              <a:cs typeface="+mn-cs"/>
+            </a:endParaRPr>
+          </a:p>
+        </p:txBody>
+      </p:sp>
+    </p:spTree>
+    <p:extLst>
+      <p:ext uri="{BB962C8B-B14F-4D97-AF65-F5344CB8AC3E}">
+        <p14:creationId xmlns:p14="http://schemas.microsoft.com/office/powerpoint/2010/main" val="2991362756"/>
+      </p:ext>
+    </p:extLst>
+  </p:cSld>
+  <p:clrMapOvr>
+    <a:masterClrMapping/>
+  </p:clrMapOvr>
+  <p:transition>
+    <p:fade/>
+  </p:transition>
+</p:sld>
+</file>
+
+<file path=ppt/slides/slide18.xml><?xml version="1.0" encoding="utf-8"?>
+<p:sld xmlns:a="http://schemas.openxmlformats.org/drawingml/2006/main" xmlns:r="http://schemas.openxmlformats.org/officeDocument/2006/relationships" xmlns:p="http://schemas.openxmlformats.org/presentationml/2006/main">
+  <p:cSld>
+    <p:spTree>
+      <p:nvGrpSpPr>
+        <p:cNvPr id="1" name=""/>
+        <p:cNvGrpSpPr/>
+        <p:nvPr/>
+      </p:nvGrpSpPr>
+      <p:grpSpPr>
+        <a:xfrm>
+          <a:off x="0" y="0"/>
+          <a:ext cx="0" cy="0"/>
+          <a:chOff x="0" y="0"/>
+          <a:chExt cx="0" cy="0"/>
+        </a:xfrm>
+      </p:grpSpPr>
+      <p:sp>
+        <p:nvSpPr>
+          <p:cNvPr id="2" name="Title 1"/>
+          <p:cNvSpPr>
+            <a:spLocks noGrp="1"/>
+          </p:cNvSpPr>
+          <p:nvPr>
+            <p:ph type="title"/>
+          </p:nvPr>
+        </p:nvSpPr>
+        <p:spPr>
+          <a:xfrm>
+            <a:off x="228600" y="228600"/>
+            <a:ext cx="6629400" cy="609599"/>
+          </a:xfrm>
+        </p:spPr>
+        <p:txBody>
+          <a:bodyPr>
+            <a:normAutofit/>
+          </a:bodyPr>
+          <a:lstStyle/>
+          <a:p>
+            <a:pPr algn="l"/>
+            <a:r>
+              <a:rPr lang="en-IN" b="1" i="0" dirty="0">
+                <a:solidFill>
+                  <a:srgbClr val="25265E"/>
+                </a:solidFill>
+                <a:effectLst/>
+                <a:latin typeface="euclid_circular_a"/>
+              </a:rPr>
+              <a:t>Upper Bounded Wildcards</a:t>
+            </a:r>
+          </a:p>
+        </p:txBody>
+      </p:sp>
+      <p:sp>
+        <p:nvSpPr>
+          <p:cNvPr id="6" name="Content Placeholder 2">
+            <a:extLst>
+              <a:ext uri="{FF2B5EF4-FFF2-40B4-BE49-F238E27FC236}">
+                <a16:creationId xmlns:a16="http://schemas.microsoft.com/office/drawing/2014/main" id="{17AA01B4-C800-309E-CFA5-FEFF791D4537}"/>
+              </a:ext>
+            </a:extLst>
+          </p:cNvPr>
+          <p:cNvSpPr txBox="1">
+            <a:spLocks/>
+          </p:cNvSpPr>
+          <p:nvPr/>
+        </p:nvSpPr>
+        <p:spPr>
+          <a:xfrm>
+            <a:off x="381000" y="838199"/>
+            <a:ext cx="8534400" cy="5791201"/>
+          </a:xfrm>
+          <a:prstGeom prst="rect">
+            <a:avLst/>
+          </a:prstGeom>
+        </p:spPr>
+        <p:txBody>
+          <a:bodyPr vert="horz" lIns="91440" tIns="45720" rIns="91440" bIns="45720" rtlCol="0">
+            <a:noAutofit/>
+          </a:bodyPr>
+          <a:lstStyle>
+            <a:lvl1pPr marL="342900" indent="-342900" algn="l" defTabSz="914400" rtl="0" eaLnBrk="1" latinLnBrk="0" hangingPunct="1">
+              <a:spcBef>
+                <a:spcPct val="20000"/>
+              </a:spcBef>
+              <a:buFont typeface="Wingdings" pitchFamily="2" charset="2"/>
+              <a:buChar char="§"/>
+              <a:defRPr sz="1800" kern="1200">
+                <a:solidFill>
+                  <a:srgbClr val="4D4D4D"/>
+                </a:solidFill>
+                <a:latin typeface="Arial" panose="020B0604020202020204" pitchFamily="34" charset="0"/>
+                <a:ea typeface="+mn-ea"/>
+                <a:cs typeface="Arial" panose="020B0604020202020204" pitchFamily="34" charset="0"/>
+              </a:defRPr>
+            </a:lvl1pPr>
+            <a:lvl2pPr marL="742950" indent="-285750" algn="l" defTabSz="914400" rtl="0" eaLnBrk="1" latinLnBrk="0" hangingPunct="1">
+              <a:spcBef>
+                <a:spcPct val="20000"/>
+              </a:spcBef>
+              <a:buFont typeface="Arial" pitchFamily="34" charset="0"/>
+              <a:buChar char="•"/>
+              <a:defRPr sz="1600" kern="1200">
+                <a:solidFill>
+                  <a:srgbClr val="4D4D4D"/>
+                </a:solidFill>
+                <a:latin typeface="Arial" panose="020B0604020202020204" pitchFamily="34" charset="0"/>
+                <a:ea typeface="+mn-ea"/>
+                <a:cs typeface="Arial" panose="020B0604020202020204" pitchFamily="34" charset="0"/>
+              </a:defRPr>
+            </a:lvl2pPr>
+            <a:lvl3pPr marL="1143000" indent="-228600" algn="l" defTabSz="914400" rtl="0" eaLnBrk="1" latinLnBrk="0" hangingPunct="1">
+              <a:spcBef>
+                <a:spcPct val="20000"/>
+              </a:spcBef>
+              <a:buFont typeface="Courier New" pitchFamily="49" charset="0"/>
+              <a:buChar char="o"/>
+              <a:defRPr sz="1600" kern="1200">
+                <a:solidFill>
+                  <a:srgbClr val="4D4D4D"/>
+                </a:solidFill>
+                <a:latin typeface="Arial" panose="020B0604020202020204" pitchFamily="34" charset="0"/>
+                <a:ea typeface="+mn-ea"/>
+                <a:cs typeface="Arial" panose="020B0604020202020204" pitchFamily="34" charset="0"/>
+              </a:defRPr>
+            </a:lvl3pPr>
+            <a:lvl4pPr marL="1600200" indent="-228600" algn="l" defTabSz="914400" rtl="0" eaLnBrk="1" latinLnBrk="0" hangingPunct="1">
+              <a:spcBef>
+                <a:spcPct val="20000"/>
+              </a:spcBef>
+              <a:buFont typeface="Arial" pitchFamily="34" charset="0"/>
+              <a:buChar char="–"/>
+              <a:defRPr sz="1600" kern="1200">
+                <a:solidFill>
+                  <a:srgbClr val="4D4D4D"/>
+                </a:solidFill>
+                <a:latin typeface="Arial" panose="020B0604020202020204" pitchFamily="34" charset="0"/>
+                <a:ea typeface="+mn-ea"/>
+                <a:cs typeface="Arial" panose="020B0604020202020204" pitchFamily="34" charset="0"/>
+              </a:defRPr>
+            </a:lvl4pPr>
+            <a:lvl5pPr marL="2057400" indent="-228600" algn="l" defTabSz="914400" rtl="0" eaLnBrk="1" latinLnBrk="0" hangingPunct="1">
+              <a:spcBef>
+                <a:spcPct val="20000"/>
+              </a:spcBef>
+              <a:buFont typeface="Arial" pitchFamily="34" charset="0"/>
+              <a:buChar char="»"/>
+              <a:defRPr sz="1600" kern="1200">
+                <a:solidFill>
+                  <a:srgbClr val="4D4D4D"/>
+                </a:solidFill>
+                <a:latin typeface="Arial" panose="020B0604020202020204" pitchFamily="34" charset="0"/>
+                <a:ea typeface="+mn-ea"/>
+                <a:cs typeface="Arial" panose="020B0604020202020204" pitchFamily="34" charset="0"/>
+              </a:defRPr>
+            </a:lvl5pPr>
+            <a:lvl6pPr marL="2514600" indent="-228600" algn="l" defTabSz="914400" rtl="0" eaLnBrk="1" latinLnBrk="0" hangingPunct="1">
+              <a:spcBef>
+                <a:spcPct val="20000"/>
+              </a:spcBef>
+              <a:buFont typeface="Arial" pitchFamily="34" charset="0"/>
+              <a:buChar char="•"/>
+              <a:defRPr sz="2000" kern="1200">
+                <a:solidFill>
+                  <a:schemeClr val="tx1"/>
+                </a:solidFill>
+                <a:latin typeface="+mn-lt"/>
+                <a:ea typeface="+mn-ea"/>
+                <a:cs typeface="+mn-cs"/>
+              </a:defRPr>
+            </a:lvl6pPr>
+            <a:lvl7pPr marL="2971800" indent="-228600" algn="l" defTabSz="914400" rtl="0" eaLnBrk="1" latinLnBrk="0" hangingPunct="1">
+              <a:spcBef>
+                <a:spcPct val="20000"/>
+              </a:spcBef>
+              <a:buFont typeface="Arial" pitchFamily="34" charset="0"/>
+              <a:buChar char="•"/>
+              <a:defRPr sz="2000" kern="1200">
+                <a:solidFill>
+                  <a:schemeClr val="tx1"/>
+                </a:solidFill>
+                <a:latin typeface="+mn-lt"/>
+                <a:ea typeface="+mn-ea"/>
+                <a:cs typeface="+mn-cs"/>
+              </a:defRPr>
+            </a:lvl7pPr>
+            <a:lvl8pPr marL="3429000" indent="-228600" algn="l" defTabSz="914400" rtl="0" eaLnBrk="1" latinLnBrk="0" hangingPunct="1">
+              <a:spcBef>
+                <a:spcPct val="20000"/>
+              </a:spcBef>
+              <a:buFont typeface="Arial" pitchFamily="34" charset="0"/>
+              <a:buChar char="•"/>
+              <a:defRPr sz="2000" kern="1200">
+                <a:solidFill>
+                  <a:schemeClr val="tx1"/>
+                </a:solidFill>
+                <a:latin typeface="+mn-lt"/>
+                <a:ea typeface="+mn-ea"/>
+                <a:cs typeface="+mn-cs"/>
+              </a:defRPr>
+            </a:lvl8pPr>
+            <a:lvl9pPr marL="3886200" indent="-228600" algn="l" defTabSz="914400" rtl="0" eaLnBrk="1" latinLnBrk="0" hangingPunct="1">
+              <a:spcBef>
+                <a:spcPct val="20000"/>
+              </a:spcBef>
+              <a:buFont typeface="Arial" pitchFamily="34" charset="0"/>
+              <a:buChar char="•"/>
+              <a:defRPr sz="2000" kern="1200">
+                <a:solidFill>
+                  <a:schemeClr val="tx1"/>
+                </a:solidFill>
+                <a:latin typeface="+mn-lt"/>
+                <a:ea typeface="+mn-ea"/>
+                <a:cs typeface="+mn-cs"/>
+              </a:defRPr>
+            </a:lvl9pPr>
+          </a:lstStyle>
+          <a:p>
+            <a:r>
+              <a:rPr lang="en-IN" sz="2100" dirty="0">
+                <a:solidFill>
+                  <a:schemeClr val="tx1">
+                    <a:lumMod val="75000"/>
+                    <a:lumOff val="25000"/>
+                  </a:schemeClr>
+                </a:solidFill>
+                <a:latin typeface="+mn-lt"/>
+                <a:cs typeface="+mn-cs"/>
+              </a:rPr>
+              <a:t>These wildcards are used when you are unsure about an input data format but know what kind of data the user will enter. </a:t>
+            </a:r>
+          </a:p>
+          <a:p>
+            <a:r>
+              <a:rPr lang="en-IN" sz="2100" dirty="0">
+                <a:solidFill>
+                  <a:schemeClr val="tx1">
+                    <a:lumMod val="75000"/>
+                    <a:lumOff val="25000"/>
+                  </a:schemeClr>
+                </a:solidFill>
+                <a:latin typeface="+mn-lt"/>
+                <a:cs typeface="+mn-cs"/>
+              </a:rPr>
+              <a:t>For example, you want to calculate the sum of a list but the list could be of type Double, Integer, Float and you should be able to handle all these conditions.</a:t>
+            </a:r>
+          </a:p>
+          <a:p>
+            <a:r>
+              <a:rPr lang="en-IN" sz="2100" dirty="0">
+                <a:solidFill>
+                  <a:schemeClr val="tx1">
+                    <a:lumMod val="75000"/>
+                    <a:lumOff val="25000"/>
+                  </a:schemeClr>
+                </a:solidFill>
+                <a:latin typeface="+mn-lt"/>
+                <a:cs typeface="+mn-cs"/>
+              </a:rPr>
+              <a:t>They are used to relax the restriction of a variable type. </a:t>
+            </a:r>
+          </a:p>
+          <a:p>
+            <a:r>
+              <a:rPr lang="en-IN" sz="2100" dirty="0">
+                <a:solidFill>
+                  <a:schemeClr val="tx1">
+                    <a:lumMod val="75000"/>
+                    <a:lumOff val="25000"/>
+                  </a:schemeClr>
+                </a:solidFill>
+                <a:latin typeface="+mn-lt"/>
+                <a:cs typeface="+mn-cs"/>
+              </a:rPr>
+              <a:t>To declare an upper-bounded wildcard, use the wildcard character (‘?’), followed by the extends keyword, followed by its upper bound.</a:t>
+            </a:r>
+          </a:p>
+        </p:txBody>
+      </p:sp>
+    </p:spTree>
+    <p:extLst>
+      <p:ext uri="{BB962C8B-B14F-4D97-AF65-F5344CB8AC3E}">
+        <p14:creationId xmlns:p14="http://schemas.microsoft.com/office/powerpoint/2010/main" val="1256746828"/>
+      </p:ext>
+    </p:extLst>
+  </p:cSld>
+  <p:clrMapOvr>
+    <a:masterClrMapping/>
+  </p:clrMapOvr>
+  <p:transition>
+    <p:fade/>
+  </p:transition>
+</p:sld>
+</file>
+
+<file path=ppt/slides/slide19.xml><?xml version="1.0" encoding="utf-8"?>
+<p:sld xmlns:a="http://schemas.openxmlformats.org/drawingml/2006/main" xmlns:r="http://schemas.openxmlformats.org/officeDocument/2006/relationships" xmlns:p="http://schemas.openxmlformats.org/presentationml/2006/main">
+  <p:cSld>
+    <p:spTree>
+      <p:nvGrpSpPr>
+        <p:cNvPr id="1" name=""/>
+        <p:cNvGrpSpPr/>
+        <p:nvPr/>
+      </p:nvGrpSpPr>
+      <p:grpSpPr>
+        <a:xfrm>
+          <a:off x="0" y="0"/>
+          <a:ext cx="0" cy="0"/>
+          <a:chOff x="0" y="0"/>
+          <a:chExt cx="0" cy="0"/>
+        </a:xfrm>
+      </p:grpSpPr>
+      <p:sp>
+        <p:nvSpPr>
+          <p:cNvPr id="2" name="Title 1"/>
+          <p:cNvSpPr>
+            <a:spLocks noGrp="1"/>
+          </p:cNvSpPr>
+          <p:nvPr>
+            <p:ph type="title"/>
+          </p:nvPr>
+        </p:nvSpPr>
+        <p:spPr>
+          <a:xfrm>
+            <a:off x="228600" y="228600"/>
+            <a:ext cx="6629400" cy="609599"/>
+          </a:xfrm>
+        </p:spPr>
+        <p:txBody>
+          <a:bodyPr>
+            <a:normAutofit/>
+          </a:bodyPr>
+          <a:lstStyle/>
+          <a:p>
+            <a:pPr algn="l"/>
+            <a:r>
+              <a:rPr lang="en-IN" b="1" i="0" dirty="0">
+                <a:solidFill>
+                  <a:srgbClr val="25265E"/>
+                </a:solidFill>
+                <a:effectLst/>
+                <a:latin typeface="euclid_circular_a"/>
+              </a:rPr>
+              <a:t>Upper Bounded Wildcards Example</a:t>
+            </a:r>
+          </a:p>
+        </p:txBody>
+      </p:sp>
+      <p:sp>
+        <p:nvSpPr>
+          <p:cNvPr id="6" name="Content Placeholder 2">
+            <a:extLst>
+              <a:ext uri="{FF2B5EF4-FFF2-40B4-BE49-F238E27FC236}">
+                <a16:creationId xmlns:a16="http://schemas.microsoft.com/office/drawing/2014/main" id="{17AA01B4-C800-309E-CFA5-FEFF791D4537}"/>
+              </a:ext>
+            </a:extLst>
+          </p:cNvPr>
+          <p:cNvSpPr txBox="1">
+            <a:spLocks/>
+          </p:cNvSpPr>
+          <p:nvPr/>
+        </p:nvSpPr>
+        <p:spPr>
+          <a:xfrm>
+            <a:off x="381000" y="838199"/>
+            <a:ext cx="8534400" cy="5791201"/>
+          </a:xfrm>
+          <a:prstGeom prst="rect">
+            <a:avLst/>
+          </a:prstGeom>
+        </p:spPr>
+        <p:txBody>
+          <a:bodyPr vert="horz" lIns="91440" tIns="45720" rIns="91440" bIns="45720" rtlCol="0">
+            <a:noAutofit/>
+          </a:bodyPr>
+          <a:lstStyle>
+            <a:lvl1pPr marL="342900" indent="-342900" algn="l" defTabSz="914400" rtl="0" eaLnBrk="1" latinLnBrk="0" hangingPunct="1">
+              <a:spcBef>
+                <a:spcPct val="20000"/>
+              </a:spcBef>
+              <a:buFont typeface="Wingdings" pitchFamily="2" charset="2"/>
+              <a:buChar char="§"/>
+              <a:defRPr sz="1800" kern="1200">
+                <a:solidFill>
+                  <a:srgbClr val="4D4D4D"/>
+                </a:solidFill>
+                <a:latin typeface="Arial" panose="020B0604020202020204" pitchFamily="34" charset="0"/>
+                <a:ea typeface="+mn-ea"/>
+                <a:cs typeface="Arial" panose="020B0604020202020204" pitchFamily="34" charset="0"/>
+              </a:defRPr>
+            </a:lvl1pPr>
+            <a:lvl2pPr marL="742950" indent="-285750" algn="l" defTabSz="914400" rtl="0" eaLnBrk="1" latinLnBrk="0" hangingPunct="1">
+              <a:spcBef>
+                <a:spcPct val="20000"/>
+              </a:spcBef>
+              <a:buFont typeface="Arial" pitchFamily="34" charset="0"/>
+              <a:buChar char="•"/>
+              <a:defRPr sz="1600" kern="1200">
+                <a:solidFill>
+                  <a:srgbClr val="4D4D4D"/>
+                </a:solidFill>
+                <a:latin typeface="Arial" panose="020B0604020202020204" pitchFamily="34" charset="0"/>
+                <a:ea typeface="+mn-ea"/>
+                <a:cs typeface="Arial" panose="020B0604020202020204" pitchFamily="34" charset="0"/>
+              </a:defRPr>
+            </a:lvl2pPr>
+            <a:lvl3pPr marL="1143000" indent="-228600" algn="l" defTabSz="914400" rtl="0" eaLnBrk="1" latinLnBrk="0" hangingPunct="1">
+              <a:spcBef>
+                <a:spcPct val="20000"/>
+              </a:spcBef>
+              <a:buFont typeface="Courier New" pitchFamily="49" charset="0"/>
+              <a:buChar char="o"/>
+              <a:defRPr sz="1600" kern="1200">
+                <a:solidFill>
+                  <a:srgbClr val="4D4D4D"/>
+                </a:solidFill>
+                <a:latin typeface="Arial" panose="020B0604020202020204" pitchFamily="34" charset="0"/>
+                <a:ea typeface="+mn-ea"/>
+                <a:cs typeface="Arial" panose="020B0604020202020204" pitchFamily="34" charset="0"/>
+              </a:defRPr>
+            </a:lvl3pPr>
+            <a:lvl4pPr marL="1600200" indent="-228600" algn="l" defTabSz="914400" rtl="0" eaLnBrk="1" latinLnBrk="0" hangingPunct="1">
+              <a:spcBef>
+                <a:spcPct val="20000"/>
+              </a:spcBef>
+              <a:buFont typeface="Arial" pitchFamily="34" charset="0"/>
+              <a:buChar char="–"/>
+              <a:defRPr sz="1600" kern="1200">
+                <a:solidFill>
+                  <a:srgbClr val="4D4D4D"/>
+                </a:solidFill>
+                <a:latin typeface="Arial" panose="020B0604020202020204" pitchFamily="34" charset="0"/>
+                <a:ea typeface="+mn-ea"/>
+                <a:cs typeface="Arial" panose="020B0604020202020204" pitchFamily="34" charset="0"/>
+              </a:defRPr>
+            </a:lvl4pPr>
+            <a:lvl5pPr marL="2057400" indent="-228600" algn="l" defTabSz="914400" rtl="0" eaLnBrk="1" latinLnBrk="0" hangingPunct="1">
+              <a:spcBef>
+                <a:spcPct val="20000"/>
+              </a:spcBef>
+              <a:buFont typeface="Arial" pitchFamily="34" charset="0"/>
+              <a:buChar char="»"/>
+              <a:defRPr sz="1600" kern="1200">
+                <a:solidFill>
+                  <a:srgbClr val="4D4D4D"/>
+                </a:solidFill>
+                <a:latin typeface="Arial" panose="020B0604020202020204" pitchFamily="34" charset="0"/>
+                <a:ea typeface="+mn-ea"/>
+                <a:cs typeface="Arial" panose="020B0604020202020204" pitchFamily="34" charset="0"/>
+              </a:defRPr>
+            </a:lvl5pPr>
+            <a:lvl6pPr marL="2514600" indent="-228600" algn="l" defTabSz="914400" rtl="0" eaLnBrk="1" latinLnBrk="0" hangingPunct="1">
+              <a:spcBef>
+                <a:spcPct val="20000"/>
+              </a:spcBef>
+              <a:buFont typeface="Arial" pitchFamily="34" charset="0"/>
+              <a:buChar char="•"/>
+              <a:defRPr sz="2000" kern="1200">
+                <a:solidFill>
+                  <a:schemeClr val="tx1"/>
+                </a:solidFill>
+                <a:latin typeface="+mn-lt"/>
+                <a:ea typeface="+mn-ea"/>
+                <a:cs typeface="+mn-cs"/>
+              </a:defRPr>
+            </a:lvl6pPr>
+            <a:lvl7pPr marL="2971800" indent="-228600" algn="l" defTabSz="914400" rtl="0" eaLnBrk="1" latinLnBrk="0" hangingPunct="1">
+              <a:spcBef>
+                <a:spcPct val="20000"/>
+              </a:spcBef>
+              <a:buFont typeface="Arial" pitchFamily="34" charset="0"/>
+              <a:buChar char="•"/>
+              <a:defRPr sz="2000" kern="1200">
+                <a:solidFill>
+                  <a:schemeClr val="tx1"/>
+                </a:solidFill>
+                <a:latin typeface="+mn-lt"/>
+                <a:ea typeface="+mn-ea"/>
+                <a:cs typeface="+mn-cs"/>
+              </a:defRPr>
+            </a:lvl7pPr>
+            <a:lvl8pPr marL="3429000" indent="-228600" algn="l" defTabSz="914400" rtl="0" eaLnBrk="1" latinLnBrk="0" hangingPunct="1">
+              <a:spcBef>
+                <a:spcPct val="20000"/>
+              </a:spcBef>
+              <a:buFont typeface="Arial" pitchFamily="34" charset="0"/>
+              <a:buChar char="•"/>
+              <a:defRPr sz="2000" kern="1200">
+                <a:solidFill>
+                  <a:schemeClr val="tx1"/>
+                </a:solidFill>
+                <a:latin typeface="+mn-lt"/>
+                <a:ea typeface="+mn-ea"/>
+                <a:cs typeface="+mn-cs"/>
+              </a:defRPr>
+            </a:lvl8pPr>
+            <a:lvl9pPr marL="3886200" indent="-228600" algn="l" defTabSz="914400" rtl="0" eaLnBrk="1" latinLnBrk="0" hangingPunct="1">
+              <a:spcBef>
+                <a:spcPct val="20000"/>
+              </a:spcBef>
+              <a:buFont typeface="Arial" pitchFamily="34" charset="0"/>
+              <a:buChar char="•"/>
+              <a:defRPr sz="2000" kern="1200">
+                <a:solidFill>
+                  <a:schemeClr val="tx1"/>
+                </a:solidFill>
+                <a:latin typeface="+mn-lt"/>
+                <a:ea typeface="+mn-ea"/>
+                <a:cs typeface="+mn-cs"/>
+              </a:defRPr>
+            </a:lvl9pPr>
+          </a:lstStyle>
+          <a:p>
+            <a:endParaRPr lang="en-IN" sz="2100" dirty="0">
+              <a:solidFill>
+                <a:schemeClr val="tx1">
+                  <a:lumMod val="75000"/>
+                  <a:lumOff val="25000"/>
+                </a:schemeClr>
+              </a:solidFill>
+              <a:latin typeface="+mn-lt"/>
+              <a:cs typeface="+mn-cs"/>
+            </a:endParaRPr>
+          </a:p>
+        </p:txBody>
+      </p:sp>
+      <p:sp>
+        <p:nvSpPr>
+          <p:cNvPr id="4" name="TextBox 3">
+            <a:extLst>
+              <a:ext uri="{FF2B5EF4-FFF2-40B4-BE49-F238E27FC236}">
+                <a16:creationId xmlns:a16="http://schemas.microsoft.com/office/drawing/2014/main" id="{687A40BA-A7FE-661A-8079-BAC8FE42D1C9}"/>
+              </a:ext>
+            </a:extLst>
+          </p:cNvPr>
+          <p:cNvSpPr txBox="1"/>
+          <p:nvPr/>
+        </p:nvSpPr>
+        <p:spPr>
+          <a:xfrm>
+            <a:off x="533400" y="889843"/>
+            <a:ext cx="8077200" cy="5078313"/>
+          </a:xfrm>
+          <a:prstGeom prst="rect">
+            <a:avLst/>
+          </a:prstGeom>
+          <a:noFill/>
+        </p:spPr>
+        <p:txBody>
+          <a:bodyPr wrap="square">
+            <a:spAutoFit/>
+          </a:bodyPr>
+          <a:lstStyle/>
+          <a:p>
+            <a:r>
+              <a:rPr lang="en-US" dirty="0"/>
+              <a:t>public class </a:t>
+            </a:r>
+            <a:r>
+              <a:rPr lang="en-US" dirty="0" err="1"/>
+              <a:t>UpperBound</a:t>
+            </a:r>
+            <a:r>
+              <a:rPr lang="en-US" dirty="0"/>
+              <a:t> {</a:t>
+            </a:r>
+          </a:p>
+          <a:p>
+            <a:r>
+              <a:rPr lang="en-US" dirty="0"/>
+              <a:t>    public static void main(String[] </a:t>
+            </a:r>
+            <a:r>
+              <a:rPr lang="en-US" dirty="0" err="1"/>
+              <a:t>args</a:t>
+            </a:r>
+            <a:r>
+              <a:rPr lang="en-US" dirty="0"/>
+              <a:t>) {</a:t>
+            </a:r>
+          </a:p>
+          <a:p>
+            <a:r>
+              <a:rPr lang="en-US" dirty="0"/>
+              <a:t>    //Upper Bounded Integer List</a:t>
+            </a:r>
+          </a:p>
+          <a:p>
+            <a:r>
+              <a:rPr lang="en-US" dirty="0"/>
+              <a:t>        List &lt;Integer&gt; </a:t>
+            </a:r>
+            <a:r>
+              <a:rPr lang="en-US" dirty="0" err="1"/>
+              <a:t>intList</a:t>
+            </a:r>
+            <a:r>
+              <a:rPr lang="en-US" dirty="0"/>
+              <a:t> = </a:t>
+            </a:r>
+            <a:r>
+              <a:rPr lang="en-US" dirty="0" err="1"/>
+              <a:t>Arrays.asList</a:t>
+            </a:r>
+            <a:r>
+              <a:rPr lang="en-US" dirty="0"/>
+              <a:t>(10,20,30,40);</a:t>
+            </a:r>
+          </a:p>
+          <a:p>
+            <a:r>
+              <a:rPr lang="en-US" dirty="0"/>
+              <a:t>        </a:t>
+            </a:r>
+            <a:r>
+              <a:rPr lang="en-US" dirty="0" err="1"/>
+              <a:t>System.out.println</a:t>
+            </a:r>
+            <a:r>
+              <a:rPr lang="en-US" dirty="0"/>
+              <a:t>("Total sum is:" + </a:t>
+            </a:r>
+            <a:r>
+              <a:rPr lang="en-US" dirty="0" err="1"/>
+              <a:t>sumList</a:t>
+            </a:r>
+            <a:r>
+              <a:rPr lang="en-US" dirty="0"/>
+              <a:t>(</a:t>
+            </a:r>
+            <a:r>
+              <a:rPr lang="en-US" dirty="0" err="1"/>
+              <a:t>intList</a:t>
+            </a:r>
+            <a:r>
+              <a:rPr lang="en-US" dirty="0"/>
+              <a:t>));</a:t>
+            </a:r>
+          </a:p>
+          <a:p>
+            <a:endParaRPr lang="en-US" dirty="0"/>
+          </a:p>
+          <a:p>
+            <a:r>
+              <a:rPr lang="en-US" dirty="0"/>
+              <a:t>    //Upper Bounded Double list</a:t>
+            </a:r>
+          </a:p>
+          <a:p>
+            <a:r>
+              <a:rPr lang="en-US" dirty="0"/>
+              <a:t>    List&lt;Double&gt; </a:t>
+            </a:r>
+            <a:r>
+              <a:rPr lang="en-US" dirty="0" err="1"/>
+              <a:t>doubleList</a:t>
+            </a:r>
+            <a:r>
+              <a:rPr lang="en-US" dirty="0"/>
+              <a:t> = </a:t>
+            </a:r>
+            <a:r>
+              <a:rPr lang="en-US" dirty="0" err="1"/>
+              <a:t>Arrays.asList</a:t>
+            </a:r>
+            <a:r>
+              <a:rPr lang="en-US" dirty="0"/>
+              <a:t>(13.2,15.6,9.7,22.5);</a:t>
+            </a:r>
+          </a:p>
+          <a:p>
+            <a:r>
+              <a:rPr lang="en-US" dirty="0"/>
+              <a:t>    </a:t>
+            </a:r>
+            <a:r>
+              <a:rPr lang="en-US" dirty="0" err="1"/>
+              <a:t>System.out.print</a:t>
+            </a:r>
+            <a:r>
+              <a:rPr lang="en-US" dirty="0"/>
+              <a:t>("Total sum is: " + </a:t>
+            </a:r>
+            <a:r>
+              <a:rPr lang="en-US" dirty="0" err="1"/>
+              <a:t>sumList</a:t>
+            </a:r>
+            <a:r>
+              <a:rPr lang="en-US" dirty="0"/>
+              <a:t>(</a:t>
+            </a:r>
+            <a:r>
+              <a:rPr lang="en-US" dirty="0" err="1"/>
+              <a:t>doubleList</a:t>
+            </a:r>
+            <a:r>
+              <a:rPr lang="en-US" dirty="0"/>
+              <a:t>));</a:t>
+            </a:r>
+          </a:p>
+          <a:p>
+            <a:r>
+              <a:rPr lang="en-US" dirty="0"/>
+              <a:t>    }</a:t>
+            </a:r>
+          </a:p>
+          <a:p>
+            <a:r>
+              <a:rPr lang="en-US" dirty="0"/>
+              <a:t>    private static double </a:t>
+            </a:r>
+            <a:r>
+              <a:rPr lang="en-US" dirty="0" err="1"/>
+              <a:t>sumList</a:t>
+            </a:r>
+            <a:r>
+              <a:rPr lang="en-US" dirty="0"/>
+              <a:t>(List &lt;? extends Number&gt; </a:t>
+            </a:r>
+            <a:r>
+              <a:rPr lang="en-US" dirty="0" err="1"/>
+              <a:t>myList</a:t>
+            </a:r>
+            <a:r>
+              <a:rPr lang="en-US" dirty="0"/>
+              <a:t>) {</a:t>
+            </a:r>
+          </a:p>
+          <a:p>
+            <a:r>
+              <a:rPr lang="en-US" dirty="0"/>
+              <a:t>        double sum = 0.0;</a:t>
+            </a:r>
+          </a:p>
+          <a:p>
+            <a:r>
+              <a:rPr lang="en-US" dirty="0"/>
+              <a:t>        for (Number iterator: </a:t>
+            </a:r>
+            <a:r>
+              <a:rPr lang="en-US" dirty="0" err="1"/>
+              <a:t>myList</a:t>
+            </a:r>
+            <a:r>
+              <a:rPr lang="en-US" dirty="0"/>
+              <a:t>) {</a:t>
+            </a:r>
+          </a:p>
+          <a:p>
+            <a:r>
+              <a:rPr lang="en-US" dirty="0"/>
+              <a:t>            sum = sum + </a:t>
+            </a:r>
+            <a:r>
+              <a:rPr lang="en-US" dirty="0" err="1"/>
+              <a:t>iterator.doubleValue</a:t>
+            </a:r>
+            <a:r>
+              <a:rPr lang="en-US" dirty="0"/>
+              <a:t>();</a:t>
+            </a:r>
+          </a:p>
+          <a:p>
+            <a:r>
+              <a:rPr lang="en-US" dirty="0"/>
+              <a:t>        }</a:t>
+            </a:r>
+          </a:p>
+          <a:p>
+            <a:r>
+              <a:rPr lang="en-US" dirty="0"/>
+              <a:t>        return sum;</a:t>
+            </a:r>
+          </a:p>
+          <a:p>
+            <a:r>
+              <a:rPr lang="en-US" dirty="0"/>
+              <a:t>    }</a:t>
+            </a:r>
+          </a:p>
+          <a:p>
+            <a:r>
+              <a:rPr lang="en-US" dirty="0"/>
+              <a:t>}</a:t>
+            </a:r>
+          </a:p>
+        </p:txBody>
+      </p:sp>
+    </p:spTree>
+    <p:extLst>
+      <p:ext uri="{BB962C8B-B14F-4D97-AF65-F5344CB8AC3E}">
+        <p14:creationId xmlns:p14="http://schemas.microsoft.com/office/powerpoint/2010/main" val="2476145509"/>
+      </p:ext>
+    </p:extLst>
+  </p:cSld>
+  <p:clrMapOvr>
+    <a:masterClrMapping/>
+  </p:clrMapOvr>
+  <p:transition>
+    <p:fade/>
+  </p:transition>
+</p:sld>
+</file>
+
+<file path=ppt/slides/slide2.xml><?xml version="1.0" encoding="utf-8"?>
+<p:sld xmlns:a="http://schemas.openxmlformats.org/drawingml/2006/main" xmlns:r="http://schemas.openxmlformats.org/officeDocument/2006/relationships" xmlns:p="http://schemas.openxmlformats.org/presentationml/2006/main">
+  <p:cSld>
+    <p:spTree>
+      <p:nvGrpSpPr>
+        <p:cNvPr id="1" name=""/>
+        <p:cNvGrpSpPr/>
+        <p:nvPr/>
+      </p:nvGrpSpPr>
+      <p:grpSpPr>
+        <a:xfrm>
+          <a:off x="0" y="0"/>
+          <a:ext cx="0" cy="0"/>
+          <a:chOff x="0" y="0"/>
+          <a:chExt cx="0" cy="0"/>
+        </a:xfrm>
+      </p:grpSpPr>
+      <p:sp>
+        <p:nvSpPr>
+          <p:cNvPr id="2" name="Title 1"/>
+          <p:cNvSpPr>
+            <a:spLocks noGrp="1"/>
+          </p:cNvSpPr>
+          <p:nvPr>
+            <p:ph type="title"/>
+          </p:nvPr>
+        </p:nvSpPr>
+        <p:spPr/>
+        <p:txBody>
+          <a:bodyPr/>
+          <a:lstStyle/>
+          <a:p>
+            <a:r>
+              <a:rPr lang="en-US" dirty="0"/>
+              <a:t>What we will cover today?</a:t>
+            </a:r>
+            <a:endParaRPr lang="en-IN" sz="2900" dirty="0"/>
+          </a:p>
+        </p:txBody>
+      </p:sp>
+      <p:sp>
+        <p:nvSpPr>
+          <p:cNvPr id="6" name="Content Placeholder 2"/>
+          <p:cNvSpPr txBox="1">
+            <a:spLocks/>
+          </p:cNvSpPr>
+          <p:nvPr/>
+        </p:nvSpPr>
+        <p:spPr>
+          <a:xfrm>
+            <a:off x="1066800" y="990600"/>
+            <a:ext cx="7620000" cy="5105400"/>
+          </a:xfrm>
+          <a:prstGeom prst="rect">
+            <a:avLst/>
+          </a:prstGeom>
+        </p:spPr>
+        <p:txBody>
+          <a:bodyPr>
+            <a:noAutofit/>
+          </a:bodyPr>
+          <a:lstStyle>
+            <a:lvl1pPr marL="342900" indent="-342900" algn="l" defTabSz="914400" rtl="0" eaLnBrk="1" latinLnBrk="0" hangingPunct="1">
+              <a:spcBef>
+                <a:spcPct val="20000"/>
+              </a:spcBef>
+              <a:buFont typeface="Arial" pitchFamily="34" charset="0"/>
+              <a:buChar char="•"/>
+              <a:defRPr sz="3200" kern="1200">
+                <a:solidFill>
+                  <a:schemeClr val="tx1"/>
+                </a:solidFill>
+                <a:latin typeface="+mn-lt"/>
+                <a:ea typeface="+mn-ea"/>
+                <a:cs typeface="+mn-cs"/>
+              </a:defRPr>
+            </a:lvl1pPr>
+            <a:lvl2pPr marL="742950" indent="-285750" algn="l" defTabSz="914400" rtl="0" eaLnBrk="1" latinLnBrk="0" hangingPunct="1">
+              <a:spcBef>
+                <a:spcPct val="20000"/>
+              </a:spcBef>
+              <a:buFont typeface="Arial" pitchFamily="34" charset="0"/>
+              <a:buChar char="–"/>
+              <a:defRPr sz="2800" kern="1200">
+                <a:solidFill>
+                  <a:schemeClr val="tx1"/>
+                </a:solidFill>
+                <a:latin typeface="+mn-lt"/>
+                <a:ea typeface="+mn-ea"/>
+                <a:cs typeface="+mn-cs"/>
+              </a:defRPr>
+            </a:lvl2pPr>
+            <a:lvl3pPr marL="1143000" indent="-228600" algn="l" defTabSz="914400" rtl="0" eaLnBrk="1" latinLnBrk="0" hangingPunct="1">
+              <a:spcBef>
+                <a:spcPct val="20000"/>
+              </a:spcBef>
+              <a:buFont typeface="Arial" pitchFamily="34" charset="0"/>
+              <a:buChar char="•"/>
+              <a:defRPr sz="2400" kern="1200">
+                <a:solidFill>
+                  <a:schemeClr val="tx1"/>
+                </a:solidFill>
+                <a:latin typeface="+mn-lt"/>
+                <a:ea typeface="+mn-ea"/>
+                <a:cs typeface="+mn-cs"/>
+              </a:defRPr>
+            </a:lvl3pPr>
+            <a:lvl4pPr marL="1600200" indent="-228600" algn="l" defTabSz="914400" rtl="0" eaLnBrk="1" latinLnBrk="0" hangingPunct="1">
+              <a:spcBef>
+                <a:spcPct val="20000"/>
+              </a:spcBef>
+              <a:buFont typeface="Arial" pitchFamily="34" charset="0"/>
+              <a:buChar char="–"/>
+              <a:defRPr sz="2000" kern="1200">
+                <a:solidFill>
+                  <a:schemeClr val="tx1"/>
+                </a:solidFill>
+                <a:latin typeface="+mn-lt"/>
+                <a:ea typeface="+mn-ea"/>
+                <a:cs typeface="+mn-cs"/>
+              </a:defRPr>
+            </a:lvl4pPr>
+            <a:lvl5pPr marL="2057400" indent="-228600" algn="l" defTabSz="914400" rtl="0" eaLnBrk="1" latinLnBrk="0" hangingPunct="1">
+              <a:spcBef>
+                <a:spcPct val="20000"/>
+              </a:spcBef>
+              <a:buFont typeface="Arial" pitchFamily="34" charset="0"/>
+              <a:buChar char="»"/>
+              <a:defRPr sz="2000" kern="1200">
+                <a:solidFill>
+                  <a:schemeClr val="tx1"/>
+                </a:solidFill>
+                <a:latin typeface="+mn-lt"/>
+                <a:ea typeface="+mn-ea"/>
+                <a:cs typeface="+mn-cs"/>
+              </a:defRPr>
+            </a:lvl5pPr>
+            <a:lvl6pPr marL="2514600" indent="-228600" algn="l" defTabSz="914400" rtl="0" eaLnBrk="1" latinLnBrk="0" hangingPunct="1">
+              <a:spcBef>
+                <a:spcPct val="20000"/>
+              </a:spcBef>
+              <a:buFont typeface="Arial" pitchFamily="34" charset="0"/>
+              <a:buChar char="•"/>
+              <a:defRPr sz="2000" kern="1200">
+                <a:solidFill>
+                  <a:schemeClr val="tx1"/>
+                </a:solidFill>
+                <a:latin typeface="+mn-lt"/>
+                <a:ea typeface="+mn-ea"/>
+                <a:cs typeface="+mn-cs"/>
+              </a:defRPr>
+            </a:lvl6pPr>
+            <a:lvl7pPr marL="2971800" indent="-228600" algn="l" defTabSz="914400" rtl="0" eaLnBrk="1" latinLnBrk="0" hangingPunct="1">
+              <a:spcBef>
+                <a:spcPct val="20000"/>
+              </a:spcBef>
+              <a:buFont typeface="Arial" pitchFamily="34" charset="0"/>
+              <a:buChar char="•"/>
+              <a:defRPr sz="2000" kern="1200">
+                <a:solidFill>
+                  <a:schemeClr val="tx1"/>
+                </a:solidFill>
+                <a:latin typeface="+mn-lt"/>
+                <a:ea typeface="+mn-ea"/>
+                <a:cs typeface="+mn-cs"/>
+              </a:defRPr>
+            </a:lvl7pPr>
+            <a:lvl8pPr marL="3429000" indent="-228600" algn="l" defTabSz="914400" rtl="0" eaLnBrk="1" latinLnBrk="0" hangingPunct="1">
+              <a:spcBef>
+                <a:spcPct val="20000"/>
+              </a:spcBef>
+              <a:buFont typeface="Arial" pitchFamily="34" charset="0"/>
+              <a:buChar char="•"/>
+              <a:defRPr sz="2000" kern="1200">
+                <a:solidFill>
+                  <a:schemeClr val="tx1"/>
+                </a:solidFill>
+                <a:latin typeface="+mn-lt"/>
+                <a:ea typeface="+mn-ea"/>
+                <a:cs typeface="+mn-cs"/>
+              </a:defRPr>
+            </a:lvl8pPr>
+            <a:lvl9pPr marL="3886200" indent="-228600" algn="l" defTabSz="914400" rtl="0" eaLnBrk="1" latinLnBrk="0" hangingPunct="1">
+              <a:spcBef>
+                <a:spcPct val="20000"/>
+              </a:spcBef>
+              <a:buFont typeface="Arial" pitchFamily="34" charset="0"/>
+              <a:buChar char="•"/>
+              <a:defRPr sz="2000" kern="1200">
+                <a:solidFill>
+                  <a:schemeClr val="tx1"/>
+                </a:solidFill>
+                <a:latin typeface="+mn-lt"/>
+                <a:ea typeface="+mn-ea"/>
+                <a:cs typeface="+mn-cs"/>
+              </a:defRPr>
+            </a:lvl9pPr>
+          </a:lstStyle>
+          <a:p>
+            <a:pPr marL="0" indent="0">
+              <a:lnSpc>
+                <a:spcPct val="114000"/>
+              </a:lnSpc>
+              <a:spcBef>
+                <a:spcPts val="1800"/>
+              </a:spcBef>
+              <a:spcAft>
+                <a:spcPts val="1200"/>
+              </a:spcAft>
+              <a:buNone/>
+            </a:pPr>
+            <a:r>
+              <a:rPr lang="en-US" sz="2000" dirty="0">
+                <a:latin typeface="+mj-lt"/>
+              </a:rPr>
+              <a:t>Why Use Generics?</a:t>
+            </a:r>
+          </a:p>
+          <a:p>
+            <a:pPr marL="0" indent="0">
+              <a:lnSpc>
+                <a:spcPct val="114000"/>
+              </a:lnSpc>
+              <a:spcBef>
+                <a:spcPts val="1800"/>
+              </a:spcBef>
+              <a:spcAft>
+                <a:spcPts val="1200"/>
+              </a:spcAft>
+              <a:buNone/>
+            </a:pPr>
+            <a:r>
+              <a:rPr lang="en-US" sz="2000" dirty="0">
+                <a:latin typeface="+mj-lt"/>
+              </a:rPr>
+              <a:t>Benefits of Generics</a:t>
+            </a:r>
+          </a:p>
+          <a:p>
+            <a:pPr marL="0" indent="0">
+              <a:lnSpc>
+                <a:spcPct val="114000"/>
+              </a:lnSpc>
+              <a:spcBef>
+                <a:spcPts val="1800"/>
+              </a:spcBef>
+              <a:spcAft>
+                <a:spcPts val="1200"/>
+              </a:spcAft>
+              <a:buNone/>
+            </a:pPr>
+            <a:r>
+              <a:rPr lang="en-US" sz="2000" dirty="0">
+                <a:latin typeface="+mj-lt"/>
+              </a:rPr>
+              <a:t>Defining Generic Classes</a:t>
+            </a:r>
+          </a:p>
+          <a:p>
+            <a:pPr marL="0" indent="0">
+              <a:lnSpc>
+                <a:spcPct val="114000"/>
+              </a:lnSpc>
+              <a:spcBef>
+                <a:spcPts val="1800"/>
+              </a:spcBef>
+              <a:spcAft>
+                <a:spcPts val="1200"/>
+              </a:spcAft>
+              <a:buNone/>
+            </a:pPr>
+            <a:r>
+              <a:rPr lang="en-US" sz="2000" dirty="0">
+                <a:latin typeface="+mj-lt"/>
+              </a:rPr>
+              <a:t>Type Parameters</a:t>
+            </a:r>
+          </a:p>
+          <a:p>
+            <a:pPr marL="0" indent="0">
+              <a:lnSpc>
+                <a:spcPct val="114000"/>
+              </a:lnSpc>
+              <a:spcBef>
+                <a:spcPts val="1800"/>
+              </a:spcBef>
+              <a:spcAft>
+                <a:spcPts val="1200"/>
+              </a:spcAft>
+              <a:buNone/>
+            </a:pPr>
+            <a:r>
+              <a:rPr lang="en-US" sz="2000" dirty="0">
+                <a:latin typeface="+mj-lt"/>
+              </a:rPr>
+              <a:t>Creating Generic Methods</a:t>
+            </a:r>
+          </a:p>
+          <a:p>
+            <a:pPr marL="0" indent="0">
+              <a:lnSpc>
+                <a:spcPct val="114000"/>
+              </a:lnSpc>
+              <a:spcBef>
+                <a:spcPts val="1800"/>
+              </a:spcBef>
+              <a:spcAft>
+                <a:spcPts val="1200"/>
+              </a:spcAft>
+              <a:buNone/>
+            </a:pPr>
+            <a:r>
+              <a:rPr lang="en-US" sz="2000" dirty="0">
+                <a:latin typeface="+mj-lt"/>
+              </a:rPr>
+              <a:t>Bounded Type Parameters</a:t>
+            </a:r>
+          </a:p>
+          <a:p>
+            <a:pPr marL="0" indent="0">
+              <a:lnSpc>
+                <a:spcPct val="114000"/>
+              </a:lnSpc>
+              <a:spcBef>
+                <a:spcPts val="1800"/>
+              </a:spcBef>
+              <a:spcAft>
+                <a:spcPts val="1200"/>
+              </a:spcAft>
+              <a:buNone/>
+            </a:pPr>
+            <a:r>
+              <a:rPr lang="en-US" sz="2000" dirty="0">
+                <a:latin typeface="+mj-lt"/>
+              </a:rPr>
+              <a:t>Upper Bounded Wildcards</a:t>
+            </a:r>
+          </a:p>
+          <a:p>
+            <a:pPr marL="0" indent="0">
+              <a:lnSpc>
+                <a:spcPct val="114000"/>
+              </a:lnSpc>
+              <a:spcBef>
+                <a:spcPts val="1800"/>
+              </a:spcBef>
+              <a:spcAft>
+                <a:spcPts val="1200"/>
+              </a:spcAft>
+              <a:buNone/>
+            </a:pPr>
+            <a:r>
+              <a:rPr lang="en-US" sz="2000" dirty="0">
+                <a:latin typeface="+mj-lt"/>
+              </a:rPr>
+              <a:t>Lower Bounded Wildcards</a:t>
+            </a:r>
+          </a:p>
+          <a:p>
+            <a:pPr marL="0" indent="0">
+              <a:lnSpc>
+                <a:spcPct val="114000"/>
+              </a:lnSpc>
+              <a:spcBef>
+                <a:spcPts val="1800"/>
+              </a:spcBef>
+              <a:spcAft>
+                <a:spcPts val="1200"/>
+              </a:spcAft>
+              <a:buNone/>
+            </a:pPr>
+            <a:r>
+              <a:rPr lang="en-US" sz="2000" dirty="0">
+                <a:latin typeface="+mj-lt"/>
+              </a:rPr>
+              <a:t>Unbounded Wildcards</a:t>
+            </a:r>
+          </a:p>
+        </p:txBody>
+      </p:sp>
+    </p:spTree>
+    <p:extLst>
+      <p:ext uri="{BB962C8B-B14F-4D97-AF65-F5344CB8AC3E}">
+        <p14:creationId xmlns:p14="http://schemas.microsoft.com/office/powerpoint/2010/main" val="4050077597"/>
+      </p:ext>
+    </p:extLst>
+  </p:cSld>
+  <p:clrMapOvr>
+    <a:masterClrMapping/>
+  </p:clrMapOvr>
+  <mc:AlternateContent xmlns:mc="http://schemas.openxmlformats.org/markup-compatibility/2006" xmlns:p14="http://schemas.microsoft.com/office/powerpoint/2010/main">
+    <mc:Choice Requires="p14">
+      <p:transition spd="med" p14:dur="700">
+        <p:fade/>
+      </p:transition>
+    </mc:Choice>
+    <mc:Fallback xmlns="">
+      <p:transition spd="med">
+        <p:fade/>
+      </p:transition>
+    </mc:Fallback>
+  </mc:AlternateContent>
+</p:sld>
+</file>
+
+<file path=ppt/slides/slide20.xml><?xml version="1.0" encoding="utf-8"?>
+<p:sld xmlns:a="http://schemas.openxmlformats.org/drawingml/2006/main" xmlns:r="http://schemas.openxmlformats.org/officeDocument/2006/relationships" xmlns:p="http://schemas.openxmlformats.org/presentationml/2006/main">
+  <p:cSld>
+    <p:spTree>
+      <p:nvGrpSpPr>
+        <p:cNvPr id="1" name=""/>
+        <p:cNvGrpSpPr/>
+        <p:nvPr/>
+      </p:nvGrpSpPr>
+      <p:grpSpPr>
+        <a:xfrm>
+          <a:off x="0" y="0"/>
+          <a:ext cx="0" cy="0"/>
+          <a:chOff x="0" y="0"/>
+          <a:chExt cx="0" cy="0"/>
+        </a:xfrm>
+      </p:grpSpPr>
+      <p:sp>
+        <p:nvSpPr>
+          <p:cNvPr id="2" name="Title 1"/>
+          <p:cNvSpPr>
+            <a:spLocks noGrp="1"/>
+          </p:cNvSpPr>
+          <p:nvPr>
+            <p:ph type="title"/>
+          </p:nvPr>
+        </p:nvSpPr>
+        <p:spPr>
+          <a:xfrm>
+            <a:off x="228600" y="228600"/>
+            <a:ext cx="6629400" cy="609599"/>
+          </a:xfrm>
+        </p:spPr>
+        <p:txBody>
+          <a:bodyPr>
+            <a:normAutofit/>
+          </a:bodyPr>
+          <a:lstStyle/>
+          <a:p>
+            <a:pPr algn="l"/>
+            <a:r>
+              <a:rPr lang="en-IN" b="1" i="0" dirty="0">
+                <a:solidFill>
+                  <a:srgbClr val="25265E"/>
+                </a:solidFill>
+                <a:effectLst/>
+                <a:latin typeface="euclid_circular_a"/>
+              </a:rPr>
+              <a:t>Lower Bounded Wildcards</a:t>
+            </a:r>
+          </a:p>
+        </p:txBody>
+      </p:sp>
+      <p:sp>
+        <p:nvSpPr>
+          <p:cNvPr id="6" name="Content Placeholder 2">
+            <a:extLst>
+              <a:ext uri="{FF2B5EF4-FFF2-40B4-BE49-F238E27FC236}">
+                <a16:creationId xmlns:a16="http://schemas.microsoft.com/office/drawing/2014/main" id="{17AA01B4-C800-309E-CFA5-FEFF791D4537}"/>
+              </a:ext>
+            </a:extLst>
+          </p:cNvPr>
+          <p:cNvSpPr txBox="1">
+            <a:spLocks/>
+          </p:cNvSpPr>
+          <p:nvPr/>
+        </p:nvSpPr>
+        <p:spPr>
+          <a:xfrm>
+            <a:off x="381000" y="838199"/>
+            <a:ext cx="8534400" cy="5791201"/>
+          </a:xfrm>
+          <a:prstGeom prst="rect">
+            <a:avLst/>
+          </a:prstGeom>
+        </p:spPr>
+        <p:txBody>
+          <a:bodyPr vert="horz" lIns="91440" tIns="45720" rIns="91440" bIns="45720" rtlCol="0">
+            <a:noAutofit/>
+          </a:bodyPr>
+          <a:lstStyle>
+            <a:lvl1pPr marL="342900" indent="-342900" algn="l" defTabSz="914400" rtl="0" eaLnBrk="1" latinLnBrk="0" hangingPunct="1">
+              <a:spcBef>
+                <a:spcPct val="20000"/>
+              </a:spcBef>
+              <a:buFont typeface="Wingdings" pitchFamily="2" charset="2"/>
+              <a:buChar char="§"/>
+              <a:defRPr sz="1800" kern="1200">
+                <a:solidFill>
+                  <a:srgbClr val="4D4D4D"/>
+                </a:solidFill>
+                <a:latin typeface="Arial" panose="020B0604020202020204" pitchFamily="34" charset="0"/>
+                <a:ea typeface="+mn-ea"/>
+                <a:cs typeface="Arial" panose="020B0604020202020204" pitchFamily="34" charset="0"/>
+              </a:defRPr>
+            </a:lvl1pPr>
+            <a:lvl2pPr marL="742950" indent="-285750" algn="l" defTabSz="914400" rtl="0" eaLnBrk="1" latinLnBrk="0" hangingPunct="1">
+              <a:spcBef>
+                <a:spcPct val="20000"/>
+              </a:spcBef>
+              <a:buFont typeface="Arial" pitchFamily="34" charset="0"/>
+              <a:buChar char="•"/>
+              <a:defRPr sz="1600" kern="1200">
+                <a:solidFill>
+                  <a:srgbClr val="4D4D4D"/>
+                </a:solidFill>
+                <a:latin typeface="Arial" panose="020B0604020202020204" pitchFamily="34" charset="0"/>
+                <a:ea typeface="+mn-ea"/>
+                <a:cs typeface="Arial" panose="020B0604020202020204" pitchFamily="34" charset="0"/>
+              </a:defRPr>
+            </a:lvl2pPr>
+            <a:lvl3pPr marL="1143000" indent="-228600" algn="l" defTabSz="914400" rtl="0" eaLnBrk="1" latinLnBrk="0" hangingPunct="1">
+              <a:spcBef>
+                <a:spcPct val="20000"/>
+              </a:spcBef>
+              <a:buFont typeface="Courier New" pitchFamily="49" charset="0"/>
+              <a:buChar char="o"/>
+              <a:defRPr sz="1600" kern="1200">
+                <a:solidFill>
+                  <a:srgbClr val="4D4D4D"/>
+                </a:solidFill>
+                <a:latin typeface="Arial" panose="020B0604020202020204" pitchFamily="34" charset="0"/>
+                <a:ea typeface="+mn-ea"/>
+                <a:cs typeface="Arial" panose="020B0604020202020204" pitchFamily="34" charset="0"/>
+              </a:defRPr>
+            </a:lvl3pPr>
+            <a:lvl4pPr marL="1600200" indent="-228600" algn="l" defTabSz="914400" rtl="0" eaLnBrk="1" latinLnBrk="0" hangingPunct="1">
+              <a:spcBef>
+                <a:spcPct val="20000"/>
+              </a:spcBef>
+              <a:buFont typeface="Arial" pitchFamily="34" charset="0"/>
+              <a:buChar char="–"/>
+              <a:defRPr sz="1600" kern="1200">
+                <a:solidFill>
+                  <a:srgbClr val="4D4D4D"/>
+                </a:solidFill>
+                <a:latin typeface="Arial" panose="020B0604020202020204" pitchFamily="34" charset="0"/>
+                <a:ea typeface="+mn-ea"/>
+                <a:cs typeface="Arial" panose="020B0604020202020204" pitchFamily="34" charset="0"/>
+              </a:defRPr>
+            </a:lvl4pPr>
+            <a:lvl5pPr marL="2057400" indent="-228600" algn="l" defTabSz="914400" rtl="0" eaLnBrk="1" latinLnBrk="0" hangingPunct="1">
+              <a:spcBef>
+                <a:spcPct val="20000"/>
+              </a:spcBef>
+              <a:buFont typeface="Arial" pitchFamily="34" charset="0"/>
+              <a:buChar char="»"/>
+              <a:defRPr sz="1600" kern="1200">
+                <a:solidFill>
+                  <a:srgbClr val="4D4D4D"/>
+                </a:solidFill>
+                <a:latin typeface="Arial" panose="020B0604020202020204" pitchFamily="34" charset="0"/>
+                <a:ea typeface="+mn-ea"/>
+                <a:cs typeface="Arial" panose="020B0604020202020204" pitchFamily="34" charset="0"/>
+              </a:defRPr>
+            </a:lvl5pPr>
+            <a:lvl6pPr marL="2514600" indent="-228600" algn="l" defTabSz="914400" rtl="0" eaLnBrk="1" latinLnBrk="0" hangingPunct="1">
+              <a:spcBef>
+                <a:spcPct val="20000"/>
+              </a:spcBef>
+              <a:buFont typeface="Arial" pitchFamily="34" charset="0"/>
+              <a:buChar char="•"/>
+              <a:defRPr sz="2000" kern="1200">
+                <a:solidFill>
+                  <a:schemeClr val="tx1"/>
+                </a:solidFill>
+                <a:latin typeface="+mn-lt"/>
+                <a:ea typeface="+mn-ea"/>
+                <a:cs typeface="+mn-cs"/>
+              </a:defRPr>
+            </a:lvl6pPr>
+            <a:lvl7pPr marL="2971800" indent="-228600" algn="l" defTabSz="914400" rtl="0" eaLnBrk="1" latinLnBrk="0" hangingPunct="1">
+              <a:spcBef>
+                <a:spcPct val="20000"/>
+              </a:spcBef>
+              <a:buFont typeface="Arial" pitchFamily="34" charset="0"/>
+              <a:buChar char="•"/>
+              <a:defRPr sz="2000" kern="1200">
+                <a:solidFill>
+                  <a:schemeClr val="tx1"/>
+                </a:solidFill>
+                <a:latin typeface="+mn-lt"/>
+                <a:ea typeface="+mn-ea"/>
+                <a:cs typeface="+mn-cs"/>
+              </a:defRPr>
+            </a:lvl7pPr>
+            <a:lvl8pPr marL="3429000" indent="-228600" algn="l" defTabSz="914400" rtl="0" eaLnBrk="1" latinLnBrk="0" hangingPunct="1">
+              <a:spcBef>
+                <a:spcPct val="20000"/>
+              </a:spcBef>
+              <a:buFont typeface="Arial" pitchFamily="34" charset="0"/>
+              <a:buChar char="•"/>
+              <a:defRPr sz="2000" kern="1200">
+                <a:solidFill>
+                  <a:schemeClr val="tx1"/>
+                </a:solidFill>
+                <a:latin typeface="+mn-lt"/>
+                <a:ea typeface="+mn-ea"/>
+                <a:cs typeface="+mn-cs"/>
+              </a:defRPr>
+            </a:lvl8pPr>
+            <a:lvl9pPr marL="3886200" indent="-228600" algn="l" defTabSz="914400" rtl="0" eaLnBrk="1" latinLnBrk="0" hangingPunct="1">
+              <a:spcBef>
+                <a:spcPct val="20000"/>
+              </a:spcBef>
+              <a:buFont typeface="Arial" pitchFamily="34" charset="0"/>
+              <a:buChar char="•"/>
+              <a:defRPr sz="2000" kern="1200">
+                <a:solidFill>
+                  <a:schemeClr val="tx1"/>
+                </a:solidFill>
+                <a:latin typeface="+mn-lt"/>
+                <a:ea typeface="+mn-ea"/>
+                <a:cs typeface="+mn-cs"/>
+              </a:defRPr>
+            </a:lvl9pPr>
+          </a:lstStyle>
+          <a:p>
+            <a:r>
+              <a:rPr lang="en-IN" sz="2100" dirty="0">
+                <a:solidFill>
+                  <a:schemeClr val="tx1">
+                    <a:lumMod val="75000"/>
+                    <a:lumOff val="25000"/>
+                  </a:schemeClr>
+                </a:solidFill>
+                <a:latin typeface="+mn-lt"/>
+                <a:cs typeface="+mn-cs"/>
+              </a:rPr>
+              <a:t>Imagine a situation where you want to expand the scope of a type. </a:t>
+            </a:r>
+          </a:p>
+          <a:p>
+            <a:r>
+              <a:rPr lang="en-IN" sz="2100" dirty="0">
+                <a:solidFill>
+                  <a:schemeClr val="tx1">
+                    <a:lumMod val="75000"/>
+                    <a:lumOff val="25000"/>
+                  </a:schemeClr>
+                </a:solidFill>
+                <a:latin typeface="+mn-lt"/>
+                <a:cs typeface="+mn-cs"/>
+              </a:rPr>
+              <a:t>For example, you want to accept Integer but at the same time, you want to accept Number and Object too. How would you do this?</a:t>
+            </a:r>
+          </a:p>
+          <a:p>
+            <a:r>
+              <a:rPr lang="en-IN" sz="2100" dirty="0">
+                <a:solidFill>
+                  <a:schemeClr val="tx1">
+                    <a:lumMod val="75000"/>
+                    <a:lumOff val="25000"/>
+                  </a:schemeClr>
+                </a:solidFill>
+                <a:latin typeface="+mn-lt"/>
+                <a:cs typeface="+mn-cs"/>
+              </a:rPr>
+              <a:t>Enter Lower bounded wildcard.</a:t>
+            </a:r>
+          </a:p>
+          <a:p>
+            <a:r>
+              <a:rPr lang="en-IN" sz="2100" dirty="0">
+                <a:solidFill>
+                  <a:schemeClr val="tx1">
+                    <a:lumMod val="75000"/>
+                    <a:lumOff val="25000"/>
+                  </a:schemeClr>
+                </a:solidFill>
+                <a:latin typeface="+mn-lt"/>
+                <a:cs typeface="+mn-cs"/>
+              </a:rPr>
+              <a:t>These are used to widen the scope of a type of variable. </a:t>
+            </a:r>
+          </a:p>
+          <a:p>
+            <a:r>
+              <a:rPr lang="en-IN" sz="2100" dirty="0">
+                <a:solidFill>
+                  <a:schemeClr val="tx1">
+                    <a:lumMod val="75000"/>
+                    <a:lumOff val="25000"/>
+                  </a:schemeClr>
+                </a:solidFill>
+                <a:latin typeface="+mn-lt"/>
+                <a:cs typeface="+mn-cs"/>
+              </a:rPr>
+              <a:t>Using this we can pass the lower bound and its supertypes. The way we do this is again by using a "?" operator followed by the super keyword and then the lower bound class.</a:t>
+            </a:r>
+          </a:p>
+        </p:txBody>
+      </p:sp>
+    </p:spTree>
+    <p:extLst>
+      <p:ext uri="{BB962C8B-B14F-4D97-AF65-F5344CB8AC3E}">
+        <p14:creationId xmlns:p14="http://schemas.microsoft.com/office/powerpoint/2010/main" val="4149746892"/>
+      </p:ext>
+    </p:extLst>
+  </p:cSld>
+  <p:clrMapOvr>
+    <a:masterClrMapping/>
+  </p:clrMapOvr>
+  <p:transition>
+    <p:fade/>
+  </p:transition>
+</p:sld>
+</file>
+
+<file path=ppt/slides/slide21.xml><?xml version="1.0" encoding="utf-8"?>
+<p:sld xmlns:a="http://schemas.openxmlformats.org/drawingml/2006/main" xmlns:r="http://schemas.openxmlformats.org/officeDocument/2006/relationships" xmlns:p="http://schemas.openxmlformats.org/presentationml/2006/main">
+  <p:cSld>
+    <p:spTree>
+      <p:nvGrpSpPr>
+        <p:cNvPr id="1" name=""/>
+        <p:cNvGrpSpPr/>
+        <p:nvPr/>
+      </p:nvGrpSpPr>
+      <p:grpSpPr>
+        <a:xfrm>
+          <a:off x="0" y="0"/>
+          <a:ext cx="0" cy="0"/>
+          <a:chOff x="0" y="0"/>
+          <a:chExt cx="0" cy="0"/>
+        </a:xfrm>
+      </p:grpSpPr>
+      <p:sp>
+        <p:nvSpPr>
+          <p:cNvPr id="2" name="Title 1"/>
+          <p:cNvSpPr>
+            <a:spLocks noGrp="1"/>
+          </p:cNvSpPr>
+          <p:nvPr>
+            <p:ph type="title"/>
+          </p:nvPr>
+        </p:nvSpPr>
+        <p:spPr>
+          <a:xfrm>
+            <a:off x="228600" y="228600"/>
+            <a:ext cx="6629400" cy="609599"/>
+          </a:xfrm>
+        </p:spPr>
+        <p:txBody>
+          <a:bodyPr>
+            <a:normAutofit/>
+          </a:bodyPr>
+          <a:lstStyle/>
+          <a:p>
+            <a:pPr algn="l"/>
+            <a:r>
+              <a:rPr lang="en-IN" b="1" i="0" dirty="0">
+                <a:solidFill>
+                  <a:srgbClr val="25265E"/>
+                </a:solidFill>
+                <a:effectLst/>
+                <a:latin typeface="euclid_circular_a"/>
+              </a:rPr>
+              <a:t>Lower Bounded Wildcards Example</a:t>
+            </a:r>
+          </a:p>
+        </p:txBody>
+      </p:sp>
+      <p:sp>
+        <p:nvSpPr>
+          <p:cNvPr id="6" name="Content Placeholder 2">
+            <a:extLst>
+              <a:ext uri="{FF2B5EF4-FFF2-40B4-BE49-F238E27FC236}">
+                <a16:creationId xmlns:a16="http://schemas.microsoft.com/office/drawing/2014/main" id="{17AA01B4-C800-309E-CFA5-FEFF791D4537}"/>
+              </a:ext>
+            </a:extLst>
+          </p:cNvPr>
+          <p:cNvSpPr txBox="1">
+            <a:spLocks/>
+          </p:cNvSpPr>
+          <p:nvPr/>
+        </p:nvSpPr>
+        <p:spPr>
+          <a:xfrm>
+            <a:off x="381000" y="838199"/>
+            <a:ext cx="8534400" cy="5791201"/>
+          </a:xfrm>
+          <a:prstGeom prst="rect">
+            <a:avLst/>
+          </a:prstGeom>
+        </p:spPr>
+        <p:txBody>
+          <a:bodyPr vert="horz" lIns="91440" tIns="45720" rIns="91440" bIns="45720" rtlCol="0">
+            <a:noAutofit/>
+          </a:bodyPr>
+          <a:lstStyle>
+            <a:lvl1pPr marL="342900" indent="-342900" algn="l" defTabSz="914400" rtl="0" eaLnBrk="1" latinLnBrk="0" hangingPunct="1">
+              <a:spcBef>
+                <a:spcPct val="20000"/>
+              </a:spcBef>
+              <a:buFont typeface="Wingdings" pitchFamily="2" charset="2"/>
+              <a:buChar char="§"/>
+              <a:defRPr sz="1800" kern="1200">
+                <a:solidFill>
+                  <a:srgbClr val="4D4D4D"/>
+                </a:solidFill>
+                <a:latin typeface="Arial" panose="020B0604020202020204" pitchFamily="34" charset="0"/>
+                <a:ea typeface="+mn-ea"/>
+                <a:cs typeface="Arial" panose="020B0604020202020204" pitchFamily="34" charset="0"/>
+              </a:defRPr>
+            </a:lvl1pPr>
+            <a:lvl2pPr marL="742950" indent="-285750" algn="l" defTabSz="914400" rtl="0" eaLnBrk="1" latinLnBrk="0" hangingPunct="1">
+              <a:spcBef>
+                <a:spcPct val="20000"/>
+              </a:spcBef>
+              <a:buFont typeface="Arial" pitchFamily="34" charset="0"/>
+              <a:buChar char="•"/>
+              <a:defRPr sz="1600" kern="1200">
+                <a:solidFill>
+                  <a:srgbClr val="4D4D4D"/>
+                </a:solidFill>
+                <a:latin typeface="Arial" panose="020B0604020202020204" pitchFamily="34" charset="0"/>
+                <a:ea typeface="+mn-ea"/>
+                <a:cs typeface="Arial" panose="020B0604020202020204" pitchFamily="34" charset="0"/>
+              </a:defRPr>
+            </a:lvl2pPr>
+            <a:lvl3pPr marL="1143000" indent="-228600" algn="l" defTabSz="914400" rtl="0" eaLnBrk="1" latinLnBrk="0" hangingPunct="1">
+              <a:spcBef>
+                <a:spcPct val="20000"/>
+              </a:spcBef>
+              <a:buFont typeface="Courier New" pitchFamily="49" charset="0"/>
+              <a:buChar char="o"/>
+              <a:defRPr sz="1600" kern="1200">
+                <a:solidFill>
+                  <a:srgbClr val="4D4D4D"/>
+                </a:solidFill>
+                <a:latin typeface="Arial" panose="020B0604020202020204" pitchFamily="34" charset="0"/>
+                <a:ea typeface="+mn-ea"/>
+                <a:cs typeface="Arial" panose="020B0604020202020204" pitchFamily="34" charset="0"/>
+              </a:defRPr>
+            </a:lvl3pPr>
+            <a:lvl4pPr marL="1600200" indent="-228600" algn="l" defTabSz="914400" rtl="0" eaLnBrk="1" latinLnBrk="0" hangingPunct="1">
+              <a:spcBef>
+                <a:spcPct val="20000"/>
+              </a:spcBef>
+              <a:buFont typeface="Arial" pitchFamily="34" charset="0"/>
+              <a:buChar char="–"/>
+              <a:defRPr sz="1600" kern="1200">
+                <a:solidFill>
+                  <a:srgbClr val="4D4D4D"/>
+                </a:solidFill>
+                <a:latin typeface="Arial" panose="020B0604020202020204" pitchFamily="34" charset="0"/>
+                <a:ea typeface="+mn-ea"/>
+                <a:cs typeface="Arial" panose="020B0604020202020204" pitchFamily="34" charset="0"/>
+              </a:defRPr>
+            </a:lvl4pPr>
+            <a:lvl5pPr marL="2057400" indent="-228600" algn="l" defTabSz="914400" rtl="0" eaLnBrk="1" latinLnBrk="0" hangingPunct="1">
+              <a:spcBef>
+                <a:spcPct val="20000"/>
+              </a:spcBef>
+              <a:buFont typeface="Arial" pitchFamily="34" charset="0"/>
+              <a:buChar char="»"/>
+              <a:defRPr sz="1600" kern="1200">
+                <a:solidFill>
+                  <a:srgbClr val="4D4D4D"/>
+                </a:solidFill>
+                <a:latin typeface="Arial" panose="020B0604020202020204" pitchFamily="34" charset="0"/>
+                <a:ea typeface="+mn-ea"/>
+                <a:cs typeface="Arial" panose="020B0604020202020204" pitchFamily="34" charset="0"/>
+              </a:defRPr>
+            </a:lvl5pPr>
+            <a:lvl6pPr marL="2514600" indent="-228600" algn="l" defTabSz="914400" rtl="0" eaLnBrk="1" latinLnBrk="0" hangingPunct="1">
+              <a:spcBef>
+                <a:spcPct val="20000"/>
+              </a:spcBef>
+              <a:buFont typeface="Arial" pitchFamily="34" charset="0"/>
+              <a:buChar char="•"/>
+              <a:defRPr sz="2000" kern="1200">
+                <a:solidFill>
+                  <a:schemeClr val="tx1"/>
+                </a:solidFill>
+                <a:latin typeface="+mn-lt"/>
+                <a:ea typeface="+mn-ea"/>
+                <a:cs typeface="+mn-cs"/>
+              </a:defRPr>
+            </a:lvl6pPr>
+            <a:lvl7pPr marL="2971800" indent="-228600" algn="l" defTabSz="914400" rtl="0" eaLnBrk="1" latinLnBrk="0" hangingPunct="1">
+              <a:spcBef>
+                <a:spcPct val="20000"/>
+              </a:spcBef>
+              <a:buFont typeface="Arial" pitchFamily="34" charset="0"/>
+              <a:buChar char="•"/>
+              <a:defRPr sz="2000" kern="1200">
+                <a:solidFill>
+                  <a:schemeClr val="tx1"/>
+                </a:solidFill>
+                <a:latin typeface="+mn-lt"/>
+                <a:ea typeface="+mn-ea"/>
+                <a:cs typeface="+mn-cs"/>
+              </a:defRPr>
+            </a:lvl7pPr>
+            <a:lvl8pPr marL="3429000" indent="-228600" algn="l" defTabSz="914400" rtl="0" eaLnBrk="1" latinLnBrk="0" hangingPunct="1">
+              <a:spcBef>
+                <a:spcPct val="20000"/>
+              </a:spcBef>
+              <a:buFont typeface="Arial" pitchFamily="34" charset="0"/>
+              <a:buChar char="•"/>
+              <a:defRPr sz="2000" kern="1200">
+                <a:solidFill>
+                  <a:schemeClr val="tx1"/>
+                </a:solidFill>
+                <a:latin typeface="+mn-lt"/>
+                <a:ea typeface="+mn-ea"/>
+                <a:cs typeface="+mn-cs"/>
+              </a:defRPr>
+            </a:lvl8pPr>
+            <a:lvl9pPr marL="3886200" indent="-228600" algn="l" defTabSz="914400" rtl="0" eaLnBrk="1" latinLnBrk="0" hangingPunct="1">
+              <a:spcBef>
+                <a:spcPct val="20000"/>
+              </a:spcBef>
+              <a:buFont typeface="Arial" pitchFamily="34" charset="0"/>
+              <a:buChar char="•"/>
+              <a:defRPr sz="2000" kern="1200">
+                <a:solidFill>
+                  <a:schemeClr val="tx1"/>
+                </a:solidFill>
+                <a:latin typeface="+mn-lt"/>
+                <a:ea typeface="+mn-ea"/>
+                <a:cs typeface="+mn-cs"/>
+              </a:defRPr>
+            </a:lvl9pPr>
+          </a:lstStyle>
+          <a:p>
+            <a:endParaRPr lang="en-IN" sz="2100" dirty="0">
+              <a:solidFill>
+                <a:schemeClr val="tx1">
+                  <a:lumMod val="75000"/>
+                  <a:lumOff val="25000"/>
+                </a:schemeClr>
+              </a:solidFill>
+              <a:latin typeface="+mn-lt"/>
+              <a:cs typeface="+mn-cs"/>
+            </a:endParaRPr>
+          </a:p>
+        </p:txBody>
+      </p:sp>
+      <p:sp>
+        <p:nvSpPr>
+          <p:cNvPr id="5" name="TextBox 4">
+            <a:extLst>
+              <a:ext uri="{FF2B5EF4-FFF2-40B4-BE49-F238E27FC236}">
+                <a16:creationId xmlns:a16="http://schemas.microsoft.com/office/drawing/2014/main" id="{C741E657-6E62-448D-4707-A30EADAEBADD}"/>
+              </a:ext>
+            </a:extLst>
+          </p:cNvPr>
+          <p:cNvSpPr txBox="1"/>
+          <p:nvPr/>
+        </p:nvSpPr>
+        <p:spPr>
+          <a:xfrm>
+            <a:off x="800100" y="1295400"/>
+            <a:ext cx="7696200" cy="4524315"/>
+          </a:xfrm>
+          <a:prstGeom prst="rect">
+            <a:avLst/>
+          </a:prstGeom>
+          <a:noFill/>
+        </p:spPr>
+        <p:txBody>
+          <a:bodyPr wrap="square">
+            <a:spAutoFit/>
+          </a:bodyPr>
+          <a:lstStyle/>
+          <a:p>
+            <a:r>
+              <a:rPr lang="en-US" dirty="0"/>
+              <a:t>public class </a:t>
+            </a:r>
+            <a:r>
+              <a:rPr lang="en-US" dirty="0" err="1"/>
+              <a:t>LowerBound</a:t>
+            </a:r>
+            <a:r>
+              <a:rPr lang="en-US" dirty="0"/>
+              <a:t> {</a:t>
+            </a:r>
+          </a:p>
+          <a:p>
+            <a:r>
+              <a:rPr lang="en-US" dirty="0"/>
+              <a:t>    public static void main(String[] </a:t>
+            </a:r>
+            <a:r>
+              <a:rPr lang="en-US" dirty="0" err="1"/>
+              <a:t>args</a:t>
+            </a:r>
+            <a:r>
+              <a:rPr lang="en-US" dirty="0"/>
+              <a:t>) {</a:t>
+            </a:r>
+          </a:p>
+          <a:p>
+            <a:r>
+              <a:rPr lang="en-US" dirty="0"/>
+              <a:t>    //Lower Bounded Integer List</a:t>
+            </a:r>
+          </a:p>
+          <a:p>
+            <a:r>
+              <a:rPr lang="en-US" dirty="0"/>
+              <a:t>    List&lt;Integer&gt; </a:t>
+            </a:r>
+            <a:r>
+              <a:rPr lang="en-US" dirty="0" err="1"/>
+              <a:t>intList</a:t>
+            </a:r>
+            <a:r>
+              <a:rPr lang="en-US" dirty="0"/>
+              <a:t> = </a:t>
+            </a:r>
+            <a:r>
+              <a:rPr lang="en-US" dirty="0" err="1"/>
+              <a:t>Arrays.asList</a:t>
+            </a:r>
+            <a:r>
+              <a:rPr lang="en-US" dirty="0"/>
+              <a:t>(10, 20, 30, 40);</a:t>
+            </a:r>
+          </a:p>
+          <a:p>
+            <a:r>
+              <a:rPr lang="en-US" dirty="0"/>
+              <a:t>    //Passing Integer list object</a:t>
+            </a:r>
+          </a:p>
+          <a:p>
+            <a:r>
+              <a:rPr lang="en-US" dirty="0"/>
+              <a:t>    </a:t>
+            </a:r>
+            <a:r>
+              <a:rPr lang="en-US" dirty="0" err="1"/>
+              <a:t>printOnlyIntegerClassorSuperClass</a:t>
+            </a:r>
+            <a:r>
+              <a:rPr lang="en-US" dirty="0"/>
+              <a:t>(</a:t>
+            </a:r>
+            <a:r>
+              <a:rPr lang="en-US" dirty="0" err="1"/>
+              <a:t>intList</a:t>
+            </a:r>
+            <a:r>
+              <a:rPr lang="en-US" dirty="0"/>
+              <a:t>);</a:t>
+            </a:r>
+          </a:p>
+          <a:p>
+            <a:r>
+              <a:rPr lang="en-US" dirty="0"/>
+              <a:t>    //Number list</a:t>
+            </a:r>
+          </a:p>
+          <a:p>
+            <a:r>
+              <a:rPr lang="en-US" dirty="0"/>
+              <a:t>    List&lt;Number&gt; </a:t>
+            </a:r>
+            <a:r>
+              <a:rPr lang="en-US" dirty="0" err="1"/>
+              <a:t>numberList</a:t>
+            </a:r>
+            <a:r>
+              <a:rPr lang="en-US" dirty="0"/>
+              <a:t> = </a:t>
+            </a:r>
+            <a:r>
+              <a:rPr lang="en-US" dirty="0" err="1"/>
+              <a:t>Arrays.asList</a:t>
+            </a:r>
+            <a:r>
+              <a:rPr lang="en-US" dirty="0"/>
+              <a:t>(10, 20, 30, 50);</a:t>
+            </a:r>
+          </a:p>
+          <a:p>
+            <a:r>
+              <a:rPr lang="en-US" dirty="0"/>
+              <a:t>    //Passing Integer list object</a:t>
+            </a:r>
+          </a:p>
+          <a:p>
+            <a:r>
+              <a:rPr lang="en-US" dirty="0"/>
+              <a:t>    </a:t>
+            </a:r>
+            <a:r>
+              <a:rPr lang="en-US" dirty="0" err="1"/>
+              <a:t>printOnlyIntegerClassor</a:t>
+            </a:r>
+            <a:r>
+              <a:rPr lang="en-US" dirty="0"/>
+              <a:t> </a:t>
+            </a:r>
+            <a:r>
+              <a:rPr lang="en-US" dirty="0" err="1"/>
+              <a:t>SuperClass</a:t>
+            </a:r>
+            <a:r>
+              <a:rPr lang="en-US" dirty="0"/>
+              <a:t>(</a:t>
+            </a:r>
+            <a:r>
+              <a:rPr lang="en-US" dirty="0" err="1"/>
+              <a:t>numberList</a:t>
+            </a:r>
+            <a:r>
+              <a:rPr lang="en-US" dirty="0"/>
+              <a:t>);</a:t>
+            </a:r>
+          </a:p>
+          <a:p>
+            <a:r>
+              <a:rPr lang="en-US" dirty="0"/>
+              <a:t>    }    </a:t>
+            </a:r>
+          </a:p>
+          <a:p>
+            <a:r>
+              <a:rPr lang="en-US" dirty="0"/>
+              <a:t>public static void </a:t>
+            </a:r>
+            <a:r>
+              <a:rPr lang="en-US" dirty="0" err="1"/>
+              <a:t>printOnlyIntegerClassorSuperClass</a:t>
+            </a:r>
+            <a:r>
+              <a:rPr lang="en-US" dirty="0"/>
+              <a:t>(List&lt;? super Integer&gt; list) {</a:t>
+            </a:r>
+          </a:p>
+          <a:p>
+            <a:r>
+              <a:rPr lang="en-US" dirty="0"/>
+              <a:t>        </a:t>
+            </a:r>
+            <a:r>
+              <a:rPr lang="en-US" dirty="0" err="1"/>
+              <a:t>System.out.println</a:t>
+            </a:r>
+            <a:r>
+              <a:rPr lang="en-US" dirty="0"/>
+              <a:t>(list);</a:t>
+            </a:r>
+          </a:p>
+          <a:p>
+            <a:r>
+              <a:rPr lang="en-US" dirty="0"/>
+              <a:t>    }</a:t>
+            </a:r>
+          </a:p>
+          <a:p>
+            <a:r>
+              <a:rPr lang="en-US" dirty="0"/>
+              <a:t>}</a:t>
+            </a:r>
+          </a:p>
+          <a:p>
+            <a:endParaRPr lang="en-US" dirty="0"/>
+          </a:p>
+        </p:txBody>
+      </p:sp>
+    </p:spTree>
+    <p:extLst>
+      <p:ext uri="{BB962C8B-B14F-4D97-AF65-F5344CB8AC3E}">
+        <p14:creationId xmlns:p14="http://schemas.microsoft.com/office/powerpoint/2010/main" val="3623480027"/>
+      </p:ext>
+    </p:extLst>
+  </p:cSld>
+  <p:clrMapOvr>
+    <a:masterClrMapping/>
+  </p:clrMapOvr>
+  <p:transition>
+    <p:fade/>
+  </p:transition>
+</p:sld>
+</file>
+
+<file path=ppt/slides/slide22.xml><?xml version="1.0" encoding="utf-8"?>
+<p:sld xmlns:a="http://schemas.openxmlformats.org/drawingml/2006/main" xmlns:r="http://schemas.openxmlformats.org/officeDocument/2006/relationships" xmlns:p="http://schemas.openxmlformats.org/presentationml/2006/main">
+  <p:cSld>
+    <p:spTree>
+      <p:nvGrpSpPr>
+        <p:cNvPr id="1" name=""/>
+        <p:cNvGrpSpPr/>
+        <p:nvPr/>
+      </p:nvGrpSpPr>
+      <p:grpSpPr>
+        <a:xfrm>
+          <a:off x="0" y="0"/>
+          <a:ext cx="0" cy="0"/>
+          <a:chOff x="0" y="0"/>
+          <a:chExt cx="0" cy="0"/>
+        </a:xfrm>
+      </p:grpSpPr>
+      <p:sp>
+        <p:nvSpPr>
+          <p:cNvPr id="2" name="Title 1"/>
+          <p:cNvSpPr>
+            <a:spLocks noGrp="1"/>
+          </p:cNvSpPr>
+          <p:nvPr>
+            <p:ph type="title"/>
+          </p:nvPr>
+        </p:nvSpPr>
+        <p:spPr>
+          <a:xfrm>
+            <a:off x="228600" y="228600"/>
+            <a:ext cx="6629400" cy="609599"/>
+          </a:xfrm>
+        </p:spPr>
+        <p:txBody>
+          <a:bodyPr>
+            <a:normAutofit/>
+          </a:bodyPr>
+          <a:lstStyle/>
+          <a:p>
+            <a:pPr algn="l"/>
+            <a:r>
+              <a:rPr lang="en-IN" b="1" i="0" dirty="0" err="1">
+                <a:solidFill>
+                  <a:srgbClr val="25265E"/>
+                </a:solidFill>
+                <a:effectLst/>
+                <a:latin typeface="euclid_circular_a"/>
+              </a:rPr>
+              <a:t>UnBounded</a:t>
+            </a:r>
+            <a:r>
+              <a:rPr lang="en-IN" b="1" i="0" dirty="0">
+                <a:solidFill>
+                  <a:srgbClr val="25265E"/>
+                </a:solidFill>
+                <a:effectLst/>
+                <a:latin typeface="euclid_circular_a"/>
+              </a:rPr>
+              <a:t> Wildcards</a:t>
+            </a:r>
+          </a:p>
+        </p:txBody>
+      </p:sp>
+      <p:sp>
+        <p:nvSpPr>
+          <p:cNvPr id="6" name="Content Placeholder 2">
+            <a:extLst>
+              <a:ext uri="{FF2B5EF4-FFF2-40B4-BE49-F238E27FC236}">
+                <a16:creationId xmlns:a16="http://schemas.microsoft.com/office/drawing/2014/main" id="{17AA01B4-C800-309E-CFA5-FEFF791D4537}"/>
+              </a:ext>
+            </a:extLst>
+          </p:cNvPr>
+          <p:cNvSpPr txBox="1">
+            <a:spLocks/>
+          </p:cNvSpPr>
+          <p:nvPr/>
+        </p:nvSpPr>
+        <p:spPr>
+          <a:xfrm>
+            <a:off x="381000" y="838199"/>
+            <a:ext cx="8534400" cy="5791201"/>
+          </a:xfrm>
+          <a:prstGeom prst="rect">
+            <a:avLst/>
+          </a:prstGeom>
+        </p:spPr>
+        <p:txBody>
+          <a:bodyPr vert="horz" lIns="91440" tIns="45720" rIns="91440" bIns="45720" rtlCol="0">
+            <a:noAutofit/>
+          </a:bodyPr>
+          <a:lstStyle>
+            <a:lvl1pPr marL="342900" indent="-342900" algn="l" defTabSz="914400" rtl="0" eaLnBrk="1" latinLnBrk="0" hangingPunct="1">
+              <a:spcBef>
+                <a:spcPct val="20000"/>
+              </a:spcBef>
+              <a:buFont typeface="Wingdings" pitchFamily="2" charset="2"/>
+              <a:buChar char="§"/>
+              <a:defRPr sz="1800" kern="1200">
+                <a:solidFill>
+                  <a:srgbClr val="4D4D4D"/>
+                </a:solidFill>
+                <a:latin typeface="Arial" panose="020B0604020202020204" pitchFamily="34" charset="0"/>
+                <a:ea typeface="+mn-ea"/>
+                <a:cs typeface="Arial" panose="020B0604020202020204" pitchFamily="34" charset="0"/>
+              </a:defRPr>
+            </a:lvl1pPr>
+            <a:lvl2pPr marL="742950" indent="-285750" algn="l" defTabSz="914400" rtl="0" eaLnBrk="1" latinLnBrk="0" hangingPunct="1">
+              <a:spcBef>
+                <a:spcPct val="20000"/>
+              </a:spcBef>
+              <a:buFont typeface="Arial" pitchFamily="34" charset="0"/>
+              <a:buChar char="•"/>
+              <a:defRPr sz="1600" kern="1200">
+                <a:solidFill>
+                  <a:srgbClr val="4D4D4D"/>
+                </a:solidFill>
+                <a:latin typeface="Arial" panose="020B0604020202020204" pitchFamily="34" charset="0"/>
+                <a:ea typeface="+mn-ea"/>
+                <a:cs typeface="Arial" panose="020B0604020202020204" pitchFamily="34" charset="0"/>
+              </a:defRPr>
+            </a:lvl2pPr>
+            <a:lvl3pPr marL="1143000" indent="-228600" algn="l" defTabSz="914400" rtl="0" eaLnBrk="1" latinLnBrk="0" hangingPunct="1">
+              <a:spcBef>
+                <a:spcPct val="20000"/>
+              </a:spcBef>
+              <a:buFont typeface="Courier New" pitchFamily="49" charset="0"/>
+              <a:buChar char="o"/>
+              <a:defRPr sz="1600" kern="1200">
+                <a:solidFill>
+                  <a:srgbClr val="4D4D4D"/>
+                </a:solidFill>
+                <a:latin typeface="Arial" panose="020B0604020202020204" pitchFamily="34" charset="0"/>
+                <a:ea typeface="+mn-ea"/>
+                <a:cs typeface="Arial" panose="020B0604020202020204" pitchFamily="34" charset="0"/>
+              </a:defRPr>
+            </a:lvl3pPr>
+            <a:lvl4pPr marL="1600200" indent="-228600" algn="l" defTabSz="914400" rtl="0" eaLnBrk="1" latinLnBrk="0" hangingPunct="1">
+              <a:spcBef>
+                <a:spcPct val="20000"/>
+              </a:spcBef>
+              <a:buFont typeface="Arial" pitchFamily="34" charset="0"/>
+              <a:buChar char="–"/>
+              <a:defRPr sz="1600" kern="1200">
+                <a:solidFill>
+                  <a:srgbClr val="4D4D4D"/>
+                </a:solidFill>
+                <a:latin typeface="Arial" panose="020B0604020202020204" pitchFamily="34" charset="0"/>
+                <a:ea typeface="+mn-ea"/>
+                <a:cs typeface="Arial" panose="020B0604020202020204" pitchFamily="34" charset="0"/>
+              </a:defRPr>
+            </a:lvl4pPr>
+            <a:lvl5pPr marL="2057400" indent="-228600" algn="l" defTabSz="914400" rtl="0" eaLnBrk="1" latinLnBrk="0" hangingPunct="1">
+              <a:spcBef>
+                <a:spcPct val="20000"/>
+              </a:spcBef>
+              <a:buFont typeface="Arial" pitchFamily="34" charset="0"/>
+              <a:buChar char="»"/>
+              <a:defRPr sz="1600" kern="1200">
+                <a:solidFill>
+                  <a:srgbClr val="4D4D4D"/>
+                </a:solidFill>
+                <a:latin typeface="Arial" panose="020B0604020202020204" pitchFamily="34" charset="0"/>
+                <a:ea typeface="+mn-ea"/>
+                <a:cs typeface="Arial" panose="020B0604020202020204" pitchFamily="34" charset="0"/>
+              </a:defRPr>
+            </a:lvl5pPr>
+            <a:lvl6pPr marL="2514600" indent="-228600" algn="l" defTabSz="914400" rtl="0" eaLnBrk="1" latinLnBrk="0" hangingPunct="1">
+              <a:spcBef>
+                <a:spcPct val="20000"/>
+              </a:spcBef>
+              <a:buFont typeface="Arial" pitchFamily="34" charset="0"/>
+              <a:buChar char="•"/>
+              <a:defRPr sz="2000" kern="1200">
+                <a:solidFill>
+                  <a:schemeClr val="tx1"/>
+                </a:solidFill>
+                <a:latin typeface="+mn-lt"/>
+                <a:ea typeface="+mn-ea"/>
+                <a:cs typeface="+mn-cs"/>
+              </a:defRPr>
+            </a:lvl6pPr>
+            <a:lvl7pPr marL="2971800" indent="-228600" algn="l" defTabSz="914400" rtl="0" eaLnBrk="1" latinLnBrk="0" hangingPunct="1">
+              <a:spcBef>
+                <a:spcPct val="20000"/>
+              </a:spcBef>
+              <a:buFont typeface="Arial" pitchFamily="34" charset="0"/>
+              <a:buChar char="•"/>
+              <a:defRPr sz="2000" kern="1200">
+                <a:solidFill>
+                  <a:schemeClr val="tx1"/>
+                </a:solidFill>
+                <a:latin typeface="+mn-lt"/>
+                <a:ea typeface="+mn-ea"/>
+                <a:cs typeface="+mn-cs"/>
+              </a:defRPr>
+            </a:lvl7pPr>
+            <a:lvl8pPr marL="3429000" indent="-228600" algn="l" defTabSz="914400" rtl="0" eaLnBrk="1" latinLnBrk="0" hangingPunct="1">
+              <a:spcBef>
+                <a:spcPct val="20000"/>
+              </a:spcBef>
+              <a:buFont typeface="Arial" pitchFamily="34" charset="0"/>
+              <a:buChar char="•"/>
+              <a:defRPr sz="2000" kern="1200">
+                <a:solidFill>
+                  <a:schemeClr val="tx1"/>
+                </a:solidFill>
+                <a:latin typeface="+mn-lt"/>
+                <a:ea typeface="+mn-ea"/>
+                <a:cs typeface="+mn-cs"/>
+              </a:defRPr>
+            </a:lvl8pPr>
+            <a:lvl9pPr marL="3886200" indent="-228600" algn="l" defTabSz="914400" rtl="0" eaLnBrk="1" latinLnBrk="0" hangingPunct="1">
+              <a:spcBef>
+                <a:spcPct val="20000"/>
+              </a:spcBef>
+              <a:buFont typeface="Arial" pitchFamily="34" charset="0"/>
+              <a:buChar char="•"/>
+              <a:defRPr sz="2000" kern="1200">
+                <a:solidFill>
+                  <a:schemeClr val="tx1"/>
+                </a:solidFill>
+                <a:latin typeface="+mn-lt"/>
+                <a:ea typeface="+mn-ea"/>
+                <a:cs typeface="+mn-cs"/>
+              </a:defRPr>
+            </a:lvl9pPr>
+          </a:lstStyle>
+          <a:p>
+            <a:r>
+              <a:rPr lang="en-IN" sz="2100" dirty="0">
+                <a:solidFill>
+                  <a:schemeClr val="tx1">
+                    <a:lumMod val="75000"/>
+                    <a:lumOff val="25000"/>
+                  </a:schemeClr>
+                </a:solidFill>
+                <a:latin typeface="+mn-lt"/>
+                <a:cs typeface="+mn-cs"/>
+              </a:rPr>
+              <a:t>Let’s now see a situation where your operation has nothing to do with a type. </a:t>
+            </a:r>
+          </a:p>
+          <a:p>
+            <a:r>
+              <a:rPr lang="en-IN" sz="2100" dirty="0">
+                <a:solidFill>
+                  <a:schemeClr val="tx1">
+                    <a:lumMod val="75000"/>
+                    <a:lumOff val="25000"/>
+                  </a:schemeClr>
+                </a:solidFill>
+                <a:latin typeface="+mn-lt"/>
+                <a:cs typeface="+mn-cs"/>
+              </a:rPr>
+              <a:t>A quick example could be the example we saw earlier of printing a list. </a:t>
+            </a:r>
+          </a:p>
+          <a:p>
+            <a:r>
+              <a:rPr lang="en-IN" sz="2100" dirty="0">
+                <a:solidFill>
+                  <a:schemeClr val="tx1">
+                    <a:lumMod val="75000"/>
+                    <a:lumOff val="25000"/>
+                  </a:schemeClr>
+                </a:solidFill>
+                <a:latin typeface="+mn-lt"/>
+                <a:cs typeface="+mn-cs"/>
+              </a:rPr>
+              <a:t>Printing a list is a simple operation irrespective of the data type. Broadly speaking, use this wildcard when the code inside the method is using the Object functionality but the code inside the method doesn’t depend on the data type of the parameter passed in. </a:t>
+            </a:r>
+          </a:p>
+          <a:p>
+            <a:r>
+              <a:rPr lang="en-IN" sz="2100" dirty="0">
+                <a:solidFill>
+                  <a:schemeClr val="tx1">
+                    <a:lumMod val="75000"/>
+                    <a:lumOff val="25000"/>
+                  </a:schemeClr>
+                </a:solidFill>
+                <a:latin typeface="+mn-lt"/>
+                <a:cs typeface="+mn-cs"/>
+              </a:rPr>
+              <a:t>The way to do this is just putting a ?.</a:t>
+            </a:r>
+          </a:p>
+          <a:p>
+            <a:r>
+              <a:rPr lang="en-IN" sz="2100" dirty="0">
+                <a:solidFill>
+                  <a:schemeClr val="tx1">
+                    <a:lumMod val="75000"/>
+                    <a:lumOff val="25000"/>
+                  </a:schemeClr>
+                </a:solidFill>
+                <a:latin typeface="+mn-lt"/>
+                <a:cs typeface="+mn-cs"/>
+              </a:rPr>
+              <a:t>To see a practical example, we could just amend the previous example to use an unbounded type.</a:t>
+            </a:r>
+          </a:p>
+        </p:txBody>
+      </p:sp>
+    </p:spTree>
+    <p:extLst>
+      <p:ext uri="{BB962C8B-B14F-4D97-AF65-F5344CB8AC3E}">
+        <p14:creationId xmlns:p14="http://schemas.microsoft.com/office/powerpoint/2010/main" val="4155867315"/>
+      </p:ext>
+    </p:extLst>
+  </p:cSld>
+  <p:clrMapOvr>
+    <a:masterClrMapping/>
+  </p:clrMapOvr>
+  <p:transition>
+    <p:fade/>
+  </p:transition>
+</p:sld>
+</file>
+
+<file path=ppt/slides/slide23.xml><?xml version="1.0" encoding="utf-8"?>
+<p:sld xmlns:a="http://schemas.openxmlformats.org/drawingml/2006/main" xmlns:r="http://schemas.openxmlformats.org/officeDocument/2006/relationships" xmlns:p="http://schemas.openxmlformats.org/presentationml/2006/main">
+  <p:cSld>
+    <p:spTree>
+      <p:nvGrpSpPr>
+        <p:cNvPr id="1" name=""/>
+        <p:cNvGrpSpPr/>
+        <p:nvPr/>
+      </p:nvGrpSpPr>
+      <p:grpSpPr>
+        <a:xfrm>
+          <a:off x="0" y="0"/>
+          <a:ext cx="0" cy="0"/>
+          <a:chOff x="0" y="0"/>
+          <a:chExt cx="0" cy="0"/>
+        </a:xfrm>
+      </p:grpSpPr>
+      <p:sp>
+        <p:nvSpPr>
+          <p:cNvPr id="2" name="Title 1"/>
+          <p:cNvSpPr>
+            <a:spLocks noGrp="1"/>
+          </p:cNvSpPr>
+          <p:nvPr>
+            <p:ph type="title"/>
+          </p:nvPr>
+        </p:nvSpPr>
+        <p:spPr>
+          <a:xfrm>
+            <a:off x="228600" y="228600"/>
+            <a:ext cx="6629400" cy="609599"/>
+          </a:xfrm>
+        </p:spPr>
+        <p:txBody>
+          <a:bodyPr>
+            <a:normAutofit/>
+          </a:bodyPr>
+          <a:lstStyle/>
+          <a:p>
+            <a:pPr algn="l"/>
+            <a:r>
+              <a:rPr lang="en-IN" b="1" i="0" dirty="0" err="1">
+                <a:solidFill>
+                  <a:srgbClr val="25265E"/>
+                </a:solidFill>
+                <a:effectLst/>
+                <a:latin typeface="euclid_circular_a"/>
+              </a:rPr>
+              <a:t>UnBounded</a:t>
+            </a:r>
+            <a:r>
+              <a:rPr lang="en-IN" b="1" i="0" dirty="0">
+                <a:solidFill>
+                  <a:srgbClr val="25265E"/>
+                </a:solidFill>
+                <a:effectLst/>
+                <a:latin typeface="euclid_circular_a"/>
+              </a:rPr>
+              <a:t> Wildcards Example</a:t>
+            </a:r>
+          </a:p>
+        </p:txBody>
+      </p:sp>
+      <p:sp>
+        <p:nvSpPr>
+          <p:cNvPr id="6" name="Content Placeholder 2">
+            <a:extLst>
+              <a:ext uri="{FF2B5EF4-FFF2-40B4-BE49-F238E27FC236}">
+                <a16:creationId xmlns:a16="http://schemas.microsoft.com/office/drawing/2014/main" id="{17AA01B4-C800-309E-CFA5-FEFF791D4537}"/>
+              </a:ext>
+            </a:extLst>
+          </p:cNvPr>
+          <p:cNvSpPr txBox="1">
+            <a:spLocks/>
+          </p:cNvSpPr>
+          <p:nvPr/>
+        </p:nvSpPr>
+        <p:spPr>
+          <a:xfrm>
+            <a:off x="381000" y="838199"/>
+            <a:ext cx="8534400" cy="5791201"/>
+          </a:xfrm>
+          <a:prstGeom prst="rect">
+            <a:avLst/>
+          </a:prstGeom>
+        </p:spPr>
+        <p:txBody>
+          <a:bodyPr vert="horz" lIns="91440" tIns="45720" rIns="91440" bIns="45720" rtlCol="0">
+            <a:noAutofit/>
+          </a:bodyPr>
+          <a:lstStyle>
+            <a:lvl1pPr marL="342900" indent="-342900" algn="l" defTabSz="914400" rtl="0" eaLnBrk="1" latinLnBrk="0" hangingPunct="1">
+              <a:spcBef>
+                <a:spcPct val="20000"/>
+              </a:spcBef>
+              <a:buFont typeface="Wingdings" pitchFamily="2" charset="2"/>
+              <a:buChar char="§"/>
+              <a:defRPr sz="1800" kern="1200">
+                <a:solidFill>
+                  <a:srgbClr val="4D4D4D"/>
+                </a:solidFill>
+                <a:latin typeface="Arial" panose="020B0604020202020204" pitchFamily="34" charset="0"/>
+                <a:ea typeface="+mn-ea"/>
+                <a:cs typeface="Arial" panose="020B0604020202020204" pitchFamily="34" charset="0"/>
+              </a:defRPr>
+            </a:lvl1pPr>
+            <a:lvl2pPr marL="742950" indent="-285750" algn="l" defTabSz="914400" rtl="0" eaLnBrk="1" latinLnBrk="0" hangingPunct="1">
+              <a:spcBef>
+                <a:spcPct val="20000"/>
+              </a:spcBef>
+              <a:buFont typeface="Arial" pitchFamily="34" charset="0"/>
+              <a:buChar char="•"/>
+              <a:defRPr sz="1600" kern="1200">
+                <a:solidFill>
+                  <a:srgbClr val="4D4D4D"/>
+                </a:solidFill>
+                <a:latin typeface="Arial" panose="020B0604020202020204" pitchFamily="34" charset="0"/>
+                <a:ea typeface="+mn-ea"/>
+                <a:cs typeface="Arial" panose="020B0604020202020204" pitchFamily="34" charset="0"/>
+              </a:defRPr>
+            </a:lvl2pPr>
+            <a:lvl3pPr marL="1143000" indent="-228600" algn="l" defTabSz="914400" rtl="0" eaLnBrk="1" latinLnBrk="0" hangingPunct="1">
+              <a:spcBef>
+                <a:spcPct val="20000"/>
+              </a:spcBef>
+              <a:buFont typeface="Courier New" pitchFamily="49" charset="0"/>
+              <a:buChar char="o"/>
+              <a:defRPr sz="1600" kern="1200">
+                <a:solidFill>
+                  <a:srgbClr val="4D4D4D"/>
+                </a:solidFill>
+                <a:latin typeface="Arial" panose="020B0604020202020204" pitchFamily="34" charset="0"/>
+                <a:ea typeface="+mn-ea"/>
+                <a:cs typeface="Arial" panose="020B0604020202020204" pitchFamily="34" charset="0"/>
+              </a:defRPr>
+            </a:lvl3pPr>
+            <a:lvl4pPr marL="1600200" indent="-228600" algn="l" defTabSz="914400" rtl="0" eaLnBrk="1" latinLnBrk="0" hangingPunct="1">
+              <a:spcBef>
+                <a:spcPct val="20000"/>
+              </a:spcBef>
+              <a:buFont typeface="Arial" pitchFamily="34" charset="0"/>
+              <a:buChar char="–"/>
+              <a:defRPr sz="1600" kern="1200">
+                <a:solidFill>
+                  <a:srgbClr val="4D4D4D"/>
+                </a:solidFill>
+                <a:latin typeface="Arial" panose="020B0604020202020204" pitchFamily="34" charset="0"/>
+                <a:ea typeface="+mn-ea"/>
+                <a:cs typeface="Arial" panose="020B0604020202020204" pitchFamily="34" charset="0"/>
+              </a:defRPr>
+            </a:lvl4pPr>
+            <a:lvl5pPr marL="2057400" indent="-228600" algn="l" defTabSz="914400" rtl="0" eaLnBrk="1" latinLnBrk="0" hangingPunct="1">
+              <a:spcBef>
+                <a:spcPct val="20000"/>
+              </a:spcBef>
+              <a:buFont typeface="Arial" pitchFamily="34" charset="0"/>
+              <a:buChar char="»"/>
+              <a:defRPr sz="1600" kern="1200">
+                <a:solidFill>
+                  <a:srgbClr val="4D4D4D"/>
+                </a:solidFill>
+                <a:latin typeface="Arial" panose="020B0604020202020204" pitchFamily="34" charset="0"/>
+                <a:ea typeface="+mn-ea"/>
+                <a:cs typeface="Arial" panose="020B0604020202020204" pitchFamily="34" charset="0"/>
+              </a:defRPr>
+            </a:lvl5pPr>
+            <a:lvl6pPr marL="2514600" indent="-228600" algn="l" defTabSz="914400" rtl="0" eaLnBrk="1" latinLnBrk="0" hangingPunct="1">
+              <a:spcBef>
+                <a:spcPct val="20000"/>
+              </a:spcBef>
+              <a:buFont typeface="Arial" pitchFamily="34" charset="0"/>
+              <a:buChar char="•"/>
+              <a:defRPr sz="2000" kern="1200">
+                <a:solidFill>
+                  <a:schemeClr val="tx1"/>
+                </a:solidFill>
+                <a:latin typeface="+mn-lt"/>
+                <a:ea typeface="+mn-ea"/>
+                <a:cs typeface="+mn-cs"/>
+              </a:defRPr>
+            </a:lvl6pPr>
+            <a:lvl7pPr marL="2971800" indent="-228600" algn="l" defTabSz="914400" rtl="0" eaLnBrk="1" latinLnBrk="0" hangingPunct="1">
+              <a:spcBef>
+                <a:spcPct val="20000"/>
+              </a:spcBef>
+              <a:buFont typeface="Arial" pitchFamily="34" charset="0"/>
+              <a:buChar char="•"/>
+              <a:defRPr sz="2000" kern="1200">
+                <a:solidFill>
+                  <a:schemeClr val="tx1"/>
+                </a:solidFill>
+                <a:latin typeface="+mn-lt"/>
+                <a:ea typeface="+mn-ea"/>
+                <a:cs typeface="+mn-cs"/>
+              </a:defRPr>
+            </a:lvl7pPr>
+            <a:lvl8pPr marL="3429000" indent="-228600" algn="l" defTabSz="914400" rtl="0" eaLnBrk="1" latinLnBrk="0" hangingPunct="1">
+              <a:spcBef>
+                <a:spcPct val="20000"/>
+              </a:spcBef>
+              <a:buFont typeface="Arial" pitchFamily="34" charset="0"/>
+              <a:buChar char="•"/>
+              <a:defRPr sz="2000" kern="1200">
+                <a:solidFill>
+                  <a:schemeClr val="tx1"/>
+                </a:solidFill>
+                <a:latin typeface="+mn-lt"/>
+                <a:ea typeface="+mn-ea"/>
+                <a:cs typeface="+mn-cs"/>
+              </a:defRPr>
+            </a:lvl8pPr>
+            <a:lvl9pPr marL="3886200" indent="-228600" algn="l" defTabSz="914400" rtl="0" eaLnBrk="1" latinLnBrk="0" hangingPunct="1">
+              <a:spcBef>
+                <a:spcPct val="20000"/>
+              </a:spcBef>
+              <a:buFont typeface="Arial" pitchFamily="34" charset="0"/>
+              <a:buChar char="•"/>
+              <a:defRPr sz="2000" kern="1200">
+                <a:solidFill>
+                  <a:schemeClr val="tx1"/>
+                </a:solidFill>
+                <a:latin typeface="+mn-lt"/>
+                <a:ea typeface="+mn-ea"/>
+                <a:cs typeface="+mn-cs"/>
+              </a:defRPr>
+            </a:lvl9pPr>
+          </a:lstStyle>
+          <a:p>
+            <a:endParaRPr lang="en-IN" sz="2100" dirty="0">
+              <a:solidFill>
+                <a:schemeClr val="tx1">
+                  <a:lumMod val="75000"/>
+                  <a:lumOff val="25000"/>
+                </a:schemeClr>
+              </a:solidFill>
+              <a:latin typeface="+mn-lt"/>
+              <a:cs typeface="+mn-cs"/>
+            </a:endParaRPr>
+          </a:p>
+        </p:txBody>
+      </p:sp>
+      <p:sp>
+        <p:nvSpPr>
+          <p:cNvPr id="4" name="TextBox 3">
+            <a:extLst>
+              <a:ext uri="{FF2B5EF4-FFF2-40B4-BE49-F238E27FC236}">
+                <a16:creationId xmlns:a16="http://schemas.microsoft.com/office/drawing/2014/main" id="{770E5975-416D-BA2B-0C65-78A34B02FA06}"/>
+              </a:ext>
+            </a:extLst>
+          </p:cNvPr>
+          <p:cNvSpPr txBox="1"/>
+          <p:nvPr/>
+        </p:nvSpPr>
+        <p:spPr>
+          <a:xfrm>
+            <a:off x="381000" y="1447798"/>
+            <a:ext cx="8229600" cy="4524315"/>
+          </a:xfrm>
+          <a:prstGeom prst="rect">
+            <a:avLst/>
+          </a:prstGeom>
+          <a:noFill/>
+        </p:spPr>
+        <p:txBody>
+          <a:bodyPr wrap="square">
+            <a:spAutoFit/>
+          </a:bodyPr>
+          <a:lstStyle/>
+          <a:p>
+            <a:r>
+              <a:rPr lang="en-US" dirty="0"/>
+              <a:t>public class Lower Bound { </a:t>
+            </a:r>
+          </a:p>
+          <a:p>
+            <a:r>
+              <a:rPr lang="en-US" dirty="0"/>
+              <a:t>    public static void main(String\[\] </a:t>
+            </a:r>
+            <a:r>
+              <a:rPr lang="en-US" dirty="0" err="1"/>
+              <a:t>args</a:t>
+            </a:r>
+            <a:r>
+              <a:rPr lang="en-US" dirty="0"/>
+              <a:t>) { </a:t>
+            </a:r>
+          </a:p>
+          <a:p>
+            <a:endParaRPr lang="en-US" dirty="0"/>
+          </a:p>
+          <a:p>
+            <a:r>
+              <a:rPr lang="en-US" dirty="0"/>
+              <a:t>    //Lower Bounded Integer List </a:t>
+            </a:r>
+          </a:p>
+          <a:p>
+            <a:r>
+              <a:rPr lang="en-US" dirty="0"/>
+              <a:t>    List&lt;Integer&gt; </a:t>
+            </a:r>
+            <a:r>
+              <a:rPr lang="en-US" dirty="0" err="1"/>
+              <a:t>intList</a:t>
+            </a:r>
+            <a:r>
+              <a:rPr lang="en-US" dirty="0"/>
+              <a:t> = </a:t>
+            </a:r>
+            <a:r>
+              <a:rPr lang="en-US" dirty="0" err="1"/>
+              <a:t>Arrays.asList</a:t>
+            </a:r>
+            <a:r>
+              <a:rPr lang="en-US" dirty="0"/>
+              <a:t>(10, 20, 30, 40);</a:t>
+            </a:r>
+          </a:p>
+          <a:p>
+            <a:r>
+              <a:rPr lang="en-US" dirty="0"/>
+              <a:t>    </a:t>
+            </a:r>
+            <a:r>
+              <a:rPr lang="en-US" dirty="0" err="1"/>
+              <a:t>printList</a:t>
+            </a:r>
+            <a:r>
+              <a:rPr lang="en-US" dirty="0"/>
+              <a:t>(</a:t>
+            </a:r>
+            <a:r>
+              <a:rPr lang="en-US" dirty="0" err="1"/>
+              <a:t>intList</a:t>
+            </a:r>
+            <a:r>
+              <a:rPr lang="en-US" dirty="0"/>
+              <a:t>); </a:t>
+            </a:r>
+          </a:p>
+          <a:p>
+            <a:endParaRPr lang="en-US" dirty="0"/>
+          </a:p>
+          <a:p>
+            <a:r>
+              <a:rPr lang="en-US" dirty="0"/>
+              <a:t>    //Double list instead of Number just to demonstrate that it doesn't matter what you pass </a:t>
+            </a:r>
+          </a:p>
+          <a:p>
+            <a:r>
+              <a:rPr lang="en-US" dirty="0"/>
+              <a:t>    List&lt;Double&gt; </a:t>
+            </a:r>
+            <a:r>
+              <a:rPr lang="en-US" dirty="0" err="1"/>
+              <a:t>doubleList</a:t>
+            </a:r>
+            <a:r>
+              <a:rPr lang="en-US" dirty="0"/>
+              <a:t> = </a:t>
+            </a:r>
+            <a:r>
+              <a:rPr lang="en-US" dirty="0" err="1"/>
+              <a:t>Arrays.asList</a:t>
+            </a:r>
+            <a:r>
+              <a:rPr lang="en-US" dirty="0"/>
+              <a:t>(11.5, 13.6, 67.8, 43.7); </a:t>
+            </a:r>
+          </a:p>
+          <a:p>
+            <a:r>
+              <a:rPr lang="en-US" dirty="0"/>
+              <a:t>    </a:t>
+            </a:r>
+            <a:r>
+              <a:rPr lang="en-US" dirty="0" err="1"/>
+              <a:t>printList</a:t>
+            </a:r>
+            <a:r>
+              <a:rPr lang="en-US" dirty="0"/>
+              <a:t>(</a:t>
+            </a:r>
+            <a:r>
+              <a:rPr lang="en-US" dirty="0" err="1"/>
+              <a:t>numberList</a:t>
+            </a:r>
+            <a:r>
+              <a:rPr lang="en-US" dirty="0"/>
+              <a:t>); </a:t>
+            </a:r>
+          </a:p>
+          <a:p>
+            <a:endParaRPr lang="en-US" dirty="0"/>
+          </a:p>
+          <a:p>
+            <a:r>
+              <a:rPr lang="en-US" dirty="0"/>
+              <a:t>    public static void </a:t>
+            </a:r>
+            <a:r>
+              <a:rPr lang="en-US" dirty="0" err="1"/>
+              <a:t>printList</a:t>
+            </a:r>
+            <a:r>
+              <a:rPr lang="en-US" dirty="0"/>
+              <a:t>(List&lt;?&gt; list) { </a:t>
+            </a:r>
+          </a:p>
+          <a:p>
+            <a:r>
+              <a:rPr lang="en-US" dirty="0"/>
+              <a:t>        </a:t>
+            </a:r>
+            <a:r>
+              <a:rPr lang="en-US" dirty="0" err="1"/>
+              <a:t>System.out.println</a:t>
+            </a:r>
+            <a:r>
+              <a:rPr lang="en-US" dirty="0"/>
+              <a:t>(list);</a:t>
+            </a:r>
+          </a:p>
+          <a:p>
+            <a:r>
+              <a:rPr lang="en-US" dirty="0"/>
+              <a:t>    }</a:t>
+            </a:r>
+          </a:p>
+          <a:p>
+            <a:r>
+              <a:rPr lang="en-US" dirty="0"/>
+              <a:t>}</a:t>
+            </a:r>
+          </a:p>
+        </p:txBody>
+      </p:sp>
+    </p:spTree>
+    <p:extLst>
+      <p:ext uri="{BB962C8B-B14F-4D97-AF65-F5344CB8AC3E}">
+        <p14:creationId xmlns:p14="http://schemas.microsoft.com/office/powerpoint/2010/main" val="4177401625"/>
+      </p:ext>
+    </p:extLst>
+  </p:cSld>
+  <p:clrMapOvr>
+    <a:masterClrMapping/>
+  </p:clrMapOvr>
+  <p:transition>
+    <p:fade/>
+  </p:transition>
+</p:sld>
+</file>
+
+<file path=ppt/slides/slide24.xml><?xml version="1.0" encoding="utf-8"?>
+<p:sld xmlns:a="http://schemas.openxmlformats.org/drawingml/2006/main" xmlns:r="http://schemas.openxmlformats.org/officeDocument/2006/relationships" xmlns:p="http://schemas.openxmlformats.org/presentationml/2006/main">
+  <p:cSld>
+    <p:spTree>
+      <p:nvGrpSpPr>
+        <p:cNvPr id="1" name=""/>
+        <p:cNvGrpSpPr/>
+        <p:nvPr/>
+      </p:nvGrpSpPr>
+      <p:grpSpPr>
+        <a:xfrm>
+          <a:off x="0" y="0"/>
+          <a:ext cx="0" cy="0"/>
+          <a:chOff x="0" y="0"/>
+          <a:chExt cx="0" cy="0"/>
+        </a:xfrm>
+      </p:grpSpPr>
+      <p:sp>
+        <p:nvSpPr>
+          <p:cNvPr id="2" name="Title 1"/>
+          <p:cNvSpPr>
+            <a:spLocks noGrp="1"/>
+          </p:cNvSpPr>
+          <p:nvPr>
+            <p:ph type="title"/>
+          </p:nvPr>
+        </p:nvSpPr>
+        <p:spPr>
+          <a:xfrm>
+            <a:off x="228600" y="228600"/>
+            <a:ext cx="6629400" cy="609599"/>
+          </a:xfrm>
+        </p:spPr>
+        <p:txBody>
+          <a:bodyPr>
+            <a:normAutofit/>
+          </a:bodyPr>
+          <a:lstStyle/>
+          <a:p>
+            <a:r>
+              <a:rPr lang="en-US" dirty="0"/>
+              <a:t>References</a:t>
+            </a:r>
+          </a:p>
+        </p:txBody>
+      </p:sp>
+      <p:sp>
+        <p:nvSpPr>
+          <p:cNvPr id="6" name="Content Placeholder 2">
+            <a:extLst>
+              <a:ext uri="{FF2B5EF4-FFF2-40B4-BE49-F238E27FC236}">
+                <a16:creationId xmlns:a16="http://schemas.microsoft.com/office/drawing/2014/main" id="{17AA01B4-C800-309E-CFA5-FEFF791D4537}"/>
+              </a:ext>
+            </a:extLst>
+          </p:cNvPr>
+          <p:cNvSpPr txBox="1">
+            <a:spLocks/>
+          </p:cNvSpPr>
+          <p:nvPr/>
+        </p:nvSpPr>
+        <p:spPr>
+          <a:xfrm>
+            <a:off x="381000" y="1219200"/>
+            <a:ext cx="8534400" cy="5410200"/>
+          </a:xfrm>
+          <a:prstGeom prst="rect">
+            <a:avLst/>
+          </a:prstGeom>
+        </p:spPr>
+        <p:txBody>
+          <a:bodyPr vert="horz" lIns="91440" tIns="45720" rIns="91440" bIns="45720" rtlCol="0">
+            <a:noAutofit/>
+          </a:bodyPr>
+          <a:lstStyle>
+            <a:lvl1pPr marL="342900" indent="-342900" algn="l" defTabSz="914400" rtl="0" eaLnBrk="1" latinLnBrk="0" hangingPunct="1">
+              <a:spcBef>
+                <a:spcPct val="20000"/>
+              </a:spcBef>
+              <a:buFont typeface="Wingdings" pitchFamily="2" charset="2"/>
+              <a:buChar char="§"/>
+              <a:defRPr sz="1800" kern="1200">
+                <a:solidFill>
+                  <a:srgbClr val="4D4D4D"/>
+                </a:solidFill>
+                <a:latin typeface="Arial" panose="020B0604020202020204" pitchFamily="34" charset="0"/>
+                <a:ea typeface="+mn-ea"/>
+                <a:cs typeface="Arial" panose="020B0604020202020204" pitchFamily="34" charset="0"/>
+              </a:defRPr>
+            </a:lvl1pPr>
+            <a:lvl2pPr marL="742950" indent="-285750" algn="l" defTabSz="914400" rtl="0" eaLnBrk="1" latinLnBrk="0" hangingPunct="1">
+              <a:spcBef>
+                <a:spcPct val="20000"/>
+              </a:spcBef>
+              <a:buFont typeface="Arial" pitchFamily="34" charset="0"/>
+              <a:buChar char="•"/>
+              <a:defRPr sz="1600" kern="1200">
+                <a:solidFill>
+                  <a:srgbClr val="4D4D4D"/>
+                </a:solidFill>
+                <a:latin typeface="Arial" panose="020B0604020202020204" pitchFamily="34" charset="0"/>
+                <a:ea typeface="+mn-ea"/>
+                <a:cs typeface="Arial" panose="020B0604020202020204" pitchFamily="34" charset="0"/>
+              </a:defRPr>
+            </a:lvl2pPr>
+            <a:lvl3pPr marL="1143000" indent="-228600" algn="l" defTabSz="914400" rtl="0" eaLnBrk="1" latinLnBrk="0" hangingPunct="1">
+              <a:spcBef>
+                <a:spcPct val="20000"/>
+              </a:spcBef>
+              <a:buFont typeface="Courier New" pitchFamily="49" charset="0"/>
+              <a:buChar char="o"/>
+              <a:defRPr sz="1600" kern="1200">
+                <a:solidFill>
+                  <a:srgbClr val="4D4D4D"/>
+                </a:solidFill>
+                <a:latin typeface="Arial" panose="020B0604020202020204" pitchFamily="34" charset="0"/>
+                <a:ea typeface="+mn-ea"/>
+                <a:cs typeface="Arial" panose="020B0604020202020204" pitchFamily="34" charset="0"/>
+              </a:defRPr>
+            </a:lvl3pPr>
+            <a:lvl4pPr marL="1600200" indent="-228600" algn="l" defTabSz="914400" rtl="0" eaLnBrk="1" latinLnBrk="0" hangingPunct="1">
+              <a:spcBef>
+                <a:spcPct val="20000"/>
+              </a:spcBef>
+              <a:buFont typeface="Arial" pitchFamily="34" charset="0"/>
+              <a:buChar char="–"/>
+              <a:defRPr sz="1600" kern="1200">
+                <a:solidFill>
+                  <a:srgbClr val="4D4D4D"/>
+                </a:solidFill>
+                <a:latin typeface="Arial" panose="020B0604020202020204" pitchFamily="34" charset="0"/>
+                <a:ea typeface="+mn-ea"/>
+                <a:cs typeface="Arial" panose="020B0604020202020204" pitchFamily="34" charset="0"/>
+              </a:defRPr>
+            </a:lvl4pPr>
+            <a:lvl5pPr marL="2057400" indent="-228600" algn="l" defTabSz="914400" rtl="0" eaLnBrk="1" latinLnBrk="0" hangingPunct="1">
+              <a:spcBef>
+                <a:spcPct val="20000"/>
+              </a:spcBef>
+              <a:buFont typeface="Arial" pitchFamily="34" charset="0"/>
+              <a:buChar char="»"/>
+              <a:defRPr sz="1600" kern="1200">
+                <a:solidFill>
+                  <a:srgbClr val="4D4D4D"/>
+                </a:solidFill>
+                <a:latin typeface="Arial" panose="020B0604020202020204" pitchFamily="34" charset="0"/>
+                <a:ea typeface="+mn-ea"/>
+                <a:cs typeface="Arial" panose="020B0604020202020204" pitchFamily="34" charset="0"/>
+              </a:defRPr>
+            </a:lvl5pPr>
+            <a:lvl6pPr marL="2514600" indent="-228600" algn="l" defTabSz="914400" rtl="0" eaLnBrk="1" latinLnBrk="0" hangingPunct="1">
+              <a:spcBef>
+                <a:spcPct val="20000"/>
+              </a:spcBef>
+              <a:buFont typeface="Arial" pitchFamily="34" charset="0"/>
+              <a:buChar char="•"/>
+              <a:defRPr sz="2000" kern="1200">
+                <a:solidFill>
+                  <a:schemeClr val="tx1"/>
+                </a:solidFill>
+                <a:latin typeface="+mn-lt"/>
+                <a:ea typeface="+mn-ea"/>
+                <a:cs typeface="+mn-cs"/>
+              </a:defRPr>
+            </a:lvl6pPr>
+            <a:lvl7pPr marL="2971800" indent="-228600" algn="l" defTabSz="914400" rtl="0" eaLnBrk="1" latinLnBrk="0" hangingPunct="1">
+              <a:spcBef>
+                <a:spcPct val="20000"/>
+              </a:spcBef>
+              <a:buFont typeface="Arial" pitchFamily="34" charset="0"/>
+              <a:buChar char="•"/>
+              <a:defRPr sz="2000" kern="1200">
+                <a:solidFill>
+                  <a:schemeClr val="tx1"/>
+                </a:solidFill>
+                <a:latin typeface="+mn-lt"/>
+                <a:ea typeface="+mn-ea"/>
+                <a:cs typeface="+mn-cs"/>
+              </a:defRPr>
+            </a:lvl7pPr>
+            <a:lvl8pPr marL="3429000" indent="-228600" algn="l" defTabSz="914400" rtl="0" eaLnBrk="1" latinLnBrk="0" hangingPunct="1">
+              <a:spcBef>
+                <a:spcPct val="20000"/>
+              </a:spcBef>
+              <a:buFont typeface="Arial" pitchFamily="34" charset="0"/>
+              <a:buChar char="•"/>
+              <a:defRPr sz="2000" kern="1200">
+                <a:solidFill>
+                  <a:schemeClr val="tx1"/>
+                </a:solidFill>
+                <a:latin typeface="+mn-lt"/>
+                <a:ea typeface="+mn-ea"/>
+                <a:cs typeface="+mn-cs"/>
+              </a:defRPr>
+            </a:lvl8pPr>
+            <a:lvl9pPr marL="3886200" indent="-228600" algn="l" defTabSz="914400" rtl="0" eaLnBrk="1" latinLnBrk="0" hangingPunct="1">
+              <a:spcBef>
+                <a:spcPct val="20000"/>
+              </a:spcBef>
+              <a:buFont typeface="Arial" pitchFamily="34" charset="0"/>
+              <a:buChar char="•"/>
+              <a:defRPr sz="2000" kern="1200">
+                <a:solidFill>
+                  <a:schemeClr val="tx1"/>
+                </a:solidFill>
+                <a:latin typeface="+mn-lt"/>
+                <a:ea typeface="+mn-ea"/>
+                <a:cs typeface="+mn-cs"/>
+              </a:defRPr>
+            </a:lvl9pPr>
+          </a:lstStyle>
+          <a:p>
+            <a:pPr>
+              <a:buFont typeface="Arial" panose="020B0604020202020204" pitchFamily="34" charset="0"/>
+              <a:buChar char="•"/>
+            </a:pPr>
+            <a:r>
+              <a:rPr lang="en-IN" sz="2100" dirty="0">
+                <a:solidFill>
+                  <a:schemeClr val="tx1">
+                    <a:lumMod val="75000"/>
+                    <a:lumOff val="25000"/>
+                  </a:schemeClr>
+                </a:solidFill>
+                <a:latin typeface="+mn-lt"/>
+                <a:cs typeface="+mn-cs"/>
+                <a:hlinkClick r:id="rId3"/>
+              </a:rPr>
+              <a:t>https://docs.oracle.com/javase/tutorial/java/generics/types.html</a:t>
+            </a:r>
+            <a:endParaRPr lang="en-IN" sz="2100" dirty="0">
+              <a:solidFill>
+                <a:schemeClr val="tx1">
+                  <a:lumMod val="75000"/>
+                  <a:lumOff val="25000"/>
+                </a:schemeClr>
+              </a:solidFill>
+              <a:latin typeface="+mn-lt"/>
+              <a:cs typeface="+mn-cs"/>
+            </a:endParaRPr>
+          </a:p>
+          <a:p>
+            <a:pPr>
+              <a:buFont typeface="Arial" panose="020B0604020202020204" pitchFamily="34" charset="0"/>
+              <a:buChar char="•"/>
+            </a:pPr>
+            <a:r>
+              <a:rPr lang="en-IN" sz="2100" dirty="0">
+                <a:solidFill>
+                  <a:schemeClr val="tx1">
+                    <a:lumMod val="75000"/>
+                    <a:lumOff val="25000"/>
+                  </a:schemeClr>
+                </a:solidFill>
+                <a:latin typeface="+mn-lt"/>
+                <a:cs typeface="+mn-cs"/>
+                <a:hlinkClick r:id="rId4"/>
+              </a:rPr>
+              <a:t>https://www.scaler.com/topics/java/generics-in-java/</a:t>
+            </a:r>
+            <a:endParaRPr lang="en-IN" sz="2100" dirty="0">
+              <a:solidFill>
+                <a:schemeClr val="tx1">
+                  <a:lumMod val="75000"/>
+                  <a:lumOff val="25000"/>
+                </a:schemeClr>
+              </a:solidFill>
+              <a:latin typeface="+mn-lt"/>
+              <a:cs typeface="+mn-cs"/>
+            </a:endParaRPr>
+          </a:p>
+          <a:p>
+            <a:pPr>
+              <a:buFont typeface="Arial" panose="020B0604020202020204" pitchFamily="34" charset="0"/>
+              <a:buChar char="•"/>
+            </a:pPr>
+            <a:endParaRPr lang="en-IN" sz="2100" dirty="0">
+              <a:solidFill>
+                <a:schemeClr val="tx1">
+                  <a:lumMod val="75000"/>
+                  <a:lumOff val="25000"/>
+                </a:schemeClr>
+              </a:solidFill>
+              <a:latin typeface="+mn-lt"/>
+              <a:cs typeface="+mn-cs"/>
+            </a:endParaRPr>
+          </a:p>
+          <a:p>
+            <a:pPr>
+              <a:buFont typeface="Arial" panose="020B0604020202020204" pitchFamily="34" charset="0"/>
+              <a:buChar char="•"/>
+            </a:pPr>
+            <a:endParaRPr lang="en-IN" sz="2100" dirty="0">
+              <a:solidFill>
+                <a:schemeClr val="tx1">
+                  <a:lumMod val="75000"/>
+                  <a:lumOff val="25000"/>
+                </a:schemeClr>
+              </a:solidFill>
+              <a:latin typeface="+mn-lt"/>
+              <a:cs typeface="+mn-cs"/>
+            </a:endParaRPr>
+          </a:p>
+        </p:txBody>
+      </p:sp>
+    </p:spTree>
+    <p:extLst>
+      <p:ext uri="{BB962C8B-B14F-4D97-AF65-F5344CB8AC3E}">
+        <p14:creationId xmlns:p14="http://schemas.microsoft.com/office/powerpoint/2010/main" val="3240350388"/>
+      </p:ext>
+    </p:extLst>
+  </p:cSld>
+  <p:clrMapOvr>
+    <a:masterClrMapping/>
+  </p:clrMapOvr>
+  <p:transition>
+    <p:fade/>
+  </p:transition>
+</p:sld>
+</file>
+
+<file path=ppt/slides/slide25.xml><?xml version="1.0" encoding="utf-8"?>
+<p:sld xmlns:a="http://schemas.openxmlformats.org/drawingml/2006/main" xmlns:r="http://schemas.openxmlformats.org/officeDocument/2006/relationships" xmlns:p="http://schemas.openxmlformats.org/presentationml/2006/main">
+  <p:cSld>
+    <p:spTree>
+      <p:nvGrpSpPr>
+        <p:cNvPr id="1" name=""/>
+        <p:cNvGrpSpPr/>
+        <p:nvPr/>
+      </p:nvGrpSpPr>
+      <p:grpSpPr>
+        <a:xfrm>
+          <a:off x="0" y="0"/>
+          <a:ext cx="0" cy="0"/>
+          <a:chOff x="0" y="0"/>
+          <a:chExt cx="0" cy="0"/>
+        </a:xfrm>
+      </p:grpSpPr>
+      <p:sp>
+        <p:nvSpPr>
+          <p:cNvPr id="2" name="Title 1"/>
+          <p:cNvSpPr>
+            <a:spLocks noGrp="1"/>
+          </p:cNvSpPr>
+          <p:nvPr>
+            <p:ph type="title"/>
+          </p:nvPr>
+        </p:nvSpPr>
         <p:spPr/>
         <p:txBody>
           <a:bodyPr/>
@@ -3813,7 +12306,7 @@
 </p:sld>
 </file>
 
-<file path=ppt/slides/slide12.xml><?xml version="1.0" encoding="utf-8"?>
+<file path=ppt/slides/slide26.xml><?xml version="1.0" encoding="utf-8"?>
 <p:sld xmlns:a="http://schemas.openxmlformats.org/drawingml/2006/main" xmlns:r="http://schemas.openxmlformats.org/officeDocument/2006/relationships" xmlns:p="http://schemas.openxmlformats.org/presentationml/2006/main">
   <p:cSld>
     <p:spTree>
@@ -3903,411 +12396,6 @@
     <p:extLst>
       <p:ext uri="{BB962C8B-B14F-4D97-AF65-F5344CB8AC3E}">
         <p14:creationId xmlns:p14="http://schemas.microsoft.com/office/powerpoint/2010/main" val="547422449"/>
-      </p:ext>
-    </p:extLst>
-  </p:cSld>
-  <p:clrMapOvr>
-    <a:masterClrMapping/>
-  </p:clrMapOvr>
-  <mc:AlternateContent xmlns:mc="http://schemas.openxmlformats.org/markup-compatibility/2006" xmlns:p14="http://schemas.microsoft.com/office/powerpoint/2010/main">
-    <mc:Choice Requires="p14">
-      <p:transition spd="med" p14:dur="700">
-        <p:fade/>
-      </p:transition>
-    </mc:Choice>
-    <mc:Fallback xmlns="">
-      <p:transition spd="med">
-        <p:fade/>
-      </p:transition>
-    </mc:Fallback>
-  </mc:AlternateContent>
-</p:sld>
-</file>
-
-<file path=ppt/slides/slide2.xml><?xml version="1.0" encoding="utf-8"?>
-<p:sld xmlns:a="http://schemas.openxmlformats.org/drawingml/2006/main" xmlns:r="http://schemas.openxmlformats.org/officeDocument/2006/relationships" xmlns:p="http://schemas.openxmlformats.org/presentationml/2006/main">
-  <p:cSld>
-    <p:spTree>
-      <p:nvGrpSpPr>
-        <p:cNvPr id="1" name=""/>
-        <p:cNvGrpSpPr/>
-        <p:nvPr/>
-      </p:nvGrpSpPr>
-      <p:grpSpPr>
-        <a:xfrm>
-          <a:off x="0" y="0"/>
-          <a:ext cx="0" cy="0"/>
-          <a:chOff x="0" y="0"/>
-          <a:chExt cx="0" cy="0"/>
-        </a:xfrm>
-      </p:grpSpPr>
-      <p:sp>
-        <p:nvSpPr>
-          <p:cNvPr id="2" name="Title 1"/>
-          <p:cNvSpPr>
-            <a:spLocks noGrp="1"/>
-          </p:cNvSpPr>
-          <p:nvPr>
-            <p:ph type="title"/>
-          </p:nvPr>
-        </p:nvSpPr>
-        <p:spPr/>
-        <p:txBody>
-          <a:bodyPr/>
-          <a:lstStyle/>
-          <a:p>
-            <a:r>
-              <a:rPr lang="en-US" dirty="0"/>
-              <a:t>What we will cover today?</a:t>
-            </a:r>
-            <a:endParaRPr lang="en-IN" sz="2900" dirty="0"/>
-          </a:p>
-        </p:txBody>
-      </p:sp>
-      <p:sp>
-        <p:nvSpPr>
-          <p:cNvPr id="6" name="Content Placeholder 2"/>
-          <p:cNvSpPr txBox="1">
-            <a:spLocks/>
-          </p:cNvSpPr>
-          <p:nvPr/>
-        </p:nvSpPr>
-        <p:spPr>
-          <a:xfrm>
-            <a:off x="1066800" y="990600"/>
-            <a:ext cx="7620000" cy="5105400"/>
-          </a:xfrm>
-          <a:prstGeom prst="rect">
-            <a:avLst/>
-          </a:prstGeom>
-        </p:spPr>
-        <p:txBody>
-          <a:bodyPr>
-            <a:noAutofit/>
-          </a:bodyPr>
-          <a:lstStyle>
-            <a:lvl1pPr marL="342900" indent="-342900" algn="l" defTabSz="914400" rtl="0" eaLnBrk="1" latinLnBrk="0" hangingPunct="1">
-              <a:spcBef>
-                <a:spcPct val="20000"/>
-              </a:spcBef>
-              <a:buFont typeface="Arial" pitchFamily="34" charset="0"/>
-              <a:buChar char="•"/>
-              <a:defRPr sz="3200" kern="1200">
-                <a:solidFill>
-                  <a:schemeClr val="tx1"/>
-                </a:solidFill>
-                <a:latin typeface="+mn-lt"/>
-                <a:ea typeface="+mn-ea"/>
-                <a:cs typeface="+mn-cs"/>
-              </a:defRPr>
-            </a:lvl1pPr>
-            <a:lvl2pPr marL="742950" indent="-285750" algn="l" defTabSz="914400" rtl="0" eaLnBrk="1" latinLnBrk="0" hangingPunct="1">
-              <a:spcBef>
-                <a:spcPct val="20000"/>
-              </a:spcBef>
-              <a:buFont typeface="Arial" pitchFamily="34" charset="0"/>
-              <a:buChar char="–"/>
-              <a:defRPr sz="2800" kern="1200">
-                <a:solidFill>
-                  <a:schemeClr val="tx1"/>
-                </a:solidFill>
-                <a:latin typeface="+mn-lt"/>
-                <a:ea typeface="+mn-ea"/>
-                <a:cs typeface="+mn-cs"/>
-              </a:defRPr>
-            </a:lvl2pPr>
-            <a:lvl3pPr marL="1143000" indent="-228600" algn="l" defTabSz="914400" rtl="0" eaLnBrk="1" latinLnBrk="0" hangingPunct="1">
-              <a:spcBef>
-                <a:spcPct val="20000"/>
-              </a:spcBef>
-              <a:buFont typeface="Arial" pitchFamily="34" charset="0"/>
-              <a:buChar char="•"/>
-              <a:defRPr sz="2400" kern="1200">
-                <a:solidFill>
-                  <a:schemeClr val="tx1"/>
-                </a:solidFill>
-                <a:latin typeface="+mn-lt"/>
-                <a:ea typeface="+mn-ea"/>
-                <a:cs typeface="+mn-cs"/>
-              </a:defRPr>
-            </a:lvl3pPr>
-            <a:lvl4pPr marL="1600200" indent="-228600" algn="l" defTabSz="914400" rtl="0" eaLnBrk="1" latinLnBrk="0" hangingPunct="1">
-              <a:spcBef>
-                <a:spcPct val="20000"/>
-              </a:spcBef>
-              <a:buFont typeface="Arial" pitchFamily="34" charset="0"/>
-              <a:buChar char="–"/>
-              <a:defRPr sz="2000" kern="1200">
-                <a:solidFill>
-                  <a:schemeClr val="tx1"/>
-                </a:solidFill>
-                <a:latin typeface="+mn-lt"/>
-                <a:ea typeface="+mn-ea"/>
-                <a:cs typeface="+mn-cs"/>
-              </a:defRPr>
-            </a:lvl4pPr>
-            <a:lvl5pPr marL="2057400" indent="-228600" algn="l" defTabSz="914400" rtl="0" eaLnBrk="1" latinLnBrk="0" hangingPunct="1">
-              <a:spcBef>
-                <a:spcPct val="20000"/>
-              </a:spcBef>
-              <a:buFont typeface="Arial" pitchFamily="34" charset="0"/>
-              <a:buChar char="»"/>
-              <a:defRPr sz="2000" kern="1200">
-                <a:solidFill>
-                  <a:schemeClr val="tx1"/>
-                </a:solidFill>
-                <a:latin typeface="+mn-lt"/>
-                <a:ea typeface="+mn-ea"/>
-                <a:cs typeface="+mn-cs"/>
-              </a:defRPr>
-            </a:lvl5pPr>
-            <a:lvl6pPr marL="2514600" indent="-228600" algn="l" defTabSz="914400" rtl="0" eaLnBrk="1" latinLnBrk="0" hangingPunct="1">
-              <a:spcBef>
-                <a:spcPct val="20000"/>
-              </a:spcBef>
-              <a:buFont typeface="Arial" pitchFamily="34" charset="0"/>
-              <a:buChar char="•"/>
-              <a:defRPr sz="2000" kern="1200">
-                <a:solidFill>
-                  <a:schemeClr val="tx1"/>
-                </a:solidFill>
-                <a:latin typeface="+mn-lt"/>
-                <a:ea typeface="+mn-ea"/>
-                <a:cs typeface="+mn-cs"/>
-              </a:defRPr>
-            </a:lvl6pPr>
-            <a:lvl7pPr marL="2971800" indent="-228600" algn="l" defTabSz="914400" rtl="0" eaLnBrk="1" latinLnBrk="0" hangingPunct="1">
-              <a:spcBef>
-                <a:spcPct val="20000"/>
-              </a:spcBef>
-              <a:buFont typeface="Arial" pitchFamily="34" charset="0"/>
-              <a:buChar char="•"/>
-              <a:defRPr sz="2000" kern="1200">
-                <a:solidFill>
-                  <a:schemeClr val="tx1"/>
-                </a:solidFill>
-                <a:latin typeface="+mn-lt"/>
-                <a:ea typeface="+mn-ea"/>
-                <a:cs typeface="+mn-cs"/>
-              </a:defRPr>
-            </a:lvl7pPr>
-            <a:lvl8pPr marL="3429000" indent="-228600" algn="l" defTabSz="914400" rtl="0" eaLnBrk="1" latinLnBrk="0" hangingPunct="1">
-              <a:spcBef>
-                <a:spcPct val="20000"/>
-              </a:spcBef>
-              <a:buFont typeface="Arial" pitchFamily="34" charset="0"/>
-              <a:buChar char="•"/>
-              <a:defRPr sz="2000" kern="1200">
-                <a:solidFill>
-                  <a:schemeClr val="tx1"/>
-                </a:solidFill>
-                <a:latin typeface="+mn-lt"/>
-                <a:ea typeface="+mn-ea"/>
-                <a:cs typeface="+mn-cs"/>
-              </a:defRPr>
-            </a:lvl8pPr>
-            <a:lvl9pPr marL="3886200" indent="-228600" algn="l" defTabSz="914400" rtl="0" eaLnBrk="1" latinLnBrk="0" hangingPunct="1">
-              <a:spcBef>
-                <a:spcPct val="20000"/>
-              </a:spcBef>
-              <a:buFont typeface="Arial" pitchFamily="34" charset="0"/>
-              <a:buChar char="•"/>
-              <a:defRPr sz="2000" kern="1200">
-                <a:solidFill>
-                  <a:schemeClr val="tx1"/>
-                </a:solidFill>
-                <a:latin typeface="+mn-lt"/>
-                <a:ea typeface="+mn-ea"/>
-                <a:cs typeface="+mn-cs"/>
-              </a:defRPr>
-            </a:lvl9pPr>
-          </a:lstStyle>
-          <a:p>
-            <a:pPr marL="0" indent="0">
-              <a:lnSpc>
-                <a:spcPct val="114000"/>
-              </a:lnSpc>
-              <a:spcBef>
-                <a:spcPts val="1800"/>
-              </a:spcBef>
-              <a:spcAft>
-                <a:spcPts val="1200"/>
-              </a:spcAft>
-              <a:buNone/>
-            </a:pPr>
-            <a:r>
-              <a:rPr lang="en-US" sz="2000" dirty="0">
-                <a:latin typeface="+mj-lt"/>
-              </a:rPr>
-              <a:t>Why Use Generics?</a:t>
-            </a:r>
-          </a:p>
-          <a:p>
-            <a:pPr marL="0" indent="0">
-              <a:lnSpc>
-                <a:spcPct val="114000"/>
-              </a:lnSpc>
-              <a:spcBef>
-                <a:spcPts val="1800"/>
-              </a:spcBef>
-              <a:spcAft>
-                <a:spcPts val="1200"/>
-              </a:spcAft>
-              <a:buNone/>
-            </a:pPr>
-            <a:r>
-              <a:rPr lang="en-US" sz="2000" dirty="0">
-                <a:latin typeface="+mj-lt"/>
-              </a:rPr>
-              <a:t>Benefits of Generics</a:t>
-            </a:r>
-          </a:p>
-          <a:p>
-            <a:pPr marL="0" indent="0">
-              <a:lnSpc>
-                <a:spcPct val="114000"/>
-              </a:lnSpc>
-              <a:spcBef>
-                <a:spcPts val="1800"/>
-              </a:spcBef>
-              <a:spcAft>
-                <a:spcPts val="1200"/>
-              </a:spcAft>
-              <a:buNone/>
-            </a:pPr>
-            <a:r>
-              <a:rPr lang="en-US" sz="2000" dirty="0">
-                <a:latin typeface="+mj-lt"/>
-              </a:rPr>
-              <a:t>Defining Generic Classes</a:t>
-            </a:r>
-          </a:p>
-          <a:p>
-            <a:pPr marL="0" indent="0">
-              <a:lnSpc>
-                <a:spcPct val="114000"/>
-              </a:lnSpc>
-              <a:spcBef>
-                <a:spcPts val="1800"/>
-              </a:spcBef>
-              <a:spcAft>
-                <a:spcPts val="1200"/>
-              </a:spcAft>
-              <a:buNone/>
-            </a:pPr>
-            <a:r>
-              <a:rPr lang="en-US" sz="2000" dirty="0">
-                <a:latin typeface="+mj-lt"/>
-              </a:rPr>
-              <a:t>Type Parameters</a:t>
-            </a:r>
-          </a:p>
-          <a:p>
-            <a:pPr marL="0" indent="0">
-              <a:lnSpc>
-                <a:spcPct val="114000"/>
-              </a:lnSpc>
-              <a:spcBef>
-                <a:spcPts val="1800"/>
-              </a:spcBef>
-              <a:spcAft>
-                <a:spcPts val="1200"/>
-              </a:spcAft>
-              <a:buNone/>
-            </a:pPr>
-            <a:r>
-              <a:rPr lang="en-US" sz="2000" dirty="0">
-                <a:latin typeface="+mj-lt"/>
-              </a:rPr>
-              <a:t>Creating Generic Methods</a:t>
-            </a:r>
-          </a:p>
-          <a:p>
-            <a:pPr marL="0" indent="0">
-              <a:lnSpc>
-                <a:spcPct val="114000"/>
-              </a:lnSpc>
-              <a:spcBef>
-                <a:spcPts val="1800"/>
-              </a:spcBef>
-              <a:spcAft>
-                <a:spcPts val="1200"/>
-              </a:spcAft>
-              <a:buNone/>
-            </a:pPr>
-            <a:r>
-              <a:rPr lang="en-US" sz="2000" dirty="0">
-                <a:latin typeface="+mj-lt"/>
-              </a:rPr>
-              <a:t>Bounded Type Parameters</a:t>
-            </a:r>
-          </a:p>
-          <a:p>
-            <a:pPr marL="0" indent="0">
-              <a:lnSpc>
-                <a:spcPct val="114000"/>
-              </a:lnSpc>
-              <a:spcBef>
-                <a:spcPts val="1800"/>
-              </a:spcBef>
-              <a:spcAft>
-                <a:spcPts val="1200"/>
-              </a:spcAft>
-              <a:buNone/>
-            </a:pPr>
-            <a:r>
-              <a:rPr lang="en-US" sz="2000" dirty="0">
-                <a:latin typeface="+mj-lt"/>
-              </a:rPr>
-              <a:t>Upper Bounded Wildcards</a:t>
-            </a:r>
-          </a:p>
-          <a:p>
-            <a:pPr marL="0" indent="0">
-              <a:lnSpc>
-                <a:spcPct val="114000"/>
-              </a:lnSpc>
-              <a:spcBef>
-                <a:spcPts val="1800"/>
-              </a:spcBef>
-              <a:spcAft>
-                <a:spcPts val="1200"/>
-              </a:spcAft>
-              <a:buNone/>
-            </a:pPr>
-            <a:r>
-              <a:rPr lang="en-US" sz="2000" dirty="0">
-                <a:latin typeface="+mj-lt"/>
-              </a:rPr>
-              <a:t>Lower Bounded Wildcards</a:t>
-            </a:r>
-          </a:p>
-          <a:p>
-            <a:pPr marL="0" indent="0">
-              <a:lnSpc>
-                <a:spcPct val="114000"/>
-              </a:lnSpc>
-              <a:spcBef>
-                <a:spcPts val="1800"/>
-              </a:spcBef>
-              <a:spcAft>
-                <a:spcPts val="1200"/>
-              </a:spcAft>
-              <a:buNone/>
-            </a:pPr>
-            <a:r>
-              <a:rPr lang="en-US" sz="2000" dirty="0">
-                <a:latin typeface="+mj-lt"/>
-              </a:rPr>
-              <a:t>Unbounded Wildcards</a:t>
-            </a:r>
-          </a:p>
-        </p:txBody>
-      </p:sp>
-    </p:spTree>
-    <p:extLst>
-      <p:ext uri="{BB962C8B-B14F-4D97-AF65-F5344CB8AC3E}">
-        <p14:creationId xmlns:p14="http://schemas.microsoft.com/office/powerpoint/2010/main" val="4050077597"/>
       </p:ext>
     </p:extLst>
   </p:cSld>
@@ -8136,6 +16224,15 @@
 </file>
 
 <file path=customXml/item1.xml><?xml version="1.0" encoding="utf-8"?>
+<?mso-contentType ?>
+<FormTemplates xmlns="http://schemas.microsoft.com/sharepoint/v3/contenttype/forms">
+  <Display>DocumentLibraryForm</Display>
+  <Edit>DocumentLibraryForm</Edit>
+  <New>DocumentLibraryForm</New>
+</FormTemplates>
+</file>
+
+<file path=customXml/item2.xml><?xml version="1.0" encoding="utf-8"?>
 <p:properties xmlns:p="http://schemas.microsoft.com/office/2006/metadata/properties" xmlns:xsi="http://www.w3.org/2001/XMLSchema-instance" xmlns:pc="http://schemas.microsoft.com/office/infopath/2007/PartnerControls">
   <documentManagement>
     <Version_x0020_No_x002e_ xmlns="5b0b727f-9d55-4674-90df-9368557459d7">1.0</Version_x0020_No_x002e_>
@@ -8144,15 +16241,6 @@
     <Version_x0020_No xmlns="5b0b727f-9d55-4674-90df-9368557459d7">1.0</Version_x0020_No>
   </documentManagement>
 </p:properties>
-</file>
-
-<file path=customXml/item2.xml><?xml version="1.0" encoding="utf-8"?>
-<?mso-contentType ?>
-<FormTemplates xmlns="http://schemas.microsoft.com/sharepoint/v3/contenttype/forms">
-  <Display>DocumentLibraryForm</Display>
-  <Edit>DocumentLibraryForm</Edit>
-  <New>DocumentLibraryForm</New>
-</FormTemplates>
 </file>
 
 <file path=customXml/item3.xml><?xml version="1.0" encoding="utf-8"?>
@@ -8311,6 +16399,14 @@
 </file>
 
 <file path=customXml/itemProps1.xml><?xml version="1.0" encoding="utf-8"?>
+<ds:datastoreItem xmlns:ds="http://schemas.openxmlformats.org/officeDocument/2006/customXml" ds:itemID="{2215CF3E-B7B2-4757-A9A7-BF8CDE2155B6}">
+  <ds:schemaRefs>
+    <ds:schemaRef ds:uri="http://schemas.microsoft.com/sharepoint/v3/contenttype/forms"/>
+  </ds:schemaRefs>
+</ds:datastoreItem>
+</file>
+
+<file path=customXml/itemProps2.xml><?xml version="1.0" encoding="utf-8"?>
 <ds:datastoreItem xmlns:ds="http://schemas.openxmlformats.org/officeDocument/2006/customXml" ds:itemID="{B0006A50-4E7D-423B-9555-E21005059E29}">
   <ds:schemaRefs>
     <ds:schemaRef ds:uri="http://schemas.microsoft.com/office/2006/documentManagement/types"/>
@@ -8323,14 +16419,6 @@
     <ds:schemaRef ds:uri="http://schemas.microsoft.com/office/infopath/2007/PartnerControls"/>
     <ds:schemaRef ds:uri="5b0b727f-9d55-4674-90df-9368557459d7"/>
     <ds:schemaRef ds:uri="http://purl.org/dc/terms/"/>
-  </ds:schemaRefs>
-</ds:datastoreItem>
-</file>
-
-<file path=customXml/itemProps2.xml><?xml version="1.0" encoding="utf-8"?>
-<ds:datastoreItem xmlns:ds="http://schemas.openxmlformats.org/officeDocument/2006/customXml" ds:itemID="{2215CF3E-B7B2-4757-A9A7-BF8CDE2155B6}">
-  <ds:schemaRefs>
-    <ds:schemaRef ds:uri="http://schemas.microsoft.com/sharepoint/v3/contenttype/forms"/>
   </ds:schemaRefs>
 </ds:datastoreItem>
 </file>
